--- a/data/문서수발 라벨 양식.pptx
+++ b/data/문서수발 라벨 양식.pptx
@@ -6,6 +6,8 @@
   </p:sldMasterIdLst>
   <p:sldIdLst>
     <p:sldId id="256" r:id="rId2"/>
+    <p:sldId id="257" r:id="rId3"/>
+    <p:sldId id="258" r:id="rId4"/>
   </p:sldIdLst>
   <p:sldSz cx="9906000" cy="6858000" type="A4"/>
   <p:notesSz cx="6858000" cy="9144000"/>
@@ -104,6 +106,11 @@
       </a:defRPr>
     </a:lvl9pPr>
   </p:defaultTextStyle>
+  <p:extLst>
+    <p:ext uri="{EFAFB233-063F-42B5-8137-9DF3F51BA10A}">
+      <p15:sldGuideLst xmlns:p15="http://schemas.microsoft.com/office/powerpoint/2012/main"/>
+    </p:ext>
+  </p:extLst>
 </p:presentation>
 </file>
 
@@ -6764,6 +6771,7954 @@
 </p:sld>
 </file>
 
+<file path=ppt/slides/slide2.xml><?xml version="1.0" encoding="utf-8"?>
+<p:sld xmlns:a="http://schemas.openxmlformats.org/drawingml/2006/main" xmlns:r="http://schemas.openxmlformats.org/officeDocument/2006/relationships" xmlns:p="http://schemas.openxmlformats.org/presentationml/2006/main">
+  <p:cSld>
+    <p:spTree>
+      <p:nvGrpSpPr>
+        <p:cNvPr id="1" name=""/>
+        <p:cNvGrpSpPr/>
+        <p:nvPr/>
+      </p:nvGrpSpPr>
+      <p:grpSpPr>
+        <a:xfrm>
+          <a:off x="0" y="0"/>
+          <a:ext cx="0" cy="0"/>
+          <a:chOff x="0" y="0"/>
+          <a:chExt cx="0" cy="0"/>
+        </a:xfrm>
+      </p:grpSpPr>
+      <p:graphicFrame>
+        <p:nvGraphicFramePr>
+          <p:cNvPr id="4" name="표 3">
+            <a:extLst>
+              <a:ext uri="{FF2B5EF4-FFF2-40B4-BE49-F238E27FC236}">
+                <a16:creationId xmlns:a16="http://schemas.microsoft.com/office/drawing/2014/main" id="{3009FE66-4770-5E42-A7A8-4FC001B45629}"/>
+              </a:ext>
+            </a:extLst>
+          </p:cNvPr>
+          <p:cNvGraphicFramePr>
+            <a:graphicFrameLocks noGrp="1"/>
+          </p:cNvGraphicFramePr>
+          <p:nvPr>
+            <p:extLst/>
+          </p:nvPr>
+        </p:nvGraphicFramePr>
+        <p:xfrm>
+          <a:off x="302845" y="313266"/>
+          <a:ext cx="4536000" cy="1404000"/>
+        </p:xfrm>
+        <a:graphic>
+          <a:graphicData uri="http://schemas.openxmlformats.org/drawingml/2006/table">
+            <a:tbl>
+              <a:tblPr firstRow="1" bandRow="1">
+                <a:tableStyleId>{5C22544A-7EE6-4342-B048-85BDC9FD1C3A}</a:tableStyleId>
+              </a:tblPr>
+              <a:tblGrid>
+                <a:gridCol w="900000">
+                  <a:extLst>
+                    <a:ext uri="{9D8B030D-6E8A-4147-A177-3AD203B41FA5}">
+                      <a16:colId xmlns:a16="http://schemas.microsoft.com/office/drawing/2014/main" val="3286585976"/>
+                    </a:ext>
+                  </a:extLst>
+                </a:gridCol>
+                <a:gridCol w="3636000">
+                  <a:extLst>
+                    <a:ext uri="{9D8B030D-6E8A-4147-A177-3AD203B41FA5}">
+                      <a16:colId xmlns:a16="http://schemas.microsoft.com/office/drawing/2014/main" val="1935096649"/>
+                    </a:ext>
+                  </a:extLst>
+                </a:gridCol>
+              </a:tblGrid>
+              <a:tr h="468000">
+                <a:tc>
+                  <a:txBody>
+                    <a:bodyPr/>
+                    <a:lstStyle/>
+                    <a:p>
+                      <a:pPr algn="ctr" latinLnBrk="1"/>
+                      <a:r>
+                        <a:rPr lang="ko-KR" altLang="en-US" sz="1200" b="1" dirty="0">
+                          <a:solidFill>
+                            <a:sysClr val="windowText" lastClr="000000"/>
+                          </a:solidFill>
+                        </a:rPr>
+                        <a:t>부서</a:t>
+                      </a:r>
+                    </a:p>
+                  </a:txBody>
+                  <a:tcPr anchor="ctr">
+                    <a:lnL w="12700" cap="flat" cmpd="sng" algn="ctr">
+                      <a:noFill/>
+                      <a:prstDash val="solid"/>
+                      <a:round/>
+                      <a:headEnd type="none" w="med" len="med"/>
+                      <a:tailEnd type="none" w="med" len="med"/>
+                    </a:lnL>
+                    <a:lnR w="12700" cap="flat" cmpd="sng" algn="ctr">
+                      <a:solidFill>
+                        <a:schemeClr val="bg1">
+                          <a:lumMod val="65000"/>
+                        </a:schemeClr>
+                      </a:solidFill>
+                      <a:prstDash val="solid"/>
+                      <a:round/>
+                      <a:headEnd type="none" w="med" len="med"/>
+                      <a:tailEnd type="none" w="med" len="med"/>
+                    </a:lnR>
+                    <a:lnT w="12700" cap="flat" cmpd="sng" algn="ctr">
+                      <a:solidFill>
+                        <a:schemeClr val="bg1">
+                          <a:lumMod val="65000"/>
+                        </a:schemeClr>
+                      </a:solidFill>
+                      <a:prstDash val="solid"/>
+                      <a:round/>
+                      <a:headEnd type="none" w="med" len="med"/>
+                      <a:tailEnd type="none" w="med" len="med"/>
+                    </a:lnT>
+                    <a:lnB w="12700" cap="flat" cmpd="sng" algn="ctr">
+                      <a:solidFill>
+                        <a:schemeClr val="bg1">
+                          <a:lumMod val="65000"/>
+                        </a:schemeClr>
+                      </a:solidFill>
+                      <a:prstDash val="solid"/>
+                      <a:round/>
+                      <a:headEnd type="none" w="med" len="med"/>
+                      <a:tailEnd type="none" w="med" len="med"/>
+                    </a:lnB>
+                    <a:lnTlToBr w="12700" cmpd="sng">
+                      <a:noFill/>
+                      <a:prstDash val="solid"/>
+                    </a:lnTlToBr>
+                    <a:lnBlToTr w="12700" cmpd="sng">
+                      <a:noFill/>
+                      <a:prstDash val="solid"/>
+                    </a:lnBlToTr>
+                    <a:solidFill>
+                      <a:schemeClr val="bg1">
+                        <a:lumMod val="95000"/>
+                      </a:schemeClr>
+                    </a:solidFill>
+                  </a:tcPr>
+                </a:tc>
+                <a:tc>
+                  <a:txBody>
+                    <a:bodyPr/>
+                    <a:lstStyle/>
+                    <a:p>
+                      <a:pPr algn="l" latinLnBrk="1"/>
+                      <a:r>
+                        <a:rPr lang="ko-KR" altLang="en-US" sz="1200" b="1" dirty="0">
+                          <a:solidFill>
+                            <a:sysClr val="windowText" lastClr="000000"/>
+                          </a:solidFill>
+                        </a:rPr>
+                        <a:t>부서명 입력란</a:t>
+                      </a:r>
+                    </a:p>
+                  </a:txBody>
+                  <a:tcPr anchor="ctr">
+                    <a:lnL w="12700" cap="flat" cmpd="sng" algn="ctr">
+                      <a:solidFill>
+                        <a:schemeClr val="bg1">
+                          <a:lumMod val="65000"/>
+                        </a:schemeClr>
+                      </a:solidFill>
+                      <a:prstDash val="solid"/>
+                      <a:round/>
+                      <a:headEnd type="none" w="med" len="med"/>
+                      <a:tailEnd type="none" w="med" len="med"/>
+                    </a:lnL>
+                    <a:lnR w="12700" cap="flat" cmpd="sng" algn="ctr">
+                      <a:noFill/>
+                      <a:prstDash val="solid"/>
+                      <a:round/>
+                      <a:headEnd type="none" w="med" len="med"/>
+                      <a:tailEnd type="none" w="med" len="med"/>
+                    </a:lnR>
+                    <a:lnT w="12700" cap="flat" cmpd="sng" algn="ctr">
+                      <a:solidFill>
+                        <a:schemeClr val="bg1">
+                          <a:lumMod val="65000"/>
+                        </a:schemeClr>
+                      </a:solidFill>
+                      <a:prstDash val="solid"/>
+                      <a:round/>
+                      <a:headEnd type="none" w="med" len="med"/>
+                      <a:tailEnd type="none" w="med" len="med"/>
+                    </a:lnT>
+                    <a:lnB w="12700" cap="flat" cmpd="sng" algn="ctr">
+                      <a:solidFill>
+                        <a:schemeClr val="bg1">
+                          <a:lumMod val="65000"/>
+                        </a:schemeClr>
+                      </a:solidFill>
+                      <a:prstDash val="solid"/>
+                      <a:round/>
+                      <a:headEnd type="none" w="med" len="med"/>
+                      <a:tailEnd type="none" w="med" len="med"/>
+                    </a:lnB>
+                    <a:lnTlToBr w="12700" cmpd="sng">
+                      <a:noFill/>
+                      <a:prstDash val="solid"/>
+                    </a:lnTlToBr>
+                    <a:lnBlToTr w="12700" cmpd="sng">
+                      <a:noFill/>
+                      <a:prstDash val="solid"/>
+                    </a:lnBlToTr>
+                    <a:solidFill>
+                      <a:schemeClr val="bg1"/>
+                    </a:solidFill>
+                  </a:tcPr>
+                </a:tc>
+                <a:extLst>
+                  <a:ext uri="{0D108BD9-81ED-4DB2-BD59-A6C34878D82A}">
+                    <a16:rowId xmlns:a16="http://schemas.microsoft.com/office/drawing/2014/main" val="2102013272"/>
+                  </a:ext>
+                </a:extLst>
+              </a:tr>
+              <a:tr h="468000">
+                <a:tc>
+                  <a:txBody>
+                    <a:bodyPr/>
+                    <a:lstStyle/>
+                    <a:p>
+                      <a:pPr algn="ctr" latinLnBrk="1"/>
+                      <a:r>
+                        <a:rPr lang="ko-KR" altLang="en-US" sz="1200" b="1" dirty="0">
+                          <a:solidFill>
+                            <a:sysClr val="windowText" lastClr="000000"/>
+                          </a:solidFill>
+                        </a:rPr>
+                        <a:t>수신자</a:t>
+                      </a:r>
+                    </a:p>
+                  </a:txBody>
+                  <a:tcPr anchor="ctr">
+                    <a:lnL w="12700" cap="flat" cmpd="sng" algn="ctr">
+                      <a:noFill/>
+                      <a:prstDash val="solid"/>
+                      <a:round/>
+                      <a:headEnd type="none" w="med" len="med"/>
+                      <a:tailEnd type="none" w="med" len="med"/>
+                    </a:lnL>
+                    <a:lnR w="12700" cap="flat" cmpd="sng" algn="ctr">
+                      <a:solidFill>
+                        <a:schemeClr val="bg1">
+                          <a:lumMod val="65000"/>
+                        </a:schemeClr>
+                      </a:solidFill>
+                      <a:prstDash val="solid"/>
+                      <a:round/>
+                      <a:headEnd type="none" w="med" len="med"/>
+                      <a:tailEnd type="none" w="med" len="med"/>
+                    </a:lnR>
+                    <a:lnT w="12700" cap="flat" cmpd="sng" algn="ctr">
+                      <a:solidFill>
+                        <a:schemeClr val="bg1">
+                          <a:lumMod val="65000"/>
+                        </a:schemeClr>
+                      </a:solidFill>
+                      <a:prstDash val="solid"/>
+                      <a:round/>
+                      <a:headEnd type="none" w="med" len="med"/>
+                      <a:tailEnd type="none" w="med" len="med"/>
+                    </a:lnT>
+                    <a:lnB w="12700" cap="flat" cmpd="sng" algn="ctr">
+                      <a:solidFill>
+                        <a:schemeClr val="bg1">
+                          <a:lumMod val="65000"/>
+                        </a:schemeClr>
+                      </a:solidFill>
+                      <a:prstDash val="solid"/>
+                      <a:round/>
+                      <a:headEnd type="none" w="med" len="med"/>
+                      <a:tailEnd type="none" w="med" len="med"/>
+                    </a:lnB>
+                    <a:lnTlToBr w="12700" cmpd="sng">
+                      <a:noFill/>
+                      <a:prstDash val="solid"/>
+                    </a:lnTlToBr>
+                    <a:lnBlToTr w="12700" cmpd="sng">
+                      <a:noFill/>
+                      <a:prstDash val="solid"/>
+                    </a:lnBlToTr>
+                    <a:solidFill>
+                      <a:schemeClr val="bg1">
+                        <a:lumMod val="95000"/>
+                      </a:schemeClr>
+                    </a:solidFill>
+                  </a:tcPr>
+                </a:tc>
+                <a:tc>
+                  <a:txBody>
+                    <a:bodyPr/>
+                    <a:lstStyle/>
+                    <a:p>
+                      <a:pPr algn="l" latinLnBrk="1"/>
+                      <a:r>
+                        <a:rPr lang="ko-KR" altLang="en-US" sz="1200" b="1" dirty="0">
+                          <a:solidFill>
+                            <a:sysClr val="windowText" lastClr="000000"/>
+                          </a:solidFill>
+                        </a:rPr>
+                        <a:t>수신자 입력란</a:t>
+                      </a:r>
+                    </a:p>
+                  </a:txBody>
+                  <a:tcPr anchor="ctr">
+                    <a:lnL w="12700" cap="flat" cmpd="sng" algn="ctr">
+                      <a:solidFill>
+                        <a:schemeClr val="bg1">
+                          <a:lumMod val="65000"/>
+                        </a:schemeClr>
+                      </a:solidFill>
+                      <a:prstDash val="solid"/>
+                      <a:round/>
+                      <a:headEnd type="none" w="med" len="med"/>
+                      <a:tailEnd type="none" w="med" len="med"/>
+                    </a:lnL>
+                    <a:lnR w="12700" cap="flat" cmpd="sng" algn="ctr">
+                      <a:noFill/>
+                      <a:prstDash val="solid"/>
+                      <a:round/>
+                      <a:headEnd type="none" w="med" len="med"/>
+                      <a:tailEnd type="none" w="med" len="med"/>
+                    </a:lnR>
+                    <a:lnT w="12700" cap="flat" cmpd="sng" algn="ctr">
+                      <a:solidFill>
+                        <a:schemeClr val="bg1">
+                          <a:lumMod val="65000"/>
+                        </a:schemeClr>
+                      </a:solidFill>
+                      <a:prstDash val="solid"/>
+                      <a:round/>
+                      <a:headEnd type="none" w="med" len="med"/>
+                      <a:tailEnd type="none" w="med" len="med"/>
+                    </a:lnT>
+                    <a:lnB w="12700" cap="flat" cmpd="sng" algn="ctr">
+                      <a:solidFill>
+                        <a:schemeClr val="bg1">
+                          <a:lumMod val="65000"/>
+                        </a:schemeClr>
+                      </a:solidFill>
+                      <a:prstDash val="solid"/>
+                      <a:round/>
+                      <a:headEnd type="none" w="med" len="med"/>
+                      <a:tailEnd type="none" w="med" len="med"/>
+                    </a:lnB>
+                    <a:lnTlToBr w="12700" cmpd="sng">
+                      <a:noFill/>
+                      <a:prstDash val="solid"/>
+                    </a:lnTlToBr>
+                    <a:lnBlToTr w="12700" cmpd="sng">
+                      <a:noFill/>
+                      <a:prstDash val="solid"/>
+                    </a:lnBlToTr>
+                    <a:solidFill>
+                      <a:schemeClr val="bg1"/>
+                    </a:solidFill>
+                  </a:tcPr>
+                </a:tc>
+                <a:extLst>
+                  <a:ext uri="{0D108BD9-81ED-4DB2-BD59-A6C34878D82A}">
+                    <a16:rowId xmlns:a16="http://schemas.microsoft.com/office/drawing/2014/main" val="2262134838"/>
+                  </a:ext>
+                </a:extLst>
+              </a:tr>
+              <a:tr h="468000">
+                <a:tc>
+                  <a:txBody>
+                    <a:bodyPr/>
+                    <a:lstStyle/>
+                    <a:p>
+                      <a:pPr algn="ctr" latinLnBrk="1"/>
+                      <a:r>
+                        <a:rPr lang="ko-KR" altLang="en-US" sz="1200" b="1" dirty="0">
+                          <a:solidFill>
+                            <a:sysClr val="windowText" lastClr="000000"/>
+                          </a:solidFill>
+                        </a:rPr>
+                        <a:t>연락처</a:t>
+                      </a:r>
+                    </a:p>
+                  </a:txBody>
+                  <a:tcPr anchor="ctr">
+                    <a:lnL w="12700" cap="flat" cmpd="sng" algn="ctr">
+                      <a:noFill/>
+                      <a:prstDash val="solid"/>
+                      <a:round/>
+                      <a:headEnd type="none" w="med" len="med"/>
+                      <a:tailEnd type="none" w="med" len="med"/>
+                    </a:lnL>
+                    <a:lnR w="12700" cap="flat" cmpd="sng" algn="ctr">
+                      <a:solidFill>
+                        <a:schemeClr val="bg1">
+                          <a:lumMod val="65000"/>
+                        </a:schemeClr>
+                      </a:solidFill>
+                      <a:prstDash val="solid"/>
+                      <a:round/>
+                      <a:headEnd type="none" w="med" len="med"/>
+                      <a:tailEnd type="none" w="med" len="med"/>
+                    </a:lnR>
+                    <a:lnT w="12700" cap="flat" cmpd="sng" algn="ctr">
+                      <a:solidFill>
+                        <a:schemeClr val="bg1">
+                          <a:lumMod val="65000"/>
+                        </a:schemeClr>
+                      </a:solidFill>
+                      <a:prstDash val="solid"/>
+                      <a:round/>
+                      <a:headEnd type="none" w="med" len="med"/>
+                      <a:tailEnd type="none" w="med" len="med"/>
+                    </a:lnT>
+                    <a:lnB w="12700" cap="flat" cmpd="sng" algn="ctr">
+                      <a:solidFill>
+                        <a:schemeClr val="bg1">
+                          <a:lumMod val="65000"/>
+                        </a:schemeClr>
+                      </a:solidFill>
+                      <a:prstDash val="solid"/>
+                      <a:round/>
+                      <a:headEnd type="none" w="med" len="med"/>
+                      <a:tailEnd type="none" w="med" len="med"/>
+                    </a:lnB>
+                    <a:lnTlToBr w="12700" cmpd="sng">
+                      <a:noFill/>
+                      <a:prstDash val="solid"/>
+                    </a:lnTlToBr>
+                    <a:lnBlToTr w="12700" cmpd="sng">
+                      <a:noFill/>
+                      <a:prstDash val="solid"/>
+                    </a:lnBlToTr>
+                    <a:solidFill>
+                      <a:schemeClr val="bg1">
+                        <a:lumMod val="95000"/>
+                      </a:schemeClr>
+                    </a:solidFill>
+                  </a:tcPr>
+                </a:tc>
+                <a:tc>
+                  <a:txBody>
+                    <a:bodyPr/>
+                    <a:lstStyle/>
+                    <a:p>
+                      <a:pPr algn="l" latinLnBrk="1"/>
+                      <a:r>
+                        <a:rPr lang="ko-KR" altLang="en-US" sz="1200" b="1" dirty="0">
+                          <a:solidFill>
+                            <a:sysClr val="windowText" lastClr="000000"/>
+                          </a:solidFill>
+                        </a:rPr>
+                        <a:t>연락처 입력란</a:t>
+                      </a:r>
+                    </a:p>
+                  </a:txBody>
+                  <a:tcPr anchor="ctr">
+                    <a:lnL w="12700" cap="flat" cmpd="sng" algn="ctr">
+                      <a:solidFill>
+                        <a:schemeClr val="bg1">
+                          <a:lumMod val="65000"/>
+                        </a:schemeClr>
+                      </a:solidFill>
+                      <a:prstDash val="solid"/>
+                      <a:round/>
+                      <a:headEnd type="none" w="med" len="med"/>
+                      <a:tailEnd type="none" w="med" len="med"/>
+                    </a:lnL>
+                    <a:lnR w="12700" cap="flat" cmpd="sng" algn="ctr">
+                      <a:noFill/>
+                      <a:prstDash val="solid"/>
+                      <a:round/>
+                      <a:headEnd type="none" w="med" len="med"/>
+                      <a:tailEnd type="none" w="med" len="med"/>
+                    </a:lnR>
+                    <a:lnT w="12700" cap="flat" cmpd="sng" algn="ctr">
+                      <a:solidFill>
+                        <a:schemeClr val="bg1">
+                          <a:lumMod val="65000"/>
+                        </a:schemeClr>
+                      </a:solidFill>
+                      <a:prstDash val="solid"/>
+                      <a:round/>
+                      <a:headEnd type="none" w="med" len="med"/>
+                      <a:tailEnd type="none" w="med" len="med"/>
+                    </a:lnT>
+                    <a:lnB w="12700" cap="flat" cmpd="sng" algn="ctr">
+                      <a:solidFill>
+                        <a:schemeClr val="bg1">
+                          <a:lumMod val="65000"/>
+                        </a:schemeClr>
+                      </a:solidFill>
+                      <a:prstDash val="solid"/>
+                      <a:round/>
+                      <a:headEnd type="none" w="med" len="med"/>
+                      <a:tailEnd type="none" w="med" len="med"/>
+                    </a:lnB>
+                    <a:lnTlToBr w="12700" cmpd="sng">
+                      <a:noFill/>
+                      <a:prstDash val="solid"/>
+                    </a:lnTlToBr>
+                    <a:lnBlToTr w="12700" cmpd="sng">
+                      <a:noFill/>
+                      <a:prstDash val="solid"/>
+                    </a:lnBlToTr>
+                    <a:solidFill>
+                      <a:schemeClr val="bg1"/>
+                    </a:solidFill>
+                  </a:tcPr>
+                </a:tc>
+                <a:extLst>
+                  <a:ext uri="{0D108BD9-81ED-4DB2-BD59-A6C34878D82A}">
+                    <a16:rowId xmlns:a16="http://schemas.microsoft.com/office/drawing/2014/main" val="4032822142"/>
+                  </a:ext>
+                </a:extLst>
+              </a:tr>
+            </a:tbl>
+          </a:graphicData>
+        </a:graphic>
+      </p:graphicFrame>
+      <p:graphicFrame>
+        <p:nvGraphicFramePr>
+          <p:cNvPr id="5" name="표 4">
+            <a:extLst>
+              <a:ext uri="{FF2B5EF4-FFF2-40B4-BE49-F238E27FC236}">
+                <a16:creationId xmlns:a16="http://schemas.microsoft.com/office/drawing/2014/main" id="{6018E731-F909-3C47-B255-DCA57B9EF0D0}"/>
+              </a:ext>
+            </a:extLst>
+          </p:cNvPr>
+          <p:cNvGraphicFramePr>
+            <a:graphicFrameLocks noGrp="1"/>
+          </p:cNvGraphicFramePr>
+          <p:nvPr>
+            <p:extLst/>
+          </p:nvPr>
+        </p:nvGraphicFramePr>
+        <p:xfrm>
+          <a:off x="5058507" y="313266"/>
+          <a:ext cx="4536000" cy="1404000"/>
+        </p:xfrm>
+        <a:graphic>
+          <a:graphicData uri="http://schemas.openxmlformats.org/drawingml/2006/table">
+            <a:tbl>
+              <a:tblPr firstRow="1" bandRow="1">
+                <a:tableStyleId>{5C22544A-7EE6-4342-B048-85BDC9FD1C3A}</a:tableStyleId>
+              </a:tblPr>
+              <a:tblGrid>
+                <a:gridCol w="900000">
+                  <a:extLst>
+                    <a:ext uri="{9D8B030D-6E8A-4147-A177-3AD203B41FA5}">
+                      <a16:colId xmlns:a16="http://schemas.microsoft.com/office/drawing/2014/main" val="3286585976"/>
+                    </a:ext>
+                  </a:extLst>
+                </a:gridCol>
+                <a:gridCol w="3636000">
+                  <a:extLst>
+                    <a:ext uri="{9D8B030D-6E8A-4147-A177-3AD203B41FA5}">
+                      <a16:colId xmlns:a16="http://schemas.microsoft.com/office/drawing/2014/main" val="1935096649"/>
+                    </a:ext>
+                  </a:extLst>
+                </a:gridCol>
+              </a:tblGrid>
+              <a:tr h="468000">
+                <a:tc>
+                  <a:txBody>
+                    <a:bodyPr/>
+                    <a:lstStyle/>
+                    <a:p>
+                      <a:pPr algn="ctr" latinLnBrk="1"/>
+                      <a:r>
+                        <a:rPr lang="ko-KR" altLang="en-US" sz="1200" b="1" dirty="0">
+                          <a:solidFill>
+                            <a:sysClr val="windowText" lastClr="000000"/>
+                          </a:solidFill>
+                        </a:rPr>
+                        <a:t>부서</a:t>
+                      </a:r>
+                    </a:p>
+                  </a:txBody>
+                  <a:tcPr anchor="ctr">
+                    <a:lnL w="12700" cap="flat" cmpd="sng" algn="ctr">
+                      <a:noFill/>
+                      <a:prstDash val="solid"/>
+                      <a:round/>
+                      <a:headEnd type="none" w="med" len="med"/>
+                      <a:tailEnd type="none" w="med" len="med"/>
+                    </a:lnL>
+                    <a:lnR w="12700" cap="flat" cmpd="sng" algn="ctr">
+                      <a:solidFill>
+                        <a:schemeClr val="bg1">
+                          <a:lumMod val="65000"/>
+                        </a:schemeClr>
+                      </a:solidFill>
+                      <a:prstDash val="solid"/>
+                      <a:round/>
+                      <a:headEnd type="none" w="med" len="med"/>
+                      <a:tailEnd type="none" w="med" len="med"/>
+                    </a:lnR>
+                    <a:lnT w="12700" cap="flat" cmpd="sng" algn="ctr">
+                      <a:solidFill>
+                        <a:schemeClr val="bg1">
+                          <a:lumMod val="65000"/>
+                        </a:schemeClr>
+                      </a:solidFill>
+                      <a:prstDash val="solid"/>
+                      <a:round/>
+                      <a:headEnd type="none" w="med" len="med"/>
+                      <a:tailEnd type="none" w="med" len="med"/>
+                    </a:lnT>
+                    <a:lnB w="12700" cap="flat" cmpd="sng" algn="ctr">
+                      <a:solidFill>
+                        <a:schemeClr val="bg1">
+                          <a:lumMod val="65000"/>
+                        </a:schemeClr>
+                      </a:solidFill>
+                      <a:prstDash val="solid"/>
+                      <a:round/>
+                      <a:headEnd type="none" w="med" len="med"/>
+                      <a:tailEnd type="none" w="med" len="med"/>
+                    </a:lnB>
+                    <a:lnTlToBr w="12700" cmpd="sng">
+                      <a:noFill/>
+                      <a:prstDash val="solid"/>
+                    </a:lnTlToBr>
+                    <a:lnBlToTr w="12700" cmpd="sng">
+                      <a:noFill/>
+                      <a:prstDash val="solid"/>
+                    </a:lnBlToTr>
+                    <a:solidFill>
+                      <a:schemeClr val="bg1">
+                        <a:lumMod val="95000"/>
+                      </a:schemeClr>
+                    </a:solidFill>
+                  </a:tcPr>
+                </a:tc>
+                <a:tc>
+                  <a:txBody>
+                    <a:bodyPr/>
+                    <a:lstStyle/>
+                    <a:p>
+                      <a:pPr algn="l" latinLnBrk="1"/>
+                      <a:r>
+                        <a:rPr lang="ko-KR" altLang="en-US" sz="1200" b="1" dirty="0">
+                          <a:solidFill>
+                            <a:sysClr val="windowText" lastClr="000000"/>
+                          </a:solidFill>
+                        </a:rPr>
+                        <a:t>부서명 입력란</a:t>
+                      </a:r>
+                    </a:p>
+                  </a:txBody>
+                  <a:tcPr anchor="ctr">
+                    <a:lnL w="12700" cap="flat" cmpd="sng" algn="ctr">
+                      <a:solidFill>
+                        <a:schemeClr val="bg1">
+                          <a:lumMod val="65000"/>
+                        </a:schemeClr>
+                      </a:solidFill>
+                      <a:prstDash val="solid"/>
+                      <a:round/>
+                      <a:headEnd type="none" w="med" len="med"/>
+                      <a:tailEnd type="none" w="med" len="med"/>
+                    </a:lnL>
+                    <a:lnR w="12700" cap="flat" cmpd="sng" algn="ctr">
+                      <a:noFill/>
+                      <a:prstDash val="solid"/>
+                      <a:round/>
+                      <a:headEnd type="none" w="med" len="med"/>
+                      <a:tailEnd type="none" w="med" len="med"/>
+                    </a:lnR>
+                    <a:lnT w="12700" cap="flat" cmpd="sng" algn="ctr">
+                      <a:solidFill>
+                        <a:schemeClr val="bg1">
+                          <a:lumMod val="65000"/>
+                        </a:schemeClr>
+                      </a:solidFill>
+                      <a:prstDash val="solid"/>
+                      <a:round/>
+                      <a:headEnd type="none" w="med" len="med"/>
+                      <a:tailEnd type="none" w="med" len="med"/>
+                    </a:lnT>
+                    <a:lnB w="12700" cap="flat" cmpd="sng" algn="ctr">
+                      <a:solidFill>
+                        <a:schemeClr val="bg1">
+                          <a:lumMod val="65000"/>
+                        </a:schemeClr>
+                      </a:solidFill>
+                      <a:prstDash val="solid"/>
+                      <a:round/>
+                      <a:headEnd type="none" w="med" len="med"/>
+                      <a:tailEnd type="none" w="med" len="med"/>
+                    </a:lnB>
+                    <a:lnTlToBr w="12700" cmpd="sng">
+                      <a:noFill/>
+                      <a:prstDash val="solid"/>
+                    </a:lnTlToBr>
+                    <a:lnBlToTr w="12700" cmpd="sng">
+                      <a:noFill/>
+                      <a:prstDash val="solid"/>
+                    </a:lnBlToTr>
+                    <a:solidFill>
+                      <a:schemeClr val="bg1"/>
+                    </a:solidFill>
+                  </a:tcPr>
+                </a:tc>
+                <a:extLst>
+                  <a:ext uri="{0D108BD9-81ED-4DB2-BD59-A6C34878D82A}">
+                    <a16:rowId xmlns:a16="http://schemas.microsoft.com/office/drawing/2014/main" val="2102013272"/>
+                  </a:ext>
+                </a:extLst>
+              </a:tr>
+              <a:tr h="468000">
+                <a:tc>
+                  <a:txBody>
+                    <a:bodyPr/>
+                    <a:lstStyle/>
+                    <a:p>
+                      <a:pPr algn="ctr" latinLnBrk="1"/>
+                      <a:r>
+                        <a:rPr lang="ko-KR" altLang="en-US" sz="1200" b="1" dirty="0">
+                          <a:solidFill>
+                            <a:sysClr val="windowText" lastClr="000000"/>
+                          </a:solidFill>
+                        </a:rPr>
+                        <a:t>수신자</a:t>
+                      </a:r>
+                    </a:p>
+                  </a:txBody>
+                  <a:tcPr anchor="ctr">
+                    <a:lnL w="12700" cap="flat" cmpd="sng" algn="ctr">
+                      <a:noFill/>
+                      <a:prstDash val="solid"/>
+                      <a:round/>
+                      <a:headEnd type="none" w="med" len="med"/>
+                      <a:tailEnd type="none" w="med" len="med"/>
+                    </a:lnL>
+                    <a:lnR w="12700" cap="flat" cmpd="sng" algn="ctr">
+                      <a:solidFill>
+                        <a:schemeClr val="bg1">
+                          <a:lumMod val="65000"/>
+                        </a:schemeClr>
+                      </a:solidFill>
+                      <a:prstDash val="solid"/>
+                      <a:round/>
+                      <a:headEnd type="none" w="med" len="med"/>
+                      <a:tailEnd type="none" w="med" len="med"/>
+                    </a:lnR>
+                    <a:lnT w="12700" cap="flat" cmpd="sng" algn="ctr">
+                      <a:solidFill>
+                        <a:schemeClr val="bg1">
+                          <a:lumMod val="65000"/>
+                        </a:schemeClr>
+                      </a:solidFill>
+                      <a:prstDash val="solid"/>
+                      <a:round/>
+                      <a:headEnd type="none" w="med" len="med"/>
+                      <a:tailEnd type="none" w="med" len="med"/>
+                    </a:lnT>
+                    <a:lnB w="12700" cap="flat" cmpd="sng" algn="ctr">
+                      <a:solidFill>
+                        <a:schemeClr val="bg1">
+                          <a:lumMod val="65000"/>
+                        </a:schemeClr>
+                      </a:solidFill>
+                      <a:prstDash val="solid"/>
+                      <a:round/>
+                      <a:headEnd type="none" w="med" len="med"/>
+                      <a:tailEnd type="none" w="med" len="med"/>
+                    </a:lnB>
+                    <a:lnTlToBr w="12700" cmpd="sng">
+                      <a:noFill/>
+                      <a:prstDash val="solid"/>
+                    </a:lnTlToBr>
+                    <a:lnBlToTr w="12700" cmpd="sng">
+                      <a:noFill/>
+                      <a:prstDash val="solid"/>
+                    </a:lnBlToTr>
+                    <a:solidFill>
+                      <a:schemeClr val="bg1">
+                        <a:lumMod val="95000"/>
+                      </a:schemeClr>
+                    </a:solidFill>
+                  </a:tcPr>
+                </a:tc>
+                <a:tc>
+                  <a:txBody>
+                    <a:bodyPr/>
+                    <a:lstStyle/>
+                    <a:p>
+                      <a:pPr algn="l" latinLnBrk="1"/>
+                      <a:r>
+                        <a:rPr lang="ko-KR" altLang="en-US" sz="1200" b="1" dirty="0">
+                          <a:solidFill>
+                            <a:sysClr val="windowText" lastClr="000000"/>
+                          </a:solidFill>
+                        </a:rPr>
+                        <a:t>수신자 입력란</a:t>
+                      </a:r>
+                    </a:p>
+                  </a:txBody>
+                  <a:tcPr anchor="ctr">
+                    <a:lnL w="12700" cap="flat" cmpd="sng" algn="ctr">
+                      <a:solidFill>
+                        <a:schemeClr val="bg1">
+                          <a:lumMod val="65000"/>
+                        </a:schemeClr>
+                      </a:solidFill>
+                      <a:prstDash val="solid"/>
+                      <a:round/>
+                      <a:headEnd type="none" w="med" len="med"/>
+                      <a:tailEnd type="none" w="med" len="med"/>
+                    </a:lnL>
+                    <a:lnR w="12700" cap="flat" cmpd="sng" algn="ctr">
+                      <a:noFill/>
+                      <a:prstDash val="solid"/>
+                      <a:round/>
+                      <a:headEnd type="none" w="med" len="med"/>
+                      <a:tailEnd type="none" w="med" len="med"/>
+                    </a:lnR>
+                    <a:lnT w="12700" cap="flat" cmpd="sng" algn="ctr">
+                      <a:solidFill>
+                        <a:schemeClr val="bg1">
+                          <a:lumMod val="65000"/>
+                        </a:schemeClr>
+                      </a:solidFill>
+                      <a:prstDash val="solid"/>
+                      <a:round/>
+                      <a:headEnd type="none" w="med" len="med"/>
+                      <a:tailEnd type="none" w="med" len="med"/>
+                    </a:lnT>
+                    <a:lnB w="12700" cap="flat" cmpd="sng" algn="ctr">
+                      <a:solidFill>
+                        <a:schemeClr val="bg1">
+                          <a:lumMod val="65000"/>
+                        </a:schemeClr>
+                      </a:solidFill>
+                      <a:prstDash val="solid"/>
+                      <a:round/>
+                      <a:headEnd type="none" w="med" len="med"/>
+                      <a:tailEnd type="none" w="med" len="med"/>
+                    </a:lnB>
+                    <a:lnTlToBr w="12700" cmpd="sng">
+                      <a:noFill/>
+                      <a:prstDash val="solid"/>
+                    </a:lnTlToBr>
+                    <a:lnBlToTr w="12700" cmpd="sng">
+                      <a:noFill/>
+                      <a:prstDash val="solid"/>
+                    </a:lnBlToTr>
+                    <a:solidFill>
+                      <a:schemeClr val="bg1"/>
+                    </a:solidFill>
+                  </a:tcPr>
+                </a:tc>
+                <a:extLst>
+                  <a:ext uri="{0D108BD9-81ED-4DB2-BD59-A6C34878D82A}">
+                    <a16:rowId xmlns:a16="http://schemas.microsoft.com/office/drawing/2014/main" val="2262134838"/>
+                  </a:ext>
+                </a:extLst>
+              </a:tr>
+              <a:tr h="468000">
+                <a:tc>
+                  <a:txBody>
+                    <a:bodyPr/>
+                    <a:lstStyle/>
+                    <a:p>
+                      <a:pPr algn="ctr" latinLnBrk="1"/>
+                      <a:r>
+                        <a:rPr lang="ko-KR" altLang="en-US" sz="1200" b="1" dirty="0">
+                          <a:solidFill>
+                            <a:sysClr val="windowText" lastClr="000000"/>
+                          </a:solidFill>
+                        </a:rPr>
+                        <a:t>연락처</a:t>
+                      </a:r>
+                    </a:p>
+                  </a:txBody>
+                  <a:tcPr anchor="ctr">
+                    <a:lnL w="12700" cap="flat" cmpd="sng" algn="ctr">
+                      <a:noFill/>
+                      <a:prstDash val="solid"/>
+                      <a:round/>
+                      <a:headEnd type="none" w="med" len="med"/>
+                      <a:tailEnd type="none" w="med" len="med"/>
+                    </a:lnL>
+                    <a:lnR w="12700" cap="flat" cmpd="sng" algn="ctr">
+                      <a:solidFill>
+                        <a:schemeClr val="bg1">
+                          <a:lumMod val="65000"/>
+                        </a:schemeClr>
+                      </a:solidFill>
+                      <a:prstDash val="solid"/>
+                      <a:round/>
+                      <a:headEnd type="none" w="med" len="med"/>
+                      <a:tailEnd type="none" w="med" len="med"/>
+                    </a:lnR>
+                    <a:lnT w="12700" cap="flat" cmpd="sng" algn="ctr">
+                      <a:solidFill>
+                        <a:schemeClr val="bg1">
+                          <a:lumMod val="65000"/>
+                        </a:schemeClr>
+                      </a:solidFill>
+                      <a:prstDash val="solid"/>
+                      <a:round/>
+                      <a:headEnd type="none" w="med" len="med"/>
+                      <a:tailEnd type="none" w="med" len="med"/>
+                    </a:lnT>
+                    <a:lnB w="12700" cap="flat" cmpd="sng" algn="ctr">
+                      <a:solidFill>
+                        <a:schemeClr val="bg1">
+                          <a:lumMod val="65000"/>
+                        </a:schemeClr>
+                      </a:solidFill>
+                      <a:prstDash val="solid"/>
+                      <a:round/>
+                      <a:headEnd type="none" w="med" len="med"/>
+                      <a:tailEnd type="none" w="med" len="med"/>
+                    </a:lnB>
+                    <a:lnTlToBr w="12700" cmpd="sng">
+                      <a:noFill/>
+                      <a:prstDash val="solid"/>
+                    </a:lnTlToBr>
+                    <a:lnBlToTr w="12700" cmpd="sng">
+                      <a:noFill/>
+                      <a:prstDash val="solid"/>
+                    </a:lnBlToTr>
+                    <a:solidFill>
+                      <a:schemeClr val="bg1">
+                        <a:lumMod val="95000"/>
+                      </a:schemeClr>
+                    </a:solidFill>
+                  </a:tcPr>
+                </a:tc>
+                <a:tc>
+                  <a:txBody>
+                    <a:bodyPr/>
+                    <a:lstStyle/>
+                    <a:p>
+                      <a:pPr algn="l" latinLnBrk="1"/>
+                      <a:r>
+                        <a:rPr lang="ko-KR" altLang="en-US" sz="1200" b="1" dirty="0">
+                          <a:solidFill>
+                            <a:sysClr val="windowText" lastClr="000000"/>
+                          </a:solidFill>
+                        </a:rPr>
+                        <a:t>연락처 입력란</a:t>
+                      </a:r>
+                    </a:p>
+                  </a:txBody>
+                  <a:tcPr anchor="ctr">
+                    <a:lnL w="12700" cap="flat" cmpd="sng" algn="ctr">
+                      <a:solidFill>
+                        <a:schemeClr val="bg1">
+                          <a:lumMod val="65000"/>
+                        </a:schemeClr>
+                      </a:solidFill>
+                      <a:prstDash val="solid"/>
+                      <a:round/>
+                      <a:headEnd type="none" w="med" len="med"/>
+                      <a:tailEnd type="none" w="med" len="med"/>
+                    </a:lnL>
+                    <a:lnR w="12700" cap="flat" cmpd="sng" algn="ctr">
+                      <a:noFill/>
+                      <a:prstDash val="solid"/>
+                      <a:round/>
+                      <a:headEnd type="none" w="med" len="med"/>
+                      <a:tailEnd type="none" w="med" len="med"/>
+                    </a:lnR>
+                    <a:lnT w="12700" cap="flat" cmpd="sng" algn="ctr">
+                      <a:solidFill>
+                        <a:schemeClr val="bg1">
+                          <a:lumMod val="65000"/>
+                        </a:schemeClr>
+                      </a:solidFill>
+                      <a:prstDash val="solid"/>
+                      <a:round/>
+                      <a:headEnd type="none" w="med" len="med"/>
+                      <a:tailEnd type="none" w="med" len="med"/>
+                    </a:lnT>
+                    <a:lnB w="12700" cap="flat" cmpd="sng" algn="ctr">
+                      <a:solidFill>
+                        <a:schemeClr val="bg1">
+                          <a:lumMod val="65000"/>
+                        </a:schemeClr>
+                      </a:solidFill>
+                      <a:prstDash val="solid"/>
+                      <a:round/>
+                      <a:headEnd type="none" w="med" len="med"/>
+                      <a:tailEnd type="none" w="med" len="med"/>
+                    </a:lnB>
+                    <a:lnTlToBr w="12700" cmpd="sng">
+                      <a:noFill/>
+                      <a:prstDash val="solid"/>
+                    </a:lnTlToBr>
+                    <a:lnBlToTr w="12700" cmpd="sng">
+                      <a:noFill/>
+                      <a:prstDash val="solid"/>
+                    </a:lnBlToTr>
+                    <a:solidFill>
+                      <a:schemeClr val="bg1"/>
+                    </a:solidFill>
+                  </a:tcPr>
+                </a:tc>
+                <a:extLst>
+                  <a:ext uri="{0D108BD9-81ED-4DB2-BD59-A6C34878D82A}">
+                    <a16:rowId xmlns:a16="http://schemas.microsoft.com/office/drawing/2014/main" val="4032822142"/>
+                  </a:ext>
+                </a:extLst>
+              </a:tr>
+            </a:tbl>
+          </a:graphicData>
+        </a:graphic>
+      </p:graphicFrame>
+      <p:graphicFrame>
+        <p:nvGraphicFramePr>
+          <p:cNvPr id="10" name="표 9">
+            <a:extLst>
+              <a:ext uri="{FF2B5EF4-FFF2-40B4-BE49-F238E27FC236}">
+                <a16:creationId xmlns:a16="http://schemas.microsoft.com/office/drawing/2014/main" id="{1B5B6855-7018-2843-820F-0F3B22AAC97F}"/>
+              </a:ext>
+            </a:extLst>
+          </p:cNvPr>
+          <p:cNvGraphicFramePr>
+            <a:graphicFrameLocks noGrp="1"/>
+          </p:cNvGraphicFramePr>
+          <p:nvPr>
+            <p:extLst/>
+          </p:nvPr>
+        </p:nvGraphicFramePr>
+        <p:xfrm>
+          <a:off x="302845" y="1919492"/>
+          <a:ext cx="4536000" cy="1404000"/>
+        </p:xfrm>
+        <a:graphic>
+          <a:graphicData uri="http://schemas.openxmlformats.org/drawingml/2006/table">
+            <a:tbl>
+              <a:tblPr firstRow="1" bandRow="1">
+                <a:tableStyleId>{5C22544A-7EE6-4342-B048-85BDC9FD1C3A}</a:tableStyleId>
+              </a:tblPr>
+              <a:tblGrid>
+                <a:gridCol w="900000">
+                  <a:extLst>
+                    <a:ext uri="{9D8B030D-6E8A-4147-A177-3AD203B41FA5}">
+                      <a16:colId xmlns:a16="http://schemas.microsoft.com/office/drawing/2014/main" val="3286585976"/>
+                    </a:ext>
+                  </a:extLst>
+                </a:gridCol>
+                <a:gridCol w="3636000">
+                  <a:extLst>
+                    <a:ext uri="{9D8B030D-6E8A-4147-A177-3AD203B41FA5}">
+                      <a16:colId xmlns:a16="http://schemas.microsoft.com/office/drawing/2014/main" val="1935096649"/>
+                    </a:ext>
+                  </a:extLst>
+                </a:gridCol>
+              </a:tblGrid>
+              <a:tr h="468000">
+                <a:tc>
+                  <a:txBody>
+                    <a:bodyPr/>
+                    <a:lstStyle/>
+                    <a:p>
+                      <a:pPr algn="ctr" latinLnBrk="1"/>
+                      <a:r>
+                        <a:rPr lang="ko-KR" altLang="en-US" sz="1200" b="1" dirty="0">
+                          <a:solidFill>
+                            <a:sysClr val="windowText" lastClr="000000"/>
+                          </a:solidFill>
+                        </a:rPr>
+                        <a:t>부서</a:t>
+                      </a:r>
+                    </a:p>
+                  </a:txBody>
+                  <a:tcPr anchor="ctr">
+                    <a:lnL w="12700" cap="flat" cmpd="sng" algn="ctr">
+                      <a:noFill/>
+                      <a:prstDash val="solid"/>
+                      <a:round/>
+                      <a:headEnd type="none" w="med" len="med"/>
+                      <a:tailEnd type="none" w="med" len="med"/>
+                    </a:lnL>
+                    <a:lnR w="12700" cap="flat" cmpd="sng" algn="ctr">
+                      <a:solidFill>
+                        <a:schemeClr val="bg1">
+                          <a:lumMod val="65000"/>
+                        </a:schemeClr>
+                      </a:solidFill>
+                      <a:prstDash val="solid"/>
+                      <a:round/>
+                      <a:headEnd type="none" w="med" len="med"/>
+                      <a:tailEnd type="none" w="med" len="med"/>
+                    </a:lnR>
+                    <a:lnT w="12700" cap="flat" cmpd="sng" algn="ctr">
+                      <a:solidFill>
+                        <a:schemeClr val="bg1">
+                          <a:lumMod val="65000"/>
+                        </a:schemeClr>
+                      </a:solidFill>
+                      <a:prstDash val="solid"/>
+                      <a:round/>
+                      <a:headEnd type="none" w="med" len="med"/>
+                      <a:tailEnd type="none" w="med" len="med"/>
+                    </a:lnT>
+                    <a:lnB w="12700" cap="flat" cmpd="sng" algn="ctr">
+                      <a:solidFill>
+                        <a:schemeClr val="bg1">
+                          <a:lumMod val="65000"/>
+                        </a:schemeClr>
+                      </a:solidFill>
+                      <a:prstDash val="solid"/>
+                      <a:round/>
+                      <a:headEnd type="none" w="med" len="med"/>
+                      <a:tailEnd type="none" w="med" len="med"/>
+                    </a:lnB>
+                    <a:lnTlToBr w="12700" cmpd="sng">
+                      <a:noFill/>
+                      <a:prstDash val="solid"/>
+                    </a:lnTlToBr>
+                    <a:lnBlToTr w="12700" cmpd="sng">
+                      <a:noFill/>
+                      <a:prstDash val="solid"/>
+                    </a:lnBlToTr>
+                    <a:solidFill>
+                      <a:schemeClr val="bg1">
+                        <a:lumMod val="95000"/>
+                      </a:schemeClr>
+                    </a:solidFill>
+                  </a:tcPr>
+                </a:tc>
+                <a:tc>
+                  <a:txBody>
+                    <a:bodyPr/>
+                    <a:lstStyle/>
+                    <a:p>
+                      <a:pPr algn="l" latinLnBrk="1"/>
+                      <a:r>
+                        <a:rPr lang="ko-KR" altLang="en-US" sz="1200" b="1" dirty="0">
+                          <a:solidFill>
+                            <a:sysClr val="windowText" lastClr="000000"/>
+                          </a:solidFill>
+                        </a:rPr>
+                        <a:t>부서명 입력란</a:t>
+                      </a:r>
+                    </a:p>
+                  </a:txBody>
+                  <a:tcPr anchor="ctr">
+                    <a:lnL w="12700" cap="flat" cmpd="sng" algn="ctr">
+                      <a:solidFill>
+                        <a:schemeClr val="bg1">
+                          <a:lumMod val="65000"/>
+                        </a:schemeClr>
+                      </a:solidFill>
+                      <a:prstDash val="solid"/>
+                      <a:round/>
+                      <a:headEnd type="none" w="med" len="med"/>
+                      <a:tailEnd type="none" w="med" len="med"/>
+                    </a:lnL>
+                    <a:lnR w="12700" cap="flat" cmpd="sng" algn="ctr">
+                      <a:noFill/>
+                      <a:prstDash val="solid"/>
+                      <a:round/>
+                      <a:headEnd type="none" w="med" len="med"/>
+                      <a:tailEnd type="none" w="med" len="med"/>
+                    </a:lnR>
+                    <a:lnT w="12700" cap="flat" cmpd="sng" algn="ctr">
+                      <a:solidFill>
+                        <a:schemeClr val="bg1">
+                          <a:lumMod val="65000"/>
+                        </a:schemeClr>
+                      </a:solidFill>
+                      <a:prstDash val="solid"/>
+                      <a:round/>
+                      <a:headEnd type="none" w="med" len="med"/>
+                      <a:tailEnd type="none" w="med" len="med"/>
+                    </a:lnT>
+                    <a:lnB w="12700" cap="flat" cmpd="sng" algn="ctr">
+                      <a:solidFill>
+                        <a:schemeClr val="bg1">
+                          <a:lumMod val="65000"/>
+                        </a:schemeClr>
+                      </a:solidFill>
+                      <a:prstDash val="solid"/>
+                      <a:round/>
+                      <a:headEnd type="none" w="med" len="med"/>
+                      <a:tailEnd type="none" w="med" len="med"/>
+                    </a:lnB>
+                    <a:lnTlToBr w="12700" cmpd="sng">
+                      <a:noFill/>
+                      <a:prstDash val="solid"/>
+                    </a:lnTlToBr>
+                    <a:lnBlToTr w="12700" cmpd="sng">
+                      <a:noFill/>
+                      <a:prstDash val="solid"/>
+                    </a:lnBlToTr>
+                    <a:solidFill>
+                      <a:schemeClr val="bg1"/>
+                    </a:solidFill>
+                  </a:tcPr>
+                </a:tc>
+                <a:extLst>
+                  <a:ext uri="{0D108BD9-81ED-4DB2-BD59-A6C34878D82A}">
+                    <a16:rowId xmlns:a16="http://schemas.microsoft.com/office/drawing/2014/main" val="2102013272"/>
+                  </a:ext>
+                </a:extLst>
+              </a:tr>
+              <a:tr h="468000">
+                <a:tc>
+                  <a:txBody>
+                    <a:bodyPr/>
+                    <a:lstStyle/>
+                    <a:p>
+                      <a:pPr algn="ctr" latinLnBrk="1"/>
+                      <a:r>
+                        <a:rPr lang="ko-KR" altLang="en-US" sz="1200" b="1" dirty="0">
+                          <a:solidFill>
+                            <a:sysClr val="windowText" lastClr="000000"/>
+                          </a:solidFill>
+                        </a:rPr>
+                        <a:t>수신자</a:t>
+                      </a:r>
+                    </a:p>
+                  </a:txBody>
+                  <a:tcPr anchor="ctr">
+                    <a:lnL w="12700" cap="flat" cmpd="sng" algn="ctr">
+                      <a:noFill/>
+                      <a:prstDash val="solid"/>
+                      <a:round/>
+                      <a:headEnd type="none" w="med" len="med"/>
+                      <a:tailEnd type="none" w="med" len="med"/>
+                    </a:lnL>
+                    <a:lnR w="12700" cap="flat" cmpd="sng" algn="ctr">
+                      <a:solidFill>
+                        <a:schemeClr val="bg1">
+                          <a:lumMod val="65000"/>
+                        </a:schemeClr>
+                      </a:solidFill>
+                      <a:prstDash val="solid"/>
+                      <a:round/>
+                      <a:headEnd type="none" w="med" len="med"/>
+                      <a:tailEnd type="none" w="med" len="med"/>
+                    </a:lnR>
+                    <a:lnT w="12700" cap="flat" cmpd="sng" algn="ctr">
+                      <a:solidFill>
+                        <a:schemeClr val="bg1">
+                          <a:lumMod val="65000"/>
+                        </a:schemeClr>
+                      </a:solidFill>
+                      <a:prstDash val="solid"/>
+                      <a:round/>
+                      <a:headEnd type="none" w="med" len="med"/>
+                      <a:tailEnd type="none" w="med" len="med"/>
+                    </a:lnT>
+                    <a:lnB w="12700" cap="flat" cmpd="sng" algn="ctr">
+                      <a:solidFill>
+                        <a:schemeClr val="bg1">
+                          <a:lumMod val="65000"/>
+                        </a:schemeClr>
+                      </a:solidFill>
+                      <a:prstDash val="solid"/>
+                      <a:round/>
+                      <a:headEnd type="none" w="med" len="med"/>
+                      <a:tailEnd type="none" w="med" len="med"/>
+                    </a:lnB>
+                    <a:lnTlToBr w="12700" cmpd="sng">
+                      <a:noFill/>
+                      <a:prstDash val="solid"/>
+                    </a:lnTlToBr>
+                    <a:lnBlToTr w="12700" cmpd="sng">
+                      <a:noFill/>
+                      <a:prstDash val="solid"/>
+                    </a:lnBlToTr>
+                    <a:solidFill>
+                      <a:schemeClr val="bg1">
+                        <a:lumMod val="95000"/>
+                      </a:schemeClr>
+                    </a:solidFill>
+                  </a:tcPr>
+                </a:tc>
+                <a:tc>
+                  <a:txBody>
+                    <a:bodyPr/>
+                    <a:lstStyle/>
+                    <a:p>
+                      <a:pPr algn="l" latinLnBrk="1"/>
+                      <a:r>
+                        <a:rPr lang="ko-KR" altLang="en-US" sz="1200" b="1" dirty="0">
+                          <a:solidFill>
+                            <a:sysClr val="windowText" lastClr="000000"/>
+                          </a:solidFill>
+                        </a:rPr>
+                        <a:t>수신자 입력란</a:t>
+                      </a:r>
+                    </a:p>
+                  </a:txBody>
+                  <a:tcPr anchor="ctr">
+                    <a:lnL w="12700" cap="flat" cmpd="sng" algn="ctr">
+                      <a:solidFill>
+                        <a:schemeClr val="bg1">
+                          <a:lumMod val="65000"/>
+                        </a:schemeClr>
+                      </a:solidFill>
+                      <a:prstDash val="solid"/>
+                      <a:round/>
+                      <a:headEnd type="none" w="med" len="med"/>
+                      <a:tailEnd type="none" w="med" len="med"/>
+                    </a:lnL>
+                    <a:lnR w="12700" cap="flat" cmpd="sng" algn="ctr">
+                      <a:noFill/>
+                      <a:prstDash val="solid"/>
+                      <a:round/>
+                      <a:headEnd type="none" w="med" len="med"/>
+                      <a:tailEnd type="none" w="med" len="med"/>
+                    </a:lnR>
+                    <a:lnT w="12700" cap="flat" cmpd="sng" algn="ctr">
+                      <a:solidFill>
+                        <a:schemeClr val="bg1">
+                          <a:lumMod val="65000"/>
+                        </a:schemeClr>
+                      </a:solidFill>
+                      <a:prstDash val="solid"/>
+                      <a:round/>
+                      <a:headEnd type="none" w="med" len="med"/>
+                      <a:tailEnd type="none" w="med" len="med"/>
+                    </a:lnT>
+                    <a:lnB w="12700" cap="flat" cmpd="sng" algn="ctr">
+                      <a:solidFill>
+                        <a:schemeClr val="bg1">
+                          <a:lumMod val="65000"/>
+                        </a:schemeClr>
+                      </a:solidFill>
+                      <a:prstDash val="solid"/>
+                      <a:round/>
+                      <a:headEnd type="none" w="med" len="med"/>
+                      <a:tailEnd type="none" w="med" len="med"/>
+                    </a:lnB>
+                    <a:lnTlToBr w="12700" cmpd="sng">
+                      <a:noFill/>
+                      <a:prstDash val="solid"/>
+                    </a:lnTlToBr>
+                    <a:lnBlToTr w="12700" cmpd="sng">
+                      <a:noFill/>
+                      <a:prstDash val="solid"/>
+                    </a:lnBlToTr>
+                    <a:solidFill>
+                      <a:schemeClr val="bg1"/>
+                    </a:solidFill>
+                  </a:tcPr>
+                </a:tc>
+                <a:extLst>
+                  <a:ext uri="{0D108BD9-81ED-4DB2-BD59-A6C34878D82A}">
+                    <a16:rowId xmlns:a16="http://schemas.microsoft.com/office/drawing/2014/main" val="2262134838"/>
+                  </a:ext>
+                </a:extLst>
+              </a:tr>
+              <a:tr h="468000">
+                <a:tc>
+                  <a:txBody>
+                    <a:bodyPr/>
+                    <a:lstStyle/>
+                    <a:p>
+                      <a:pPr algn="ctr" latinLnBrk="1"/>
+                      <a:r>
+                        <a:rPr lang="ko-KR" altLang="en-US" sz="1200" b="1" dirty="0">
+                          <a:solidFill>
+                            <a:sysClr val="windowText" lastClr="000000"/>
+                          </a:solidFill>
+                        </a:rPr>
+                        <a:t>연락처</a:t>
+                      </a:r>
+                    </a:p>
+                  </a:txBody>
+                  <a:tcPr anchor="ctr">
+                    <a:lnL w="12700" cap="flat" cmpd="sng" algn="ctr">
+                      <a:noFill/>
+                      <a:prstDash val="solid"/>
+                      <a:round/>
+                      <a:headEnd type="none" w="med" len="med"/>
+                      <a:tailEnd type="none" w="med" len="med"/>
+                    </a:lnL>
+                    <a:lnR w="12700" cap="flat" cmpd="sng" algn="ctr">
+                      <a:solidFill>
+                        <a:schemeClr val="bg1">
+                          <a:lumMod val="65000"/>
+                        </a:schemeClr>
+                      </a:solidFill>
+                      <a:prstDash val="solid"/>
+                      <a:round/>
+                      <a:headEnd type="none" w="med" len="med"/>
+                      <a:tailEnd type="none" w="med" len="med"/>
+                    </a:lnR>
+                    <a:lnT w="12700" cap="flat" cmpd="sng" algn="ctr">
+                      <a:solidFill>
+                        <a:schemeClr val="bg1">
+                          <a:lumMod val="65000"/>
+                        </a:schemeClr>
+                      </a:solidFill>
+                      <a:prstDash val="solid"/>
+                      <a:round/>
+                      <a:headEnd type="none" w="med" len="med"/>
+                      <a:tailEnd type="none" w="med" len="med"/>
+                    </a:lnT>
+                    <a:lnB w="12700" cap="flat" cmpd="sng" algn="ctr">
+                      <a:solidFill>
+                        <a:schemeClr val="bg1">
+                          <a:lumMod val="65000"/>
+                        </a:schemeClr>
+                      </a:solidFill>
+                      <a:prstDash val="solid"/>
+                      <a:round/>
+                      <a:headEnd type="none" w="med" len="med"/>
+                      <a:tailEnd type="none" w="med" len="med"/>
+                    </a:lnB>
+                    <a:lnTlToBr w="12700" cmpd="sng">
+                      <a:noFill/>
+                      <a:prstDash val="solid"/>
+                    </a:lnTlToBr>
+                    <a:lnBlToTr w="12700" cmpd="sng">
+                      <a:noFill/>
+                      <a:prstDash val="solid"/>
+                    </a:lnBlToTr>
+                    <a:solidFill>
+                      <a:schemeClr val="bg1">
+                        <a:lumMod val="95000"/>
+                      </a:schemeClr>
+                    </a:solidFill>
+                  </a:tcPr>
+                </a:tc>
+                <a:tc>
+                  <a:txBody>
+                    <a:bodyPr/>
+                    <a:lstStyle/>
+                    <a:p>
+                      <a:pPr algn="l" latinLnBrk="1"/>
+                      <a:r>
+                        <a:rPr lang="ko-KR" altLang="en-US" sz="1200" b="1" dirty="0">
+                          <a:solidFill>
+                            <a:sysClr val="windowText" lastClr="000000"/>
+                          </a:solidFill>
+                        </a:rPr>
+                        <a:t>연락처 입력란</a:t>
+                      </a:r>
+                    </a:p>
+                  </a:txBody>
+                  <a:tcPr anchor="ctr">
+                    <a:lnL w="12700" cap="flat" cmpd="sng" algn="ctr">
+                      <a:solidFill>
+                        <a:schemeClr val="bg1">
+                          <a:lumMod val="65000"/>
+                        </a:schemeClr>
+                      </a:solidFill>
+                      <a:prstDash val="solid"/>
+                      <a:round/>
+                      <a:headEnd type="none" w="med" len="med"/>
+                      <a:tailEnd type="none" w="med" len="med"/>
+                    </a:lnL>
+                    <a:lnR w="12700" cap="flat" cmpd="sng" algn="ctr">
+                      <a:noFill/>
+                      <a:prstDash val="solid"/>
+                      <a:round/>
+                      <a:headEnd type="none" w="med" len="med"/>
+                      <a:tailEnd type="none" w="med" len="med"/>
+                    </a:lnR>
+                    <a:lnT w="12700" cap="flat" cmpd="sng" algn="ctr">
+                      <a:solidFill>
+                        <a:schemeClr val="bg1">
+                          <a:lumMod val="65000"/>
+                        </a:schemeClr>
+                      </a:solidFill>
+                      <a:prstDash val="solid"/>
+                      <a:round/>
+                      <a:headEnd type="none" w="med" len="med"/>
+                      <a:tailEnd type="none" w="med" len="med"/>
+                    </a:lnT>
+                    <a:lnB w="12700" cap="flat" cmpd="sng" algn="ctr">
+                      <a:solidFill>
+                        <a:schemeClr val="bg1">
+                          <a:lumMod val="65000"/>
+                        </a:schemeClr>
+                      </a:solidFill>
+                      <a:prstDash val="solid"/>
+                      <a:round/>
+                      <a:headEnd type="none" w="med" len="med"/>
+                      <a:tailEnd type="none" w="med" len="med"/>
+                    </a:lnB>
+                    <a:lnTlToBr w="12700" cmpd="sng">
+                      <a:noFill/>
+                      <a:prstDash val="solid"/>
+                    </a:lnTlToBr>
+                    <a:lnBlToTr w="12700" cmpd="sng">
+                      <a:noFill/>
+                      <a:prstDash val="solid"/>
+                    </a:lnBlToTr>
+                    <a:solidFill>
+                      <a:schemeClr val="bg1"/>
+                    </a:solidFill>
+                  </a:tcPr>
+                </a:tc>
+                <a:extLst>
+                  <a:ext uri="{0D108BD9-81ED-4DB2-BD59-A6C34878D82A}">
+                    <a16:rowId xmlns:a16="http://schemas.microsoft.com/office/drawing/2014/main" val="4032822142"/>
+                  </a:ext>
+                </a:extLst>
+              </a:tr>
+            </a:tbl>
+          </a:graphicData>
+        </a:graphic>
+      </p:graphicFrame>
+      <p:graphicFrame>
+        <p:nvGraphicFramePr>
+          <p:cNvPr id="11" name="표 10">
+            <a:extLst>
+              <a:ext uri="{FF2B5EF4-FFF2-40B4-BE49-F238E27FC236}">
+                <a16:creationId xmlns:a16="http://schemas.microsoft.com/office/drawing/2014/main" id="{4EC0CD1A-E96A-484F-BB19-398480EB03D8}"/>
+              </a:ext>
+            </a:extLst>
+          </p:cNvPr>
+          <p:cNvGraphicFramePr>
+            <a:graphicFrameLocks noGrp="1"/>
+          </p:cNvGraphicFramePr>
+          <p:nvPr>
+            <p:extLst/>
+          </p:nvPr>
+        </p:nvGraphicFramePr>
+        <p:xfrm>
+          <a:off x="5058507" y="1919492"/>
+          <a:ext cx="4536000" cy="1404000"/>
+        </p:xfrm>
+        <a:graphic>
+          <a:graphicData uri="http://schemas.openxmlformats.org/drawingml/2006/table">
+            <a:tbl>
+              <a:tblPr firstRow="1" bandRow="1">
+                <a:tableStyleId>{5C22544A-7EE6-4342-B048-85BDC9FD1C3A}</a:tableStyleId>
+              </a:tblPr>
+              <a:tblGrid>
+                <a:gridCol w="900000">
+                  <a:extLst>
+                    <a:ext uri="{9D8B030D-6E8A-4147-A177-3AD203B41FA5}">
+                      <a16:colId xmlns:a16="http://schemas.microsoft.com/office/drawing/2014/main" val="3286585976"/>
+                    </a:ext>
+                  </a:extLst>
+                </a:gridCol>
+                <a:gridCol w="3636000">
+                  <a:extLst>
+                    <a:ext uri="{9D8B030D-6E8A-4147-A177-3AD203B41FA5}">
+                      <a16:colId xmlns:a16="http://schemas.microsoft.com/office/drawing/2014/main" val="1935096649"/>
+                    </a:ext>
+                  </a:extLst>
+                </a:gridCol>
+              </a:tblGrid>
+              <a:tr h="468000">
+                <a:tc>
+                  <a:txBody>
+                    <a:bodyPr/>
+                    <a:lstStyle/>
+                    <a:p>
+                      <a:pPr algn="ctr" latinLnBrk="1"/>
+                      <a:r>
+                        <a:rPr lang="ko-KR" altLang="en-US" sz="1200" b="1" dirty="0">
+                          <a:solidFill>
+                            <a:sysClr val="windowText" lastClr="000000"/>
+                          </a:solidFill>
+                        </a:rPr>
+                        <a:t>부서</a:t>
+                      </a:r>
+                    </a:p>
+                  </a:txBody>
+                  <a:tcPr anchor="ctr">
+                    <a:lnL w="12700" cap="flat" cmpd="sng" algn="ctr">
+                      <a:noFill/>
+                      <a:prstDash val="solid"/>
+                      <a:round/>
+                      <a:headEnd type="none" w="med" len="med"/>
+                      <a:tailEnd type="none" w="med" len="med"/>
+                    </a:lnL>
+                    <a:lnR w="12700" cap="flat" cmpd="sng" algn="ctr">
+                      <a:solidFill>
+                        <a:schemeClr val="bg1">
+                          <a:lumMod val="65000"/>
+                        </a:schemeClr>
+                      </a:solidFill>
+                      <a:prstDash val="solid"/>
+                      <a:round/>
+                      <a:headEnd type="none" w="med" len="med"/>
+                      <a:tailEnd type="none" w="med" len="med"/>
+                    </a:lnR>
+                    <a:lnT w="12700" cap="flat" cmpd="sng" algn="ctr">
+                      <a:solidFill>
+                        <a:schemeClr val="bg1">
+                          <a:lumMod val="65000"/>
+                        </a:schemeClr>
+                      </a:solidFill>
+                      <a:prstDash val="solid"/>
+                      <a:round/>
+                      <a:headEnd type="none" w="med" len="med"/>
+                      <a:tailEnd type="none" w="med" len="med"/>
+                    </a:lnT>
+                    <a:lnB w="12700" cap="flat" cmpd="sng" algn="ctr">
+                      <a:solidFill>
+                        <a:schemeClr val="bg1">
+                          <a:lumMod val="65000"/>
+                        </a:schemeClr>
+                      </a:solidFill>
+                      <a:prstDash val="solid"/>
+                      <a:round/>
+                      <a:headEnd type="none" w="med" len="med"/>
+                      <a:tailEnd type="none" w="med" len="med"/>
+                    </a:lnB>
+                    <a:lnTlToBr w="12700" cmpd="sng">
+                      <a:noFill/>
+                      <a:prstDash val="solid"/>
+                    </a:lnTlToBr>
+                    <a:lnBlToTr w="12700" cmpd="sng">
+                      <a:noFill/>
+                      <a:prstDash val="solid"/>
+                    </a:lnBlToTr>
+                    <a:solidFill>
+                      <a:schemeClr val="bg1">
+                        <a:lumMod val="95000"/>
+                      </a:schemeClr>
+                    </a:solidFill>
+                  </a:tcPr>
+                </a:tc>
+                <a:tc>
+                  <a:txBody>
+                    <a:bodyPr/>
+                    <a:lstStyle/>
+                    <a:p>
+                      <a:pPr algn="l" latinLnBrk="1"/>
+                      <a:r>
+                        <a:rPr lang="ko-KR" altLang="en-US" sz="1200" b="1" dirty="0">
+                          <a:solidFill>
+                            <a:sysClr val="windowText" lastClr="000000"/>
+                          </a:solidFill>
+                        </a:rPr>
+                        <a:t>부서명 입력란</a:t>
+                      </a:r>
+                    </a:p>
+                  </a:txBody>
+                  <a:tcPr anchor="ctr">
+                    <a:lnL w="12700" cap="flat" cmpd="sng" algn="ctr">
+                      <a:solidFill>
+                        <a:schemeClr val="bg1">
+                          <a:lumMod val="65000"/>
+                        </a:schemeClr>
+                      </a:solidFill>
+                      <a:prstDash val="solid"/>
+                      <a:round/>
+                      <a:headEnd type="none" w="med" len="med"/>
+                      <a:tailEnd type="none" w="med" len="med"/>
+                    </a:lnL>
+                    <a:lnR w="12700" cap="flat" cmpd="sng" algn="ctr">
+                      <a:noFill/>
+                      <a:prstDash val="solid"/>
+                      <a:round/>
+                      <a:headEnd type="none" w="med" len="med"/>
+                      <a:tailEnd type="none" w="med" len="med"/>
+                    </a:lnR>
+                    <a:lnT w="12700" cap="flat" cmpd="sng" algn="ctr">
+                      <a:solidFill>
+                        <a:schemeClr val="bg1">
+                          <a:lumMod val="65000"/>
+                        </a:schemeClr>
+                      </a:solidFill>
+                      <a:prstDash val="solid"/>
+                      <a:round/>
+                      <a:headEnd type="none" w="med" len="med"/>
+                      <a:tailEnd type="none" w="med" len="med"/>
+                    </a:lnT>
+                    <a:lnB w="12700" cap="flat" cmpd="sng" algn="ctr">
+                      <a:solidFill>
+                        <a:schemeClr val="bg1">
+                          <a:lumMod val="65000"/>
+                        </a:schemeClr>
+                      </a:solidFill>
+                      <a:prstDash val="solid"/>
+                      <a:round/>
+                      <a:headEnd type="none" w="med" len="med"/>
+                      <a:tailEnd type="none" w="med" len="med"/>
+                    </a:lnB>
+                    <a:lnTlToBr w="12700" cmpd="sng">
+                      <a:noFill/>
+                      <a:prstDash val="solid"/>
+                    </a:lnTlToBr>
+                    <a:lnBlToTr w="12700" cmpd="sng">
+                      <a:noFill/>
+                      <a:prstDash val="solid"/>
+                    </a:lnBlToTr>
+                    <a:solidFill>
+                      <a:schemeClr val="bg1"/>
+                    </a:solidFill>
+                  </a:tcPr>
+                </a:tc>
+                <a:extLst>
+                  <a:ext uri="{0D108BD9-81ED-4DB2-BD59-A6C34878D82A}">
+                    <a16:rowId xmlns:a16="http://schemas.microsoft.com/office/drawing/2014/main" val="2102013272"/>
+                  </a:ext>
+                </a:extLst>
+              </a:tr>
+              <a:tr h="468000">
+                <a:tc>
+                  <a:txBody>
+                    <a:bodyPr/>
+                    <a:lstStyle/>
+                    <a:p>
+                      <a:pPr algn="ctr" latinLnBrk="1"/>
+                      <a:r>
+                        <a:rPr lang="ko-KR" altLang="en-US" sz="1200" b="1" dirty="0">
+                          <a:solidFill>
+                            <a:sysClr val="windowText" lastClr="000000"/>
+                          </a:solidFill>
+                        </a:rPr>
+                        <a:t>수신자</a:t>
+                      </a:r>
+                    </a:p>
+                  </a:txBody>
+                  <a:tcPr anchor="ctr">
+                    <a:lnL w="12700" cap="flat" cmpd="sng" algn="ctr">
+                      <a:noFill/>
+                      <a:prstDash val="solid"/>
+                      <a:round/>
+                      <a:headEnd type="none" w="med" len="med"/>
+                      <a:tailEnd type="none" w="med" len="med"/>
+                    </a:lnL>
+                    <a:lnR w="12700" cap="flat" cmpd="sng" algn="ctr">
+                      <a:solidFill>
+                        <a:schemeClr val="bg1">
+                          <a:lumMod val="65000"/>
+                        </a:schemeClr>
+                      </a:solidFill>
+                      <a:prstDash val="solid"/>
+                      <a:round/>
+                      <a:headEnd type="none" w="med" len="med"/>
+                      <a:tailEnd type="none" w="med" len="med"/>
+                    </a:lnR>
+                    <a:lnT w="12700" cap="flat" cmpd="sng" algn="ctr">
+                      <a:solidFill>
+                        <a:schemeClr val="bg1">
+                          <a:lumMod val="65000"/>
+                        </a:schemeClr>
+                      </a:solidFill>
+                      <a:prstDash val="solid"/>
+                      <a:round/>
+                      <a:headEnd type="none" w="med" len="med"/>
+                      <a:tailEnd type="none" w="med" len="med"/>
+                    </a:lnT>
+                    <a:lnB w="12700" cap="flat" cmpd="sng" algn="ctr">
+                      <a:solidFill>
+                        <a:schemeClr val="bg1">
+                          <a:lumMod val="65000"/>
+                        </a:schemeClr>
+                      </a:solidFill>
+                      <a:prstDash val="solid"/>
+                      <a:round/>
+                      <a:headEnd type="none" w="med" len="med"/>
+                      <a:tailEnd type="none" w="med" len="med"/>
+                    </a:lnB>
+                    <a:lnTlToBr w="12700" cmpd="sng">
+                      <a:noFill/>
+                      <a:prstDash val="solid"/>
+                    </a:lnTlToBr>
+                    <a:lnBlToTr w="12700" cmpd="sng">
+                      <a:noFill/>
+                      <a:prstDash val="solid"/>
+                    </a:lnBlToTr>
+                    <a:solidFill>
+                      <a:schemeClr val="bg1">
+                        <a:lumMod val="95000"/>
+                      </a:schemeClr>
+                    </a:solidFill>
+                  </a:tcPr>
+                </a:tc>
+                <a:tc>
+                  <a:txBody>
+                    <a:bodyPr/>
+                    <a:lstStyle/>
+                    <a:p>
+                      <a:pPr algn="l" latinLnBrk="1"/>
+                      <a:r>
+                        <a:rPr lang="ko-KR" altLang="en-US" sz="1200" b="1" dirty="0">
+                          <a:solidFill>
+                            <a:sysClr val="windowText" lastClr="000000"/>
+                          </a:solidFill>
+                        </a:rPr>
+                        <a:t>수신자 입력란</a:t>
+                      </a:r>
+                    </a:p>
+                  </a:txBody>
+                  <a:tcPr anchor="ctr">
+                    <a:lnL w="12700" cap="flat" cmpd="sng" algn="ctr">
+                      <a:solidFill>
+                        <a:schemeClr val="bg1">
+                          <a:lumMod val="65000"/>
+                        </a:schemeClr>
+                      </a:solidFill>
+                      <a:prstDash val="solid"/>
+                      <a:round/>
+                      <a:headEnd type="none" w="med" len="med"/>
+                      <a:tailEnd type="none" w="med" len="med"/>
+                    </a:lnL>
+                    <a:lnR w="12700" cap="flat" cmpd="sng" algn="ctr">
+                      <a:noFill/>
+                      <a:prstDash val="solid"/>
+                      <a:round/>
+                      <a:headEnd type="none" w="med" len="med"/>
+                      <a:tailEnd type="none" w="med" len="med"/>
+                    </a:lnR>
+                    <a:lnT w="12700" cap="flat" cmpd="sng" algn="ctr">
+                      <a:solidFill>
+                        <a:schemeClr val="bg1">
+                          <a:lumMod val="65000"/>
+                        </a:schemeClr>
+                      </a:solidFill>
+                      <a:prstDash val="solid"/>
+                      <a:round/>
+                      <a:headEnd type="none" w="med" len="med"/>
+                      <a:tailEnd type="none" w="med" len="med"/>
+                    </a:lnT>
+                    <a:lnB w="12700" cap="flat" cmpd="sng" algn="ctr">
+                      <a:solidFill>
+                        <a:schemeClr val="bg1">
+                          <a:lumMod val="65000"/>
+                        </a:schemeClr>
+                      </a:solidFill>
+                      <a:prstDash val="solid"/>
+                      <a:round/>
+                      <a:headEnd type="none" w="med" len="med"/>
+                      <a:tailEnd type="none" w="med" len="med"/>
+                    </a:lnB>
+                    <a:lnTlToBr w="12700" cmpd="sng">
+                      <a:noFill/>
+                      <a:prstDash val="solid"/>
+                    </a:lnTlToBr>
+                    <a:lnBlToTr w="12700" cmpd="sng">
+                      <a:noFill/>
+                      <a:prstDash val="solid"/>
+                    </a:lnBlToTr>
+                    <a:solidFill>
+                      <a:schemeClr val="bg1"/>
+                    </a:solidFill>
+                  </a:tcPr>
+                </a:tc>
+                <a:extLst>
+                  <a:ext uri="{0D108BD9-81ED-4DB2-BD59-A6C34878D82A}">
+                    <a16:rowId xmlns:a16="http://schemas.microsoft.com/office/drawing/2014/main" val="2262134838"/>
+                  </a:ext>
+                </a:extLst>
+              </a:tr>
+              <a:tr h="468000">
+                <a:tc>
+                  <a:txBody>
+                    <a:bodyPr/>
+                    <a:lstStyle/>
+                    <a:p>
+                      <a:pPr algn="ctr" latinLnBrk="1"/>
+                      <a:r>
+                        <a:rPr lang="ko-KR" altLang="en-US" sz="1200" b="1" dirty="0">
+                          <a:solidFill>
+                            <a:sysClr val="windowText" lastClr="000000"/>
+                          </a:solidFill>
+                        </a:rPr>
+                        <a:t>연락처</a:t>
+                      </a:r>
+                    </a:p>
+                  </a:txBody>
+                  <a:tcPr anchor="ctr">
+                    <a:lnL w="12700" cap="flat" cmpd="sng" algn="ctr">
+                      <a:noFill/>
+                      <a:prstDash val="solid"/>
+                      <a:round/>
+                      <a:headEnd type="none" w="med" len="med"/>
+                      <a:tailEnd type="none" w="med" len="med"/>
+                    </a:lnL>
+                    <a:lnR w="12700" cap="flat" cmpd="sng" algn="ctr">
+                      <a:solidFill>
+                        <a:schemeClr val="bg1">
+                          <a:lumMod val="65000"/>
+                        </a:schemeClr>
+                      </a:solidFill>
+                      <a:prstDash val="solid"/>
+                      <a:round/>
+                      <a:headEnd type="none" w="med" len="med"/>
+                      <a:tailEnd type="none" w="med" len="med"/>
+                    </a:lnR>
+                    <a:lnT w="12700" cap="flat" cmpd="sng" algn="ctr">
+                      <a:solidFill>
+                        <a:schemeClr val="bg1">
+                          <a:lumMod val="65000"/>
+                        </a:schemeClr>
+                      </a:solidFill>
+                      <a:prstDash val="solid"/>
+                      <a:round/>
+                      <a:headEnd type="none" w="med" len="med"/>
+                      <a:tailEnd type="none" w="med" len="med"/>
+                    </a:lnT>
+                    <a:lnB w="12700" cap="flat" cmpd="sng" algn="ctr">
+                      <a:solidFill>
+                        <a:schemeClr val="bg1">
+                          <a:lumMod val="65000"/>
+                        </a:schemeClr>
+                      </a:solidFill>
+                      <a:prstDash val="solid"/>
+                      <a:round/>
+                      <a:headEnd type="none" w="med" len="med"/>
+                      <a:tailEnd type="none" w="med" len="med"/>
+                    </a:lnB>
+                    <a:lnTlToBr w="12700" cmpd="sng">
+                      <a:noFill/>
+                      <a:prstDash val="solid"/>
+                    </a:lnTlToBr>
+                    <a:lnBlToTr w="12700" cmpd="sng">
+                      <a:noFill/>
+                      <a:prstDash val="solid"/>
+                    </a:lnBlToTr>
+                    <a:solidFill>
+                      <a:schemeClr val="bg1">
+                        <a:lumMod val="95000"/>
+                      </a:schemeClr>
+                    </a:solidFill>
+                  </a:tcPr>
+                </a:tc>
+                <a:tc>
+                  <a:txBody>
+                    <a:bodyPr/>
+                    <a:lstStyle/>
+                    <a:p>
+                      <a:pPr algn="l" latinLnBrk="1"/>
+                      <a:r>
+                        <a:rPr lang="ko-KR" altLang="en-US" sz="1200" b="1" dirty="0">
+                          <a:solidFill>
+                            <a:sysClr val="windowText" lastClr="000000"/>
+                          </a:solidFill>
+                        </a:rPr>
+                        <a:t>연락처 입력란</a:t>
+                      </a:r>
+                    </a:p>
+                  </a:txBody>
+                  <a:tcPr anchor="ctr">
+                    <a:lnL w="12700" cap="flat" cmpd="sng" algn="ctr">
+                      <a:solidFill>
+                        <a:schemeClr val="bg1">
+                          <a:lumMod val="65000"/>
+                        </a:schemeClr>
+                      </a:solidFill>
+                      <a:prstDash val="solid"/>
+                      <a:round/>
+                      <a:headEnd type="none" w="med" len="med"/>
+                      <a:tailEnd type="none" w="med" len="med"/>
+                    </a:lnL>
+                    <a:lnR w="12700" cap="flat" cmpd="sng" algn="ctr">
+                      <a:noFill/>
+                      <a:prstDash val="solid"/>
+                      <a:round/>
+                      <a:headEnd type="none" w="med" len="med"/>
+                      <a:tailEnd type="none" w="med" len="med"/>
+                    </a:lnR>
+                    <a:lnT w="12700" cap="flat" cmpd="sng" algn="ctr">
+                      <a:solidFill>
+                        <a:schemeClr val="bg1">
+                          <a:lumMod val="65000"/>
+                        </a:schemeClr>
+                      </a:solidFill>
+                      <a:prstDash val="solid"/>
+                      <a:round/>
+                      <a:headEnd type="none" w="med" len="med"/>
+                      <a:tailEnd type="none" w="med" len="med"/>
+                    </a:lnT>
+                    <a:lnB w="12700" cap="flat" cmpd="sng" algn="ctr">
+                      <a:solidFill>
+                        <a:schemeClr val="bg1">
+                          <a:lumMod val="65000"/>
+                        </a:schemeClr>
+                      </a:solidFill>
+                      <a:prstDash val="solid"/>
+                      <a:round/>
+                      <a:headEnd type="none" w="med" len="med"/>
+                      <a:tailEnd type="none" w="med" len="med"/>
+                    </a:lnB>
+                    <a:lnTlToBr w="12700" cmpd="sng">
+                      <a:noFill/>
+                      <a:prstDash val="solid"/>
+                    </a:lnTlToBr>
+                    <a:lnBlToTr w="12700" cmpd="sng">
+                      <a:noFill/>
+                      <a:prstDash val="solid"/>
+                    </a:lnBlToTr>
+                    <a:solidFill>
+                      <a:schemeClr val="bg1"/>
+                    </a:solidFill>
+                  </a:tcPr>
+                </a:tc>
+                <a:extLst>
+                  <a:ext uri="{0D108BD9-81ED-4DB2-BD59-A6C34878D82A}">
+                    <a16:rowId xmlns:a16="http://schemas.microsoft.com/office/drawing/2014/main" val="4032822142"/>
+                  </a:ext>
+                </a:extLst>
+              </a:tr>
+            </a:tbl>
+          </a:graphicData>
+        </a:graphic>
+      </p:graphicFrame>
+      <p:graphicFrame>
+        <p:nvGraphicFramePr>
+          <p:cNvPr id="12" name="표 11">
+            <a:extLst>
+              <a:ext uri="{FF2B5EF4-FFF2-40B4-BE49-F238E27FC236}">
+                <a16:creationId xmlns:a16="http://schemas.microsoft.com/office/drawing/2014/main" id="{939A912C-DFE7-6645-9D06-03E6158709F1}"/>
+              </a:ext>
+            </a:extLst>
+          </p:cNvPr>
+          <p:cNvGraphicFramePr>
+            <a:graphicFrameLocks noGrp="1"/>
+          </p:cNvGraphicFramePr>
+          <p:nvPr>
+            <p:extLst/>
+          </p:nvPr>
+        </p:nvGraphicFramePr>
+        <p:xfrm>
+          <a:off x="302845" y="3534509"/>
+          <a:ext cx="4536000" cy="1404000"/>
+        </p:xfrm>
+        <a:graphic>
+          <a:graphicData uri="http://schemas.openxmlformats.org/drawingml/2006/table">
+            <a:tbl>
+              <a:tblPr firstRow="1" bandRow="1">
+                <a:tableStyleId>{5C22544A-7EE6-4342-B048-85BDC9FD1C3A}</a:tableStyleId>
+              </a:tblPr>
+              <a:tblGrid>
+                <a:gridCol w="900000">
+                  <a:extLst>
+                    <a:ext uri="{9D8B030D-6E8A-4147-A177-3AD203B41FA5}">
+                      <a16:colId xmlns:a16="http://schemas.microsoft.com/office/drawing/2014/main" val="3286585976"/>
+                    </a:ext>
+                  </a:extLst>
+                </a:gridCol>
+                <a:gridCol w="3636000">
+                  <a:extLst>
+                    <a:ext uri="{9D8B030D-6E8A-4147-A177-3AD203B41FA5}">
+                      <a16:colId xmlns:a16="http://schemas.microsoft.com/office/drawing/2014/main" val="1935096649"/>
+                    </a:ext>
+                  </a:extLst>
+                </a:gridCol>
+              </a:tblGrid>
+              <a:tr h="468000">
+                <a:tc>
+                  <a:txBody>
+                    <a:bodyPr/>
+                    <a:lstStyle/>
+                    <a:p>
+                      <a:pPr algn="ctr" latinLnBrk="1"/>
+                      <a:r>
+                        <a:rPr lang="ko-KR" altLang="en-US" sz="1200" b="1" dirty="0">
+                          <a:solidFill>
+                            <a:sysClr val="windowText" lastClr="000000"/>
+                          </a:solidFill>
+                        </a:rPr>
+                        <a:t>부서</a:t>
+                      </a:r>
+                    </a:p>
+                  </a:txBody>
+                  <a:tcPr anchor="ctr">
+                    <a:lnL w="12700" cap="flat" cmpd="sng" algn="ctr">
+                      <a:noFill/>
+                      <a:prstDash val="solid"/>
+                      <a:round/>
+                      <a:headEnd type="none" w="med" len="med"/>
+                      <a:tailEnd type="none" w="med" len="med"/>
+                    </a:lnL>
+                    <a:lnR w="12700" cap="flat" cmpd="sng" algn="ctr">
+                      <a:solidFill>
+                        <a:schemeClr val="bg1">
+                          <a:lumMod val="65000"/>
+                        </a:schemeClr>
+                      </a:solidFill>
+                      <a:prstDash val="solid"/>
+                      <a:round/>
+                      <a:headEnd type="none" w="med" len="med"/>
+                      <a:tailEnd type="none" w="med" len="med"/>
+                    </a:lnR>
+                    <a:lnT w="12700" cap="flat" cmpd="sng" algn="ctr">
+                      <a:solidFill>
+                        <a:schemeClr val="bg1">
+                          <a:lumMod val="65000"/>
+                        </a:schemeClr>
+                      </a:solidFill>
+                      <a:prstDash val="solid"/>
+                      <a:round/>
+                      <a:headEnd type="none" w="med" len="med"/>
+                      <a:tailEnd type="none" w="med" len="med"/>
+                    </a:lnT>
+                    <a:lnB w="12700" cap="flat" cmpd="sng" algn="ctr">
+                      <a:solidFill>
+                        <a:schemeClr val="bg1">
+                          <a:lumMod val="65000"/>
+                        </a:schemeClr>
+                      </a:solidFill>
+                      <a:prstDash val="solid"/>
+                      <a:round/>
+                      <a:headEnd type="none" w="med" len="med"/>
+                      <a:tailEnd type="none" w="med" len="med"/>
+                    </a:lnB>
+                    <a:lnTlToBr w="12700" cmpd="sng">
+                      <a:noFill/>
+                      <a:prstDash val="solid"/>
+                    </a:lnTlToBr>
+                    <a:lnBlToTr w="12700" cmpd="sng">
+                      <a:noFill/>
+                      <a:prstDash val="solid"/>
+                    </a:lnBlToTr>
+                    <a:solidFill>
+                      <a:schemeClr val="bg1">
+                        <a:lumMod val="95000"/>
+                      </a:schemeClr>
+                    </a:solidFill>
+                  </a:tcPr>
+                </a:tc>
+                <a:tc>
+                  <a:txBody>
+                    <a:bodyPr/>
+                    <a:lstStyle/>
+                    <a:p>
+                      <a:pPr algn="l" latinLnBrk="1"/>
+                      <a:r>
+                        <a:rPr lang="ko-KR" altLang="en-US" sz="1200" b="1" dirty="0">
+                          <a:solidFill>
+                            <a:sysClr val="windowText" lastClr="000000"/>
+                          </a:solidFill>
+                        </a:rPr>
+                        <a:t>부서명 입력란</a:t>
+                      </a:r>
+                    </a:p>
+                  </a:txBody>
+                  <a:tcPr anchor="ctr">
+                    <a:lnL w="12700" cap="flat" cmpd="sng" algn="ctr">
+                      <a:solidFill>
+                        <a:schemeClr val="bg1">
+                          <a:lumMod val="65000"/>
+                        </a:schemeClr>
+                      </a:solidFill>
+                      <a:prstDash val="solid"/>
+                      <a:round/>
+                      <a:headEnd type="none" w="med" len="med"/>
+                      <a:tailEnd type="none" w="med" len="med"/>
+                    </a:lnL>
+                    <a:lnR w="12700" cap="flat" cmpd="sng" algn="ctr">
+                      <a:noFill/>
+                      <a:prstDash val="solid"/>
+                      <a:round/>
+                      <a:headEnd type="none" w="med" len="med"/>
+                      <a:tailEnd type="none" w="med" len="med"/>
+                    </a:lnR>
+                    <a:lnT w="12700" cap="flat" cmpd="sng" algn="ctr">
+                      <a:solidFill>
+                        <a:schemeClr val="bg1">
+                          <a:lumMod val="65000"/>
+                        </a:schemeClr>
+                      </a:solidFill>
+                      <a:prstDash val="solid"/>
+                      <a:round/>
+                      <a:headEnd type="none" w="med" len="med"/>
+                      <a:tailEnd type="none" w="med" len="med"/>
+                    </a:lnT>
+                    <a:lnB w="12700" cap="flat" cmpd="sng" algn="ctr">
+                      <a:solidFill>
+                        <a:schemeClr val="bg1">
+                          <a:lumMod val="65000"/>
+                        </a:schemeClr>
+                      </a:solidFill>
+                      <a:prstDash val="solid"/>
+                      <a:round/>
+                      <a:headEnd type="none" w="med" len="med"/>
+                      <a:tailEnd type="none" w="med" len="med"/>
+                    </a:lnB>
+                    <a:lnTlToBr w="12700" cmpd="sng">
+                      <a:noFill/>
+                      <a:prstDash val="solid"/>
+                    </a:lnTlToBr>
+                    <a:lnBlToTr w="12700" cmpd="sng">
+                      <a:noFill/>
+                      <a:prstDash val="solid"/>
+                    </a:lnBlToTr>
+                    <a:solidFill>
+                      <a:schemeClr val="bg1"/>
+                    </a:solidFill>
+                  </a:tcPr>
+                </a:tc>
+                <a:extLst>
+                  <a:ext uri="{0D108BD9-81ED-4DB2-BD59-A6C34878D82A}">
+                    <a16:rowId xmlns:a16="http://schemas.microsoft.com/office/drawing/2014/main" val="2102013272"/>
+                  </a:ext>
+                </a:extLst>
+              </a:tr>
+              <a:tr h="468000">
+                <a:tc>
+                  <a:txBody>
+                    <a:bodyPr/>
+                    <a:lstStyle/>
+                    <a:p>
+                      <a:pPr algn="ctr" latinLnBrk="1"/>
+                      <a:r>
+                        <a:rPr lang="ko-KR" altLang="en-US" sz="1200" b="1" dirty="0">
+                          <a:solidFill>
+                            <a:sysClr val="windowText" lastClr="000000"/>
+                          </a:solidFill>
+                        </a:rPr>
+                        <a:t>수신자</a:t>
+                      </a:r>
+                    </a:p>
+                  </a:txBody>
+                  <a:tcPr anchor="ctr">
+                    <a:lnL w="12700" cap="flat" cmpd="sng" algn="ctr">
+                      <a:noFill/>
+                      <a:prstDash val="solid"/>
+                      <a:round/>
+                      <a:headEnd type="none" w="med" len="med"/>
+                      <a:tailEnd type="none" w="med" len="med"/>
+                    </a:lnL>
+                    <a:lnR w="12700" cap="flat" cmpd="sng" algn="ctr">
+                      <a:solidFill>
+                        <a:schemeClr val="bg1">
+                          <a:lumMod val="65000"/>
+                        </a:schemeClr>
+                      </a:solidFill>
+                      <a:prstDash val="solid"/>
+                      <a:round/>
+                      <a:headEnd type="none" w="med" len="med"/>
+                      <a:tailEnd type="none" w="med" len="med"/>
+                    </a:lnR>
+                    <a:lnT w="12700" cap="flat" cmpd="sng" algn="ctr">
+                      <a:solidFill>
+                        <a:schemeClr val="bg1">
+                          <a:lumMod val="65000"/>
+                        </a:schemeClr>
+                      </a:solidFill>
+                      <a:prstDash val="solid"/>
+                      <a:round/>
+                      <a:headEnd type="none" w="med" len="med"/>
+                      <a:tailEnd type="none" w="med" len="med"/>
+                    </a:lnT>
+                    <a:lnB w="12700" cap="flat" cmpd="sng" algn="ctr">
+                      <a:solidFill>
+                        <a:schemeClr val="bg1">
+                          <a:lumMod val="65000"/>
+                        </a:schemeClr>
+                      </a:solidFill>
+                      <a:prstDash val="solid"/>
+                      <a:round/>
+                      <a:headEnd type="none" w="med" len="med"/>
+                      <a:tailEnd type="none" w="med" len="med"/>
+                    </a:lnB>
+                    <a:lnTlToBr w="12700" cmpd="sng">
+                      <a:noFill/>
+                      <a:prstDash val="solid"/>
+                    </a:lnTlToBr>
+                    <a:lnBlToTr w="12700" cmpd="sng">
+                      <a:noFill/>
+                      <a:prstDash val="solid"/>
+                    </a:lnBlToTr>
+                    <a:solidFill>
+                      <a:schemeClr val="bg1">
+                        <a:lumMod val="95000"/>
+                      </a:schemeClr>
+                    </a:solidFill>
+                  </a:tcPr>
+                </a:tc>
+                <a:tc>
+                  <a:txBody>
+                    <a:bodyPr/>
+                    <a:lstStyle/>
+                    <a:p>
+                      <a:pPr algn="l" latinLnBrk="1"/>
+                      <a:r>
+                        <a:rPr lang="ko-KR" altLang="en-US" sz="1200" b="1" dirty="0">
+                          <a:solidFill>
+                            <a:sysClr val="windowText" lastClr="000000"/>
+                          </a:solidFill>
+                        </a:rPr>
+                        <a:t>수신자 입력란</a:t>
+                      </a:r>
+                    </a:p>
+                  </a:txBody>
+                  <a:tcPr anchor="ctr">
+                    <a:lnL w="12700" cap="flat" cmpd="sng" algn="ctr">
+                      <a:solidFill>
+                        <a:schemeClr val="bg1">
+                          <a:lumMod val="65000"/>
+                        </a:schemeClr>
+                      </a:solidFill>
+                      <a:prstDash val="solid"/>
+                      <a:round/>
+                      <a:headEnd type="none" w="med" len="med"/>
+                      <a:tailEnd type="none" w="med" len="med"/>
+                    </a:lnL>
+                    <a:lnR w="12700" cap="flat" cmpd="sng" algn="ctr">
+                      <a:noFill/>
+                      <a:prstDash val="solid"/>
+                      <a:round/>
+                      <a:headEnd type="none" w="med" len="med"/>
+                      <a:tailEnd type="none" w="med" len="med"/>
+                    </a:lnR>
+                    <a:lnT w="12700" cap="flat" cmpd="sng" algn="ctr">
+                      <a:solidFill>
+                        <a:schemeClr val="bg1">
+                          <a:lumMod val="65000"/>
+                        </a:schemeClr>
+                      </a:solidFill>
+                      <a:prstDash val="solid"/>
+                      <a:round/>
+                      <a:headEnd type="none" w="med" len="med"/>
+                      <a:tailEnd type="none" w="med" len="med"/>
+                    </a:lnT>
+                    <a:lnB w="12700" cap="flat" cmpd="sng" algn="ctr">
+                      <a:solidFill>
+                        <a:schemeClr val="bg1">
+                          <a:lumMod val="65000"/>
+                        </a:schemeClr>
+                      </a:solidFill>
+                      <a:prstDash val="solid"/>
+                      <a:round/>
+                      <a:headEnd type="none" w="med" len="med"/>
+                      <a:tailEnd type="none" w="med" len="med"/>
+                    </a:lnB>
+                    <a:lnTlToBr w="12700" cmpd="sng">
+                      <a:noFill/>
+                      <a:prstDash val="solid"/>
+                    </a:lnTlToBr>
+                    <a:lnBlToTr w="12700" cmpd="sng">
+                      <a:noFill/>
+                      <a:prstDash val="solid"/>
+                    </a:lnBlToTr>
+                    <a:solidFill>
+                      <a:schemeClr val="bg1"/>
+                    </a:solidFill>
+                  </a:tcPr>
+                </a:tc>
+                <a:extLst>
+                  <a:ext uri="{0D108BD9-81ED-4DB2-BD59-A6C34878D82A}">
+                    <a16:rowId xmlns:a16="http://schemas.microsoft.com/office/drawing/2014/main" val="2262134838"/>
+                  </a:ext>
+                </a:extLst>
+              </a:tr>
+              <a:tr h="468000">
+                <a:tc>
+                  <a:txBody>
+                    <a:bodyPr/>
+                    <a:lstStyle/>
+                    <a:p>
+                      <a:pPr algn="ctr" latinLnBrk="1"/>
+                      <a:r>
+                        <a:rPr lang="ko-KR" altLang="en-US" sz="1200" b="1" dirty="0">
+                          <a:solidFill>
+                            <a:sysClr val="windowText" lastClr="000000"/>
+                          </a:solidFill>
+                        </a:rPr>
+                        <a:t>연락처</a:t>
+                      </a:r>
+                    </a:p>
+                  </a:txBody>
+                  <a:tcPr anchor="ctr">
+                    <a:lnL w="12700" cap="flat" cmpd="sng" algn="ctr">
+                      <a:noFill/>
+                      <a:prstDash val="solid"/>
+                      <a:round/>
+                      <a:headEnd type="none" w="med" len="med"/>
+                      <a:tailEnd type="none" w="med" len="med"/>
+                    </a:lnL>
+                    <a:lnR w="12700" cap="flat" cmpd="sng" algn="ctr">
+                      <a:solidFill>
+                        <a:schemeClr val="bg1">
+                          <a:lumMod val="65000"/>
+                        </a:schemeClr>
+                      </a:solidFill>
+                      <a:prstDash val="solid"/>
+                      <a:round/>
+                      <a:headEnd type="none" w="med" len="med"/>
+                      <a:tailEnd type="none" w="med" len="med"/>
+                    </a:lnR>
+                    <a:lnT w="12700" cap="flat" cmpd="sng" algn="ctr">
+                      <a:solidFill>
+                        <a:schemeClr val="bg1">
+                          <a:lumMod val="65000"/>
+                        </a:schemeClr>
+                      </a:solidFill>
+                      <a:prstDash val="solid"/>
+                      <a:round/>
+                      <a:headEnd type="none" w="med" len="med"/>
+                      <a:tailEnd type="none" w="med" len="med"/>
+                    </a:lnT>
+                    <a:lnB w="12700" cap="flat" cmpd="sng" algn="ctr">
+                      <a:solidFill>
+                        <a:schemeClr val="bg1">
+                          <a:lumMod val="65000"/>
+                        </a:schemeClr>
+                      </a:solidFill>
+                      <a:prstDash val="solid"/>
+                      <a:round/>
+                      <a:headEnd type="none" w="med" len="med"/>
+                      <a:tailEnd type="none" w="med" len="med"/>
+                    </a:lnB>
+                    <a:lnTlToBr w="12700" cmpd="sng">
+                      <a:noFill/>
+                      <a:prstDash val="solid"/>
+                    </a:lnTlToBr>
+                    <a:lnBlToTr w="12700" cmpd="sng">
+                      <a:noFill/>
+                      <a:prstDash val="solid"/>
+                    </a:lnBlToTr>
+                    <a:solidFill>
+                      <a:schemeClr val="bg1">
+                        <a:lumMod val="95000"/>
+                      </a:schemeClr>
+                    </a:solidFill>
+                  </a:tcPr>
+                </a:tc>
+                <a:tc>
+                  <a:txBody>
+                    <a:bodyPr/>
+                    <a:lstStyle/>
+                    <a:p>
+                      <a:pPr algn="l" latinLnBrk="1"/>
+                      <a:r>
+                        <a:rPr lang="ko-KR" altLang="en-US" sz="1200" b="1" dirty="0">
+                          <a:solidFill>
+                            <a:sysClr val="windowText" lastClr="000000"/>
+                          </a:solidFill>
+                        </a:rPr>
+                        <a:t>연락처 입력란</a:t>
+                      </a:r>
+                    </a:p>
+                  </a:txBody>
+                  <a:tcPr anchor="ctr">
+                    <a:lnL w="12700" cap="flat" cmpd="sng" algn="ctr">
+                      <a:solidFill>
+                        <a:schemeClr val="bg1">
+                          <a:lumMod val="65000"/>
+                        </a:schemeClr>
+                      </a:solidFill>
+                      <a:prstDash val="solid"/>
+                      <a:round/>
+                      <a:headEnd type="none" w="med" len="med"/>
+                      <a:tailEnd type="none" w="med" len="med"/>
+                    </a:lnL>
+                    <a:lnR w="12700" cap="flat" cmpd="sng" algn="ctr">
+                      <a:noFill/>
+                      <a:prstDash val="solid"/>
+                      <a:round/>
+                      <a:headEnd type="none" w="med" len="med"/>
+                      <a:tailEnd type="none" w="med" len="med"/>
+                    </a:lnR>
+                    <a:lnT w="12700" cap="flat" cmpd="sng" algn="ctr">
+                      <a:solidFill>
+                        <a:schemeClr val="bg1">
+                          <a:lumMod val="65000"/>
+                        </a:schemeClr>
+                      </a:solidFill>
+                      <a:prstDash val="solid"/>
+                      <a:round/>
+                      <a:headEnd type="none" w="med" len="med"/>
+                      <a:tailEnd type="none" w="med" len="med"/>
+                    </a:lnT>
+                    <a:lnB w="12700" cap="flat" cmpd="sng" algn="ctr">
+                      <a:solidFill>
+                        <a:schemeClr val="bg1">
+                          <a:lumMod val="65000"/>
+                        </a:schemeClr>
+                      </a:solidFill>
+                      <a:prstDash val="solid"/>
+                      <a:round/>
+                      <a:headEnd type="none" w="med" len="med"/>
+                      <a:tailEnd type="none" w="med" len="med"/>
+                    </a:lnB>
+                    <a:lnTlToBr w="12700" cmpd="sng">
+                      <a:noFill/>
+                      <a:prstDash val="solid"/>
+                    </a:lnTlToBr>
+                    <a:lnBlToTr w="12700" cmpd="sng">
+                      <a:noFill/>
+                      <a:prstDash val="solid"/>
+                    </a:lnBlToTr>
+                    <a:solidFill>
+                      <a:schemeClr val="bg1"/>
+                    </a:solidFill>
+                  </a:tcPr>
+                </a:tc>
+                <a:extLst>
+                  <a:ext uri="{0D108BD9-81ED-4DB2-BD59-A6C34878D82A}">
+                    <a16:rowId xmlns:a16="http://schemas.microsoft.com/office/drawing/2014/main" val="4032822142"/>
+                  </a:ext>
+                </a:extLst>
+              </a:tr>
+            </a:tbl>
+          </a:graphicData>
+        </a:graphic>
+      </p:graphicFrame>
+      <p:graphicFrame>
+        <p:nvGraphicFramePr>
+          <p:cNvPr id="13" name="표 12">
+            <a:extLst>
+              <a:ext uri="{FF2B5EF4-FFF2-40B4-BE49-F238E27FC236}">
+                <a16:creationId xmlns:a16="http://schemas.microsoft.com/office/drawing/2014/main" id="{1210EBD4-C4EB-A943-850D-1FA0137E37E9}"/>
+              </a:ext>
+            </a:extLst>
+          </p:cNvPr>
+          <p:cNvGraphicFramePr>
+            <a:graphicFrameLocks noGrp="1"/>
+          </p:cNvGraphicFramePr>
+          <p:nvPr>
+            <p:extLst/>
+          </p:nvPr>
+        </p:nvGraphicFramePr>
+        <p:xfrm>
+          <a:off x="5058507" y="3534509"/>
+          <a:ext cx="4536000" cy="1404000"/>
+        </p:xfrm>
+        <a:graphic>
+          <a:graphicData uri="http://schemas.openxmlformats.org/drawingml/2006/table">
+            <a:tbl>
+              <a:tblPr firstRow="1" bandRow="1">
+                <a:tableStyleId>{5C22544A-7EE6-4342-B048-85BDC9FD1C3A}</a:tableStyleId>
+              </a:tblPr>
+              <a:tblGrid>
+                <a:gridCol w="900000">
+                  <a:extLst>
+                    <a:ext uri="{9D8B030D-6E8A-4147-A177-3AD203B41FA5}">
+                      <a16:colId xmlns:a16="http://schemas.microsoft.com/office/drawing/2014/main" val="3286585976"/>
+                    </a:ext>
+                  </a:extLst>
+                </a:gridCol>
+                <a:gridCol w="3636000">
+                  <a:extLst>
+                    <a:ext uri="{9D8B030D-6E8A-4147-A177-3AD203B41FA5}">
+                      <a16:colId xmlns:a16="http://schemas.microsoft.com/office/drawing/2014/main" val="1935096649"/>
+                    </a:ext>
+                  </a:extLst>
+                </a:gridCol>
+              </a:tblGrid>
+              <a:tr h="468000">
+                <a:tc>
+                  <a:txBody>
+                    <a:bodyPr/>
+                    <a:lstStyle/>
+                    <a:p>
+                      <a:pPr algn="ctr" latinLnBrk="1"/>
+                      <a:r>
+                        <a:rPr lang="ko-KR" altLang="en-US" sz="1200" b="1" dirty="0">
+                          <a:solidFill>
+                            <a:sysClr val="windowText" lastClr="000000"/>
+                          </a:solidFill>
+                        </a:rPr>
+                        <a:t>부서</a:t>
+                      </a:r>
+                    </a:p>
+                  </a:txBody>
+                  <a:tcPr anchor="ctr">
+                    <a:lnL w="12700" cap="flat" cmpd="sng" algn="ctr">
+                      <a:noFill/>
+                      <a:prstDash val="solid"/>
+                      <a:round/>
+                      <a:headEnd type="none" w="med" len="med"/>
+                      <a:tailEnd type="none" w="med" len="med"/>
+                    </a:lnL>
+                    <a:lnR w="12700" cap="flat" cmpd="sng" algn="ctr">
+                      <a:solidFill>
+                        <a:schemeClr val="bg1">
+                          <a:lumMod val="65000"/>
+                        </a:schemeClr>
+                      </a:solidFill>
+                      <a:prstDash val="solid"/>
+                      <a:round/>
+                      <a:headEnd type="none" w="med" len="med"/>
+                      <a:tailEnd type="none" w="med" len="med"/>
+                    </a:lnR>
+                    <a:lnT w="12700" cap="flat" cmpd="sng" algn="ctr">
+                      <a:solidFill>
+                        <a:schemeClr val="bg1">
+                          <a:lumMod val="65000"/>
+                        </a:schemeClr>
+                      </a:solidFill>
+                      <a:prstDash val="solid"/>
+                      <a:round/>
+                      <a:headEnd type="none" w="med" len="med"/>
+                      <a:tailEnd type="none" w="med" len="med"/>
+                    </a:lnT>
+                    <a:lnB w="12700" cap="flat" cmpd="sng" algn="ctr">
+                      <a:solidFill>
+                        <a:schemeClr val="bg1">
+                          <a:lumMod val="65000"/>
+                        </a:schemeClr>
+                      </a:solidFill>
+                      <a:prstDash val="solid"/>
+                      <a:round/>
+                      <a:headEnd type="none" w="med" len="med"/>
+                      <a:tailEnd type="none" w="med" len="med"/>
+                    </a:lnB>
+                    <a:lnTlToBr w="12700" cmpd="sng">
+                      <a:noFill/>
+                      <a:prstDash val="solid"/>
+                    </a:lnTlToBr>
+                    <a:lnBlToTr w="12700" cmpd="sng">
+                      <a:noFill/>
+                      <a:prstDash val="solid"/>
+                    </a:lnBlToTr>
+                    <a:solidFill>
+                      <a:schemeClr val="bg1">
+                        <a:lumMod val="95000"/>
+                      </a:schemeClr>
+                    </a:solidFill>
+                  </a:tcPr>
+                </a:tc>
+                <a:tc>
+                  <a:txBody>
+                    <a:bodyPr/>
+                    <a:lstStyle/>
+                    <a:p>
+                      <a:pPr algn="l" latinLnBrk="1"/>
+                      <a:r>
+                        <a:rPr lang="ko-KR" altLang="en-US" sz="1200" b="1" dirty="0">
+                          <a:solidFill>
+                            <a:sysClr val="windowText" lastClr="000000"/>
+                          </a:solidFill>
+                        </a:rPr>
+                        <a:t>부서명 입력란</a:t>
+                      </a:r>
+                    </a:p>
+                  </a:txBody>
+                  <a:tcPr anchor="ctr">
+                    <a:lnL w="12700" cap="flat" cmpd="sng" algn="ctr">
+                      <a:solidFill>
+                        <a:schemeClr val="bg1">
+                          <a:lumMod val="65000"/>
+                        </a:schemeClr>
+                      </a:solidFill>
+                      <a:prstDash val="solid"/>
+                      <a:round/>
+                      <a:headEnd type="none" w="med" len="med"/>
+                      <a:tailEnd type="none" w="med" len="med"/>
+                    </a:lnL>
+                    <a:lnR w="12700" cap="flat" cmpd="sng" algn="ctr">
+                      <a:noFill/>
+                      <a:prstDash val="solid"/>
+                      <a:round/>
+                      <a:headEnd type="none" w="med" len="med"/>
+                      <a:tailEnd type="none" w="med" len="med"/>
+                    </a:lnR>
+                    <a:lnT w="12700" cap="flat" cmpd="sng" algn="ctr">
+                      <a:solidFill>
+                        <a:schemeClr val="bg1">
+                          <a:lumMod val="65000"/>
+                        </a:schemeClr>
+                      </a:solidFill>
+                      <a:prstDash val="solid"/>
+                      <a:round/>
+                      <a:headEnd type="none" w="med" len="med"/>
+                      <a:tailEnd type="none" w="med" len="med"/>
+                    </a:lnT>
+                    <a:lnB w="12700" cap="flat" cmpd="sng" algn="ctr">
+                      <a:solidFill>
+                        <a:schemeClr val="bg1">
+                          <a:lumMod val="65000"/>
+                        </a:schemeClr>
+                      </a:solidFill>
+                      <a:prstDash val="solid"/>
+                      <a:round/>
+                      <a:headEnd type="none" w="med" len="med"/>
+                      <a:tailEnd type="none" w="med" len="med"/>
+                    </a:lnB>
+                    <a:lnTlToBr w="12700" cmpd="sng">
+                      <a:noFill/>
+                      <a:prstDash val="solid"/>
+                    </a:lnTlToBr>
+                    <a:lnBlToTr w="12700" cmpd="sng">
+                      <a:noFill/>
+                      <a:prstDash val="solid"/>
+                    </a:lnBlToTr>
+                    <a:solidFill>
+                      <a:schemeClr val="bg1"/>
+                    </a:solidFill>
+                  </a:tcPr>
+                </a:tc>
+                <a:extLst>
+                  <a:ext uri="{0D108BD9-81ED-4DB2-BD59-A6C34878D82A}">
+                    <a16:rowId xmlns:a16="http://schemas.microsoft.com/office/drawing/2014/main" val="2102013272"/>
+                  </a:ext>
+                </a:extLst>
+              </a:tr>
+              <a:tr h="468000">
+                <a:tc>
+                  <a:txBody>
+                    <a:bodyPr/>
+                    <a:lstStyle/>
+                    <a:p>
+                      <a:pPr algn="ctr" latinLnBrk="1"/>
+                      <a:r>
+                        <a:rPr lang="ko-KR" altLang="en-US" sz="1200" b="1" dirty="0">
+                          <a:solidFill>
+                            <a:sysClr val="windowText" lastClr="000000"/>
+                          </a:solidFill>
+                        </a:rPr>
+                        <a:t>수신자</a:t>
+                      </a:r>
+                    </a:p>
+                  </a:txBody>
+                  <a:tcPr anchor="ctr">
+                    <a:lnL w="12700" cap="flat" cmpd="sng" algn="ctr">
+                      <a:noFill/>
+                      <a:prstDash val="solid"/>
+                      <a:round/>
+                      <a:headEnd type="none" w="med" len="med"/>
+                      <a:tailEnd type="none" w="med" len="med"/>
+                    </a:lnL>
+                    <a:lnR w="12700" cap="flat" cmpd="sng" algn="ctr">
+                      <a:solidFill>
+                        <a:schemeClr val="bg1">
+                          <a:lumMod val="65000"/>
+                        </a:schemeClr>
+                      </a:solidFill>
+                      <a:prstDash val="solid"/>
+                      <a:round/>
+                      <a:headEnd type="none" w="med" len="med"/>
+                      <a:tailEnd type="none" w="med" len="med"/>
+                    </a:lnR>
+                    <a:lnT w="12700" cap="flat" cmpd="sng" algn="ctr">
+                      <a:solidFill>
+                        <a:schemeClr val="bg1">
+                          <a:lumMod val="65000"/>
+                        </a:schemeClr>
+                      </a:solidFill>
+                      <a:prstDash val="solid"/>
+                      <a:round/>
+                      <a:headEnd type="none" w="med" len="med"/>
+                      <a:tailEnd type="none" w="med" len="med"/>
+                    </a:lnT>
+                    <a:lnB w="12700" cap="flat" cmpd="sng" algn="ctr">
+                      <a:solidFill>
+                        <a:schemeClr val="bg1">
+                          <a:lumMod val="65000"/>
+                        </a:schemeClr>
+                      </a:solidFill>
+                      <a:prstDash val="solid"/>
+                      <a:round/>
+                      <a:headEnd type="none" w="med" len="med"/>
+                      <a:tailEnd type="none" w="med" len="med"/>
+                    </a:lnB>
+                    <a:lnTlToBr w="12700" cmpd="sng">
+                      <a:noFill/>
+                      <a:prstDash val="solid"/>
+                    </a:lnTlToBr>
+                    <a:lnBlToTr w="12700" cmpd="sng">
+                      <a:noFill/>
+                      <a:prstDash val="solid"/>
+                    </a:lnBlToTr>
+                    <a:solidFill>
+                      <a:schemeClr val="bg1">
+                        <a:lumMod val="95000"/>
+                      </a:schemeClr>
+                    </a:solidFill>
+                  </a:tcPr>
+                </a:tc>
+                <a:tc>
+                  <a:txBody>
+                    <a:bodyPr/>
+                    <a:lstStyle/>
+                    <a:p>
+                      <a:pPr algn="l" latinLnBrk="1"/>
+                      <a:r>
+                        <a:rPr lang="ko-KR" altLang="en-US" sz="1200" b="1" dirty="0">
+                          <a:solidFill>
+                            <a:sysClr val="windowText" lastClr="000000"/>
+                          </a:solidFill>
+                        </a:rPr>
+                        <a:t>수신자 입력란</a:t>
+                      </a:r>
+                    </a:p>
+                  </a:txBody>
+                  <a:tcPr anchor="ctr">
+                    <a:lnL w="12700" cap="flat" cmpd="sng" algn="ctr">
+                      <a:solidFill>
+                        <a:schemeClr val="bg1">
+                          <a:lumMod val="65000"/>
+                        </a:schemeClr>
+                      </a:solidFill>
+                      <a:prstDash val="solid"/>
+                      <a:round/>
+                      <a:headEnd type="none" w="med" len="med"/>
+                      <a:tailEnd type="none" w="med" len="med"/>
+                    </a:lnL>
+                    <a:lnR w="12700" cap="flat" cmpd="sng" algn="ctr">
+                      <a:noFill/>
+                      <a:prstDash val="solid"/>
+                      <a:round/>
+                      <a:headEnd type="none" w="med" len="med"/>
+                      <a:tailEnd type="none" w="med" len="med"/>
+                    </a:lnR>
+                    <a:lnT w="12700" cap="flat" cmpd="sng" algn="ctr">
+                      <a:solidFill>
+                        <a:schemeClr val="bg1">
+                          <a:lumMod val="65000"/>
+                        </a:schemeClr>
+                      </a:solidFill>
+                      <a:prstDash val="solid"/>
+                      <a:round/>
+                      <a:headEnd type="none" w="med" len="med"/>
+                      <a:tailEnd type="none" w="med" len="med"/>
+                    </a:lnT>
+                    <a:lnB w="12700" cap="flat" cmpd="sng" algn="ctr">
+                      <a:solidFill>
+                        <a:schemeClr val="bg1">
+                          <a:lumMod val="65000"/>
+                        </a:schemeClr>
+                      </a:solidFill>
+                      <a:prstDash val="solid"/>
+                      <a:round/>
+                      <a:headEnd type="none" w="med" len="med"/>
+                      <a:tailEnd type="none" w="med" len="med"/>
+                    </a:lnB>
+                    <a:lnTlToBr w="12700" cmpd="sng">
+                      <a:noFill/>
+                      <a:prstDash val="solid"/>
+                    </a:lnTlToBr>
+                    <a:lnBlToTr w="12700" cmpd="sng">
+                      <a:noFill/>
+                      <a:prstDash val="solid"/>
+                    </a:lnBlToTr>
+                    <a:solidFill>
+                      <a:schemeClr val="bg1"/>
+                    </a:solidFill>
+                  </a:tcPr>
+                </a:tc>
+                <a:extLst>
+                  <a:ext uri="{0D108BD9-81ED-4DB2-BD59-A6C34878D82A}">
+                    <a16:rowId xmlns:a16="http://schemas.microsoft.com/office/drawing/2014/main" val="2262134838"/>
+                  </a:ext>
+                </a:extLst>
+              </a:tr>
+              <a:tr h="468000">
+                <a:tc>
+                  <a:txBody>
+                    <a:bodyPr/>
+                    <a:lstStyle/>
+                    <a:p>
+                      <a:pPr algn="ctr" latinLnBrk="1"/>
+                      <a:r>
+                        <a:rPr lang="ko-KR" altLang="en-US" sz="1200" b="1" dirty="0">
+                          <a:solidFill>
+                            <a:sysClr val="windowText" lastClr="000000"/>
+                          </a:solidFill>
+                        </a:rPr>
+                        <a:t>연락처</a:t>
+                      </a:r>
+                    </a:p>
+                  </a:txBody>
+                  <a:tcPr anchor="ctr">
+                    <a:lnL w="12700" cap="flat" cmpd="sng" algn="ctr">
+                      <a:noFill/>
+                      <a:prstDash val="solid"/>
+                      <a:round/>
+                      <a:headEnd type="none" w="med" len="med"/>
+                      <a:tailEnd type="none" w="med" len="med"/>
+                    </a:lnL>
+                    <a:lnR w="12700" cap="flat" cmpd="sng" algn="ctr">
+                      <a:solidFill>
+                        <a:schemeClr val="bg1">
+                          <a:lumMod val="65000"/>
+                        </a:schemeClr>
+                      </a:solidFill>
+                      <a:prstDash val="solid"/>
+                      <a:round/>
+                      <a:headEnd type="none" w="med" len="med"/>
+                      <a:tailEnd type="none" w="med" len="med"/>
+                    </a:lnR>
+                    <a:lnT w="12700" cap="flat" cmpd="sng" algn="ctr">
+                      <a:solidFill>
+                        <a:schemeClr val="bg1">
+                          <a:lumMod val="65000"/>
+                        </a:schemeClr>
+                      </a:solidFill>
+                      <a:prstDash val="solid"/>
+                      <a:round/>
+                      <a:headEnd type="none" w="med" len="med"/>
+                      <a:tailEnd type="none" w="med" len="med"/>
+                    </a:lnT>
+                    <a:lnB w="12700" cap="flat" cmpd="sng" algn="ctr">
+                      <a:solidFill>
+                        <a:schemeClr val="bg1">
+                          <a:lumMod val="65000"/>
+                        </a:schemeClr>
+                      </a:solidFill>
+                      <a:prstDash val="solid"/>
+                      <a:round/>
+                      <a:headEnd type="none" w="med" len="med"/>
+                      <a:tailEnd type="none" w="med" len="med"/>
+                    </a:lnB>
+                    <a:lnTlToBr w="12700" cmpd="sng">
+                      <a:noFill/>
+                      <a:prstDash val="solid"/>
+                    </a:lnTlToBr>
+                    <a:lnBlToTr w="12700" cmpd="sng">
+                      <a:noFill/>
+                      <a:prstDash val="solid"/>
+                    </a:lnBlToTr>
+                    <a:solidFill>
+                      <a:schemeClr val="bg1">
+                        <a:lumMod val="95000"/>
+                      </a:schemeClr>
+                    </a:solidFill>
+                  </a:tcPr>
+                </a:tc>
+                <a:tc>
+                  <a:txBody>
+                    <a:bodyPr/>
+                    <a:lstStyle/>
+                    <a:p>
+                      <a:pPr algn="l" latinLnBrk="1"/>
+                      <a:r>
+                        <a:rPr lang="ko-KR" altLang="en-US" sz="1200" b="1" dirty="0">
+                          <a:solidFill>
+                            <a:sysClr val="windowText" lastClr="000000"/>
+                          </a:solidFill>
+                        </a:rPr>
+                        <a:t>연락처 입력란</a:t>
+                      </a:r>
+                    </a:p>
+                  </a:txBody>
+                  <a:tcPr anchor="ctr">
+                    <a:lnL w="12700" cap="flat" cmpd="sng" algn="ctr">
+                      <a:solidFill>
+                        <a:schemeClr val="bg1">
+                          <a:lumMod val="65000"/>
+                        </a:schemeClr>
+                      </a:solidFill>
+                      <a:prstDash val="solid"/>
+                      <a:round/>
+                      <a:headEnd type="none" w="med" len="med"/>
+                      <a:tailEnd type="none" w="med" len="med"/>
+                    </a:lnL>
+                    <a:lnR w="12700" cap="flat" cmpd="sng" algn="ctr">
+                      <a:noFill/>
+                      <a:prstDash val="solid"/>
+                      <a:round/>
+                      <a:headEnd type="none" w="med" len="med"/>
+                      <a:tailEnd type="none" w="med" len="med"/>
+                    </a:lnR>
+                    <a:lnT w="12700" cap="flat" cmpd="sng" algn="ctr">
+                      <a:solidFill>
+                        <a:schemeClr val="bg1">
+                          <a:lumMod val="65000"/>
+                        </a:schemeClr>
+                      </a:solidFill>
+                      <a:prstDash val="solid"/>
+                      <a:round/>
+                      <a:headEnd type="none" w="med" len="med"/>
+                      <a:tailEnd type="none" w="med" len="med"/>
+                    </a:lnT>
+                    <a:lnB w="12700" cap="flat" cmpd="sng" algn="ctr">
+                      <a:solidFill>
+                        <a:schemeClr val="bg1">
+                          <a:lumMod val="65000"/>
+                        </a:schemeClr>
+                      </a:solidFill>
+                      <a:prstDash val="solid"/>
+                      <a:round/>
+                      <a:headEnd type="none" w="med" len="med"/>
+                      <a:tailEnd type="none" w="med" len="med"/>
+                    </a:lnB>
+                    <a:lnTlToBr w="12700" cmpd="sng">
+                      <a:noFill/>
+                      <a:prstDash val="solid"/>
+                    </a:lnTlToBr>
+                    <a:lnBlToTr w="12700" cmpd="sng">
+                      <a:noFill/>
+                      <a:prstDash val="solid"/>
+                    </a:lnBlToTr>
+                    <a:solidFill>
+                      <a:schemeClr val="bg1"/>
+                    </a:solidFill>
+                  </a:tcPr>
+                </a:tc>
+                <a:extLst>
+                  <a:ext uri="{0D108BD9-81ED-4DB2-BD59-A6C34878D82A}">
+                    <a16:rowId xmlns:a16="http://schemas.microsoft.com/office/drawing/2014/main" val="4032822142"/>
+                  </a:ext>
+                </a:extLst>
+              </a:tr>
+            </a:tbl>
+          </a:graphicData>
+        </a:graphic>
+      </p:graphicFrame>
+      <p:graphicFrame>
+        <p:nvGraphicFramePr>
+          <p:cNvPr id="14" name="표 13">
+            <a:extLst>
+              <a:ext uri="{FF2B5EF4-FFF2-40B4-BE49-F238E27FC236}">
+                <a16:creationId xmlns:a16="http://schemas.microsoft.com/office/drawing/2014/main" id="{AF5945FE-938B-454C-B09B-541F22F11C3E}"/>
+              </a:ext>
+            </a:extLst>
+          </p:cNvPr>
+          <p:cNvGraphicFramePr>
+            <a:graphicFrameLocks noGrp="1"/>
+          </p:cNvGraphicFramePr>
+          <p:nvPr>
+            <p:extLst/>
+          </p:nvPr>
+        </p:nvGraphicFramePr>
+        <p:xfrm>
+          <a:off x="302845" y="5149526"/>
+          <a:ext cx="4536000" cy="1404000"/>
+        </p:xfrm>
+        <a:graphic>
+          <a:graphicData uri="http://schemas.openxmlformats.org/drawingml/2006/table">
+            <a:tbl>
+              <a:tblPr firstRow="1" bandRow="1">
+                <a:tableStyleId>{5C22544A-7EE6-4342-B048-85BDC9FD1C3A}</a:tableStyleId>
+              </a:tblPr>
+              <a:tblGrid>
+                <a:gridCol w="900000">
+                  <a:extLst>
+                    <a:ext uri="{9D8B030D-6E8A-4147-A177-3AD203B41FA5}">
+                      <a16:colId xmlns:a16="http://schemas.microsoft.com/office/drawing/2014/main" val="3286585976"/>
+                    </a:ext>
+                  </a:extLst>
+                </a:gridCol>
+                <a:gridCol w="3636000">
+                  <a:extLst>
+                    <a:ext uri="{9D8B030D-6E8A-4147-A177-3AD203B41FA5}">
+                      <a16:colId xmlns:a16="http://schemas.microsoft.com/office/drawing/2014/main" val="1935096649"/>
+                    </a:ext>
+                  </a:extLst>
+                </a:gridCol>
+              </a:tblGrid>
+              <a:tr h="468000">
+                <a:tc>
+                  <a:txBody>
+                    <a:bodyPr/>
+                    <a:lstStyle/>
+                    <a:p>
+                      <a:pPr algn="ctr" latinLnBrk="1"/>
+                      <a:r>
+                        <a:rPr lang="ko-KR" altLang="en-US" sz="1200" b="1" dirty="0">
+                          <a:solidFill>
+                            <a:sysClr val="windowText" lastClr="000000"/>
+                          </a:solidFill>
+                        </a:rPr>
+                        <a:t>부서</a:t>
+                      </a:r>
+                    </a:p>
+                  </a:txBody>
+                  <a:tcPr anchor="ctr">
+                    <a:lnL w="12700" cap="flat" cmpd="sng" algn="ctr">
+                      <a:noFill/>
+                      <a:prstDash val="solid"/>
+                      <a:round/>
+                      <a:headEnd type="none" w="med" len="med"/>
+                      <a:tailEnd type="none" w="med" len="med"/>
+                    </a:lnL>
+                    <a:lnR w="12700" cap="flat" cmpd="sng" algn="ctr">
+                      <a:solidFill>
+                        <a:schemeClr val="bg1">
+                          <a:lumMod val="65000"/>
+                        </a:schemeClr>
+                      </a:solidFill>
+                      <a:prstDash val="solid"/>
+                      <a:round/>
+                      <a:headEnd type="none" w="med" len="med"/>
+                      <a:tailEnd type="none" w="med" len="med"/>
+                    </a:lnR>
+                    <a:lnT w="12700" cap="flat" cmpd="sng" algn="ctr">
+                      <a:solidFill>
+                        <a:schemeClr val="bg1">
+                          <a:lumMod val="65000"/>
+                        </a:schemeClr>
+                      </a:solidFill>
+                      <a:prstDash val="solid"/>
+                      <a:round/>
+                      <a:headEnd type="none" w="med" len="med"/>
+                      <a:tailEnd type="none" w="med" len="med"/>
+                    </a:lnT>
+                    <a:lnB w="12700" cap="flat" cmpd="sng" algn="ctr">
+                      <a:solidFill>
+                        <a:schemeClr val="bg1">
+                          <a:lumMod val="65000"/>
+                        </a:schemeClr>
+                      </a:solidFill>
+                      <a:prstDash val="solid"/>
+                      <a:round/>
+                      <a:headEnd type="none" w="med" len="med"/>
+                      <a:tailEnd type="none" w="med" len="med"/>
+                    </a:lnB>
+                    <a:lnTlToBr w="12700" cmpd="sng">
+                      <a:noFill/>
+                      <a:prstDash val="solid"/>
+                    </a:lnTlToBr>
+                    <a:lnBlToTr w="12700" cmpd="sng">
+                      <a:noFill/>
+                      <a:prstDash val="solid"/>
+                    </a:lnBlToTr>
+                    <a:solidFill>
+                      <a:schemeClr val="bg1">
+                        <a:lumMod val="95000"/>
+                      </a:schemeClr>
+                    </a:solidFill>
+                  </a:tcPr>
+                </a:tc>
+                <a:tc>
+                  <a:txBody>
+                    <a:bodyPr/>
+                    <a:lstStyle/>
+                    <a:p>
+                      <a:pPr algn="l" latinLnBrk="1"/>
+                      <a:r>
+                        <a:rPr lang="ko-KR" altLang="en-US" sz="1200" b="1" dirty="0">
+                          <a:solidFill>
+                            <a:sysClr val="windowText" lastClr="000000"/>
+                          </a:solidFill>
+                        </a:rPr>
+                        <a:t>부서명 입력란</a:t>
+                      </a:r>
+                    </a:p>
+                  </a:txBody>
+                  <a:tcPr anchor="ctr">
+                    <a:lnL w="12700" cap="flat" cmpd="sng" algn="ctr">
+                      <a:solidFill>
+                        <a:schemeClr val="bg1">
+                          <a:lumMod val="65000"/>
+                        </a:schemeClr>
+                      </a:solidFill>
+                      <a:prstDash val="solid"/>
+                      <a:round/>
+                      <a:headEnd type="none" w="med" len="med"/>
+                      <a:tailEnd type="none" w="med" len="med"/>
+                    </a:lnL>
+                    <a:lnR w="12700" cap="flat" cmpd="sng" algn="ctr">
+                      <a:noFill/>
+                      <a:prstDash val="solid"/>
+                      <a:round/>
+                      <a:headEnd type="none" w="med" len="med"/>
+                      <a:tailEnd type="none" w="med" len="med"/>
+                    </a:lnR>
+                    <a:lnT w="12700" cap="flat" cmpd="sng" algn="ctr">
+                      <a:solidFill>
+                        <a:schemeClr val="bg1">
+                          <a:lumMod val="65000"/>
+                        </a:schemeClr>
+                      </a:solidFill>
+                      <a:prstDash val="solid"/>
+                      <a:round/>
+                      <a:headEnd type="none" w="med" len="med"/>
+                      <a:tailEnd type="none" w="med" len="med"/>
+                    </a:lnT>
+                    <a:lnB w="12700" cap="flat" cmpd="sng" algn="ctr">
+                      <a:solidFill>
+                        <a:schemeClr val="bg1">
+                          <a:lumMod val="65000"/>
+                        </a:schemeClr>
+                      </a:solidFill>
+                      <a:prstDash val="solid"/>
+                      <a:round/>
+                      <a:headEnd type="none" w="med" len="med"/>
+                      <a:tailEnd type="none" w="med" len="med"/>
+                    </a:lnB>
+                    <a:lnTlToBr w="12700" cmpd="sng">
+                      <a:noFill/>
+                      <a:prstDash val="solid"/>
+                    </a:lnTlToBr>
+                    <a:lnBlToTr w="12700" cmpd="sng">
+                      <a:noFill/>
+                      <a:prstDash val="solid"/>
+                    </a:lnBlToTr>
+                    <a:solidFill>
+                      <a:schemeClr val="bg1"/>
+                    </a:solidFill>
+                  </a:tcPr>
+                </a:tc>
+                <a:extLst>
+                  <a:ext uri="{0D108BD9-81ED-4DB2-BD59-A6C34878D82A}">
+                    <a16:rowId xmlns:a16="http://schemas.microsoft.com/office/drawing/2014/main" val="2102013272"/>
+                  </a:ext>
+                </a:extLst>
+              </a:tr>
+              <a:tr h="468000">
+                <a:tc>
+                  <a:txBody>
+                    <a:bodyPr/>
+                    <a:lstStyle/>
+                    <a:p>
+                      <a:pPr algn="ctr" latinLnBrk="1"/>
+                      <a:r>
+                        <a:rPr lang="ko-KR" altLang="en-US" sz="1200" b="1" dirty="0">
+                          <a:solidFill>
+                            <a:sysClr val="windowText" lastClr="000000"/>
+                          </a:solidFill>
+                        </a:rPr>
+                        <a:t>수신자</a:t>
+                      </a:r>
+                    </a:p>
+                  </a:txBody>
+                  <a:tcPr anchor="ctr">
+                    <a:lnL w="12700" cap="flat" cmpd="sng" algn="ctr">
+                      <a:noFill/>
+                      <a:prstDash val="solid"/>
+                      <a:round/>
+                      <a:headEnd type="none" w="med" len="med"/>
+                      <a:tailEnd type="none" w="med" len="med"/>
+                    </a:lnL>
+                    <a:lnR w="12700" cap="flat" cmpd="sng" algn="ctr">
+                      <a:solidFill>
+                        <a:schemeClr val="bg1">
+                          <a:lumMod val="65000"/>
+                        </a:schemeClr>
+                      </a:solidFill>
+                      <a:prstDash val="solid"/>
+                      <a:round/>
+                      <a:headEnd type="none" w="med" len="med"/>
+                      <a:tailEnd type="none" w="med" len="med"/>
+                    </a:lnR>
+                    <a:lnT w="12700" cap="flat" cmpd="sng" algn="ctr">
+                      <a:solidFill>
+                        <a:schemeClr val="bg1">
+                          <a:lumMod val="65000"/>
+                        </a:schemeClr>
+                      </a:solidFill>
+                      <a:prstDash val="solid"/>
+                      <a:round/>
+                      <a:headEnd type="none" w="med" len="med"/>
+                      <a:tailEnd type="none" w="med" len="med"/>
+                    </a:lnT>
+                    <a:lnB w="12700" cap="flat" cmpd="sng" algn="ctr">
+                      <a:solidFill>
+                        <a:schemeClr val="bg1">
+                          <a:lumMod val="65000"/>
+                        </a:schemeClr>
+                      </a:solidFill>
+                      <a:prstDash val="solid"/>
+                      <a:round/>
+                      <a:headEnd type="none" w="med" len="med"/>
+                      <a:tailEnd type="none" w="med" len="med"/>
+                    </a:lnB>
+                    <a:lnTlToBr w="12700" cmpd="sng">
+                      <a:noFill/>
+                      <a:prstDash val="solid"/>
+                    </a:lnTlToBr>
+                    <a:lnBlToTr w="12700" cmpd="sng">
+                      <a:noFill/>
+                      <a:prstDash val="solid"/>
+                    </a:lnBlToTr>
+                    <a:solidFill>
+                      <a:schemeClr val="bg1">
+                        <a:lumMod val="95000"/>
+                      </a:schemeClr>
+                    </a:solidFill>
+                  </a:tcPr>
+                </a:tc>
+                <a:tc>
+                  <a:txBody>
+                    <a:bodyPr/>
+                    <a:lstStyle/>
+                    <a:p>
+                      <a:pPr algn="l" latinLnBrk="1"/>
+                      <a:r>
+                        <a:rPr lang="ko-KR" altLang="en-US" sz="1200" b="1" dirty="0">
+                          <a:solidFill>
+                            <a:sysClr val="windowText" lastClr="000000"/>
+                          </a:solidFill>
+                        </a:rPr>
+                        <a:t>수신자 입력란</a:t>
+                      </a:r>
+                    </a:p>
+                  </a:txBody>
+                  <a:tcPr anchor="ctr">
+                    <a:lnL w="12700" cap="flat" cmpd="sng" algn="ctr">
+                      <a:solidFill>
+                        <a:schemeClr val="bg1">
+                          <a:lumMod val="65000"/>
+                        </a:schemeClr>
+                      </a:solidFill>
+                      <a:prstDash val="solid"/>
+                      <a:round/>
+                      <a:headEnd type="none" w="med" len="med"/>
+                      <a:tailEnd type="none" w="med" len="med"/>
+                    </a:lnL>
+                    <a:lnR w="12700" cap="flat" cmpd="sng" algn="ctr">
+                      <a:noFill/>
+                      <a:prstDash val="solid"/>
+                      <a:round/>
+                      <a:headEnd type="none" w="med" len="med"/>
+                      <a:tailEnd type="none" w="med" len="med"/>
+                    </a:lnR>
+                    <a:lnT w="12700" cap="flat" cmpd="sng" algn="ctr">
+                      <a:solidFill>
+                        <a:schemeClr val="bg1">
+                          <a:lumMod val="65000"/>
+                        </a:schemeClr>
+                      </a:solidFill>
+                      <a:prstDash val="solid"/>
+                      <a:round/>
+                      <a:headEnd type="none" w="med" len="med"/>
+                      <a:tailEnd type="none" w="med" len="med"/>
+                    </a:lnT>
+                    <a:lnB w="12700" cap="flat" cmpd="sng" algn="ctr">
+                      <a:solidFill>
+                        <a:schemeClr val="bg1">
+                          <a:lumMod val="65000"/>
+                        </a:schemeClr>
+                      </a:solidFill>
+                      <a:prstDash val="solid"/>
+                      <a:round/>
+                      <a:headEnd type="none" w="med" len="med"/>
+                      <a:tailEnd type="none" w="med" len="med"/>
+                    </a:lnB>
+                    <a:lnTlToBr w="12700" cmpd="sng">
+                      <a:noFill/>
+                      <a:prstDash val="solid"/>
+                    </a:lnTlToBr>
+                    <a:lnBlToTr w="12700" cmpd="sng">
+                      <a:noFill/>
+                      <a:prstDash val="solid"/>
+                    </a:lnBlToTr>
+                    <a:solidFill>
+                      <a:schemeClr val="bg1"/>
+                    </a:solidFill>
+                  </a:tcPr>
+                </a:tc>
+                <a:extLst>
+                  <a:ext uri="{0D108BD9-81ED-4DB2-BD59-A6C34878D82A}">
+                    <a16:rowId xmlns:a16="http://schemas.microsoft.com/office/drawing/2014/main" val="2262134838"/>
+                  </a:ext>
+                </a:extLst>
+              </a:tr>
+              <a:tr h="468000">
+                <a:tc>
+                  <a:txBody>
+                    <a:bodyPr/>
+                    <a:lstStyle/>
+                    <a:p>
+                      <a:pPr algn="ctr" latinLnBrk="1"/>
+                      <a:r>
+                        <a:rPr lang="ko-KR" altLang="en-US" sz="1200" b="1" dirty="0">
+                          <a:solidFill>
+                            <a:sysClr val="windowText" lastClr="000000"/>
+                          </a:solidFill>
+                        </a:rPr>
+                        <a:t>연락처</a:t>
+                      </a:r>
+                    </a:p>
+                  </a:txBody>
+                  <a:tcPr anchor="ctr">
+                    <a:lnL w="12700" cap="flat" cmpd="sng" algn="ctr">
+                      <a:noFill/>
+                      <a:prstDash val="solid"/>
+                      <a:round/>
+                      <a:headEnd type="none" w="med" len="med"/>
+                      <a:tailEnd type="none" w="med" len="med"/>
+                    </a:lnL>
+                    <a:lnR w="12700" cap="flat" cmpd="sng" algn="ctr">
+                      <a:solidFill>
+                        <a:schemeClr val="bg1">
+                          <a:lumMod val="65000"/>
+                        </a:schemeClr>
+                      </a:solidFill>
+                      <a:prstDash val="solid"/>
+                      <a:round/>
+                      <a:headEnd type="none" w="med" len="med"/>
+                      <a:tailEnd type="none" w="med" len="med"/>
+                    </a:lnR>
+                    <a:lnT w="12700" cap="flat" cmpd="sng" algn="ctr">
+                      <a:solidFill>
+                        <a:schemeClr val="bg1">
+                          <a:lumMod val="65000"/>
+                        </a:schemeClr>
+                      </a:solidFill>
+                      <a:prstDash val="solid"/>
+                      <a:round/>
+                      <a:headEnd type="none" w="med" len="med"/>
+                      <a:tailEnd type="none" w="med" len="med"/>
+                    </a:lnT>
+                    <a:lnB w="12700" cap="flat" cmpd="sng" algn="ctr">
+                      <a:solidFill>
+                        <a:schemeClr val="bg1">
+                          <a:lumMod val="65000"/>
+                        </a:schemeClr>
+                      </a:solidFill>
+                      <a:prstDash val="solid"/>
+                      <a:round/>
+                      <a:headEnd type="none" w="med" len="med"/>
+                      <a:tailEnd type="none" w="med" len="med"/>
+                    </a:lnB>
+                    <a:lnTlToBr w="12700" cmpd="sng">
+                      <a:noFill/>
+                      <a:prstDash val="solid"/>
+                    </a:lnTlToBr>
+                    <a:lnBlToTr w="12700" cmpd="sng">
+                      <a:noFill/>
+                      <a:prstDash val="solid"/>
+                    </a:lnBlToTr>
+                    <a:solidFill>
+                      <a:schemeClr val="bg1">
+                        <a:lumMod val="95000"/>
+                      </a:schemeClr>
+                    </a:solidFill>
+                  </a:tcPr>
+                </a:tc>
+                <a:tc>
+                  <a:txBody>
+                    <a:bodyPr/>
+                    <a:lstStyle/>
+                    <a:p>
+                      <a:pPr algn="l" latinLnBrk="1"/>
+                      <a:r>
+                        <a:rPr lang="ko-KR" altLang="en-US" sz="1200" b="1" dirty="0">
+                          <a:solidFill>
+                            <a:sysClr val="windowText" lastClr="000000"/>
+                          </a:solidFill>
+                        </a:rPr>
+                        <a:t>연락처 입력란</a:t>
+                      </a:r>
+                    </a:p>
+                  </a:txBody>
+                  <a:tcPr anchor="ctr">
+                    <a:lnL w="12700" cap="flat" cmpd="sng" algn="ctr">
+                      <a:solidFill>
+                        <a:schemeClr val="bg1">
+                          <a:lumMod val="65000"/>
+                        </a:schemeClr>
+                      </a:solidFill>
+                      <a:prstDash val="solid"/>
+                      <a:round/>
+                      <a:headEnd type="none" w="med" len="med"/>
+                      <a:tailEnd type="none" w="med" len="med"/>
+                    </a:lnL>
+                    <a:lnR w="12700" cap="flat" cmpd="sng" algn="ctr">
+                      <a:noFill/>
+                      <a:prstDash val="solid"/>
+                      <a:round/>
+                      <a:headEnd type="none" w="med" len="med"/>
+                      <a:tailEnd type="none" w="med" len="med"/>
+                    </a:lnR>
+                    <a:lnT w="12700" cap="flat" cmpd="sng" algn="ctr">
+                      <a:solidFill>
+                        <a:schemeClr val="bg1">
+                          <a:lumMod val="65000"/>
+                        </a:schemeClr>
+                      </a:solidFill>
+                      <a:prstDash val="solid"/>
+                      <a:round/>
+                      <a:headEnd type="none" w="med" len="med"/>
+                      <a:tailEnd type="none" w="med" len="med"/>
+                    </a:lnT>
+                    <a:lnB w="12700" cap="flat" cmpd="sng" algn="ctr">
+                      <a:solidFill>
+                        <a:schemeClr val="bg1">
+                          <a:lumMod val="65000"/>
+                        </a:schemeClr>
+                      </a:solidFill>
+                      <a:prstDash val="solid"/>
+                      <a:round/>
+                      <a:headEnd type="none" w="med" len="med"/>
+                      <a:tailEnd type="none" w="med" len="med"/>
+                    </a:lnB>
+                    <a:lnTlToBr w="12700" cmpd="sng">
+                      <a:noFill/>
+                      <a:prstDash val="solid"/>
+                    </a:lnTlToBr>
+                    <a:lnBlToTr w="12700" cmpd="sng">
+                      <a:noFill/>
+                      <a:prstDash val="solid"/>
+                    </a:lnBlToTr>
+                    <a:solidFill>
+                      <a:schemeClr val="bg1"/>
+                    </a:solidFill>
+                  </a:tcPr>
+                </a:tc>
+                <a:extLst>
+                  <a:ext uri="{0D108BD9-81ED-4DB2-BD59-A6C34878D82A}">
+                    <a16:rowId xmlns:a16="http://schemas.microsoft.com/office/drawing/2014/main" val="4032822142"/>
+                  </a:ext>
+                </a:extLst>
+              </a:tr>
+            </a:tbl>
+          </a:graphicData>
+        </a:graphic>
+      </p:graphicFrame>
+      <p:graphicFrame>
+        <p:nvGraphicFramePr>
+          <p:cNvPr id="15" name="표 14">
+            <a:extLst>
+              <a:ext uri="{FF2B5EF4-FFF2-40B4-BE49-F238E27FC236}">
+                <a16:creationId xmlns:a16="http://schemas.microsoft.com/office/drawing/2014/main" id="{6C4C53BC-01D7-1D4A-85D0-37401796FE41}"/>
+              </a:ext>
+            </a:extLst>
+          </p:cNvPr>
+          <p:cNvGraphicFramePr>
+            <a:graphicFrameLocks noGrp="1"/>
+          </p:cNvGraphicFramePr>
+          <p:nvPr>
+            <p:extLst/>
+          </p:nvPr>
+        </p:nvGraphicFramePr>
+        <p:xfrm>
+          <a:off x="5058507" y="5149526"/>
+          <a:ext cx="4536000" cy="1404000"/>
+        </p:xfrm>
+        <a:graphic>
+          <a:graphicData uri="http://schemas.openxmlformats.org/drawingml/2006/table">
+            <a:tbl>
+              <a:tblPr firstRow="1" bandRow="1">
+                <a:tableStyleId>{5C22544A-7EE6-4342-B048-85BDC9FD1C3A}</a:tableStyleId>
+              </a:tblPr>
+              <a:tblGrid>
+                <a:gridCol w="900000">
+                  <a:extLst>
+                    <a:ext uri="{9D8B030D-6E8A-4147-A177-3AD203B41FA5}">
+                      <a16:colId xmlns:a16="http://schemas.microsoft.com/office/drawing/2014/main" val="3286585976"/>
+                    </a:ext>
+                  </a:extLst>
+                </a:gridCol>
+                <a:gridCol w="3636000">
+                  <a:extLst>
+                    <a:ext uri="{9D8B030D-6E8A-4147-A177-3AD203B41FA5}">
+                      <a16:colId xmlns:a16="http://schemas.microsoft.com/office/drawing/2014/main" val="1935096649"/>
+                    </a:ext>
+                  </a:extLst>
+                </a:gridCol>
+              </a:tblGrid>
+              <a:tr h="468000">
+                <a:tc>
+                  <a:txBody>
+                    <a:bodyPr/>
+                    <a:lstStyle/>
+                    <a:p>
+                      <a:pPr algn="ctr" latinLnBrk="1"/>
+                      <a:r>
+                        <a:rPr lang="ko-KR" altLang="en-US" sz="1200" b="1" dirty="0">
+                          <a:solidFill>
+                            <a:sysClr val="windowText" lastClr="000000"/>
+                          </a:solidFill>
+                        </a:rPr>
+                        <a:t>부서</a:t>
+                      </a:r>
+                    </a:p>
+                  </a:txBody>
+                  <a:tcPr anchor="ctr">
+                    <a:lnL w="12700" cap="flat" cmpd="sng" algn="ctr">
+                      <a:noFill/>
+                      <a:prstDash val="solid"/>
+                      <a:round/>
+                      <a:headEnd type="none" w="med" len="med"/>
+                      <a:tailEnd type="none" w="med" len="med"/>
+                    </a:lnL>
+                    <a:lnR w="12700" cap="flat" cmpd="sng" algn="ctr">
+                      <a:solidFill>
+                        <a:schemeClr val="bg1">
+                          <a:lumMod val="65000"/>
+                        </a:schemeClr>
+                      </a:solidFill>
+                      <a:prstDash val="solid"/>
+                      <a:round/>
+                      <a:headEnd type="none" w="med" len="med"/>
+                      <a:tailEnd type="none" w="med" len="med"/>
+                    </a:lnR>
+                    <a:lnT w="12700" cap="flat" cmpd="sng" algn="ctr">
+                      <a:solidFill>
+                        <a:schemeClr val="bg1">
+                          <a:lumMod val="65000"/>
+                        </a:schemeClr>
+                      </a:solidFill>
+                      <a:prstDash val="solid"/>
+                      <a:round/>
+                      <a:headEnd type="none" w="med" len="med"/>
+                      <a:tailEnd type="none" w="med" len="med"/>
+                    </a:lnT>
+                    <a:lnB w="12700" cap="flat" cmpd="sng" algn="ctr">
+                      <a:solidFill>
+                        <a:schemeClr val="bg1">
+                          <a:lumMod val="65000"/>
+                        </a:schemeClr>
+                      </a:solidFill>
+                      <a:prstDash val="solid"/>
+                      <a:round/>
+                      <a:headEnd type="none" w="med" len="med"/>
+                      <a:tailEnd type="none" w="med" len="med"/>
+                    </a:lnB>
+                    <a:lnTlToBr w="12700" cmpd="sng">
+                      <a:noFill/>
+                      <a:prstDash val="solid"/>
+                    </a:lnTlToBr>
+                    <a:lnBlToTr w="12700" cmpd="sng">
+                      <a:noFill/>
+                      <a:prstDash val="solid"/>
+                    </a:lnBlToTr>
+                    <a:solidFill>
+                      <a:schemeClr val="bg1">
+                        <a:lumMod val="95000"/>
+                      </a:schemeClr>
+                    </a:solidFill>
+                  </a:tcPr>
+                </a:tc>
+                <a:tc>
+                  <a:txBody>
+                    <a:bodyPr/>
+                    <a:lstStyle/>
+                    <a:p>
+                      <a:pPr algn="l" latinLnBrk="1"/>
+                      <a:r>
+                        <a:rPr lang="ko-KR" altLang="en-US" sz="1200" b="1" dirty="0">
+                          <a:solidFill>
+                            <a:sysClr val="windowText" lastClr="000000"/>
+                          </a:solidFill>
+                        </a:rPr>
+                        <a:t>부서명 입력란</a:t>
+                      </a:r>
+                    </a:p>
+                  </a:txBody>
+                  <a:tcPr anchor="ctr">
+                    <a:lnL w="12700" cap="flat" cmpd="sng" algn="ctr">
+                      <a:solidFill>
+                        <a:schemeClr val="bg1">
+                          <a:lumMod val="65000"/>
+                        </a:schemeClr>
+                      </a:solidFill>
+                      <a:prstDash val="solid"/>
+                      <a:round/>
+                      <a:headEnd type="none" w="med" len="med"/>
+                      <a:tailEnd type="none" w="med" len="med"/>
+                    </a:lnL>
+                    <a:lnR w="12700" cap="flat" cmpd="sng" algn="ctr">
+                      <a:noFill/>
+                      <a:prstDash val="solid"/>
+                      <a:round/>
+                      <a:headEnd type="none" w="med" len="med"/>
+                      <a:tailEnd type="none" w="med" len="med"/>
+                    </a:lnR>
+                    <a:lnT w="12700" cap="flat" cmpd="sng" algn="ctr">
+                      <a:solidFill>
+                        <a:schemeClr val="bg1">
+                          <a:lumMod val="65000"/>
+                        </a:schemeClr>
+                      </a:solidFill>
+                      <a:prstDash val="solid"/>
+                      <a:round/>
+                      <a:headEnd type="none" w="med" len="med"/>
+                      <a:tailEnd type="none" w="med" len="med"/>
+                    </a:lnT>
+                    <a:lnB w="12700" cap="flat" cmpd="sng" algn="ctr">
+                      <a:solidFill>
+                        <a:schemeClr val="bg1">
+                          <a:lumMod val="65000"/>
+                        </a:schemeClr>
+                      </a:solidFill>
+                      <a:prstDash val="solid"/>
+                      <a:round/>
+                      <a:headEnd type="none" w="med" len="med"/>
+                      <a:tailEnd type="none" w="med" len="med"/>
+                    </a:lnB>
+                    <a:lnTlToBr w="12700" cmpd="sng">
+                      <a:noFill/>
+                      <a:prstDash val="solid"/>
+                    </a:lnTlToBr>
+                    <a:lnBlToTr w="12700" cmpd="sng">
+                      <a:noFill/>
+                      <a:prstDash val="solid"/>
+                    </a:lnBlToTr>
+                    <a:solidFill>
+                      <a:schemeClr val="bg1"/>
+                    </a:solidFill>
+                  </a:tcPr>
+                </a:tc>
+                <a:extLst>
+                  <a:ext uri="{0D108BD9-81ED-4DB2-BD59-A6C34878D82A}">
+                    <a16:rowId xmlns:a16="http://schemas.microsoft.com/office/drawing/2014/main" val="2102013272"/>
+                  </a:ext>
+                </a:extLst>
+              </a:tr>
+              <a:tr h="468000">
+                <a:tc>
+                  <a:txBody>
+                    <a:bodyPr/>
+                    <a:lstStyle/>
+                    <a:p>
+                      <a:pPr algn="ctr" latinLnBrk="1"/>
+                      <a:r>
+                        <a:rPr lang="ko-KR" altLang="en-US" sz="1200" b="1" dirty="0">
+                          <a:solidFill>
+                            <a:sysClr val="windowText" lastClr="000000"/>
+                          </a:solidFill>
+                        </a:rPr>
+                        <a:t>수신자</a:t>
+                      </a:r>
+                    </a:p>
+                  </a:txBody>
+                  <a:tcPr anchor="ctr">
+                    <a:lnL w="12700" cap="flat" cmpd="sng" algn="ctr">
+                      <a:noFill/>
+                      <a:prstDash val="solid"/>
+                      <a:round/>
+                      <a:headEnd type="none" w="med" len="med"/>
+                      <a:tailEnd type="none" w="med" len="med"/>
+                    </a:lnL>
+                    <a:lnR w="12700" cap="flat" cmpd="sng" algn="ctr">
+                      <a:solidFill>
+                        <a:schemeClr val="bg1">
+                          <a:lumMod val="65000"/>
+                        </a:schemeClr>
+                      </a:solidFill>
+                      <a:prstDash val="solid"/>
+                      <a:round/>
+                      <a:headEnd type="none" w="med" len="med"/>
+                      <a:tailEnd type="none" w="med" len="med"/>
+                    </a:lnR>
+                    <a:lnT w="12700" cap="flat" cmpd="sng" algn="ctr">
+                      <a:solidFill>
+                        <a:schemeClr val="bg1">
+                          <a:lumMod val="65000"/>
+                        </a:schemeClr>
+                      </a:solidFill>
+                      <a:prstDash val="solid"/>
+                      <a:round/>
+                      <a:headEnd type="none" w="med" len="med"/>
+                      <a:tailEnd type="none" w="med" len="med"/>
+                    </a:lnT>
+                    <a:lnB w="12700" cap="flat" cmpd="sng" algn="ctr">
+                      <a:solidFill>
+                        <a:schemeClr val="bg1">
+                          <a:lumMod val="65000"/>
+                        </a:schemeClr>
+                      </a:solidFill>
+                      <a:prstDash val="solid"/>
+                      <a:round/>
+                      <a:headEnd type="none" w="med" len="med"/>
+                      <a:tailEnd type="none" w="med" len="med"/>
+                    </a:lnB>
+                    <a:lnTlToBr w="12700" cmpd="sng">
+                      <a:noFill/>
+                      <a:prstDash val="solid"/>
+                    </a:lnTlToBr>
+                    <a:lnBlToTr w="12700" cmpd="sng">
+                      <a:noFill/>
+                      <a:prstDash val="solid"/>
+                    </a:lnBlToTr>
+                    <a:solidFill>
+                      <a:schemeClr val="bg1">
+                        <a:lumMod val="95000"/>
+                      </a:schemeClr>
+                    </a:solidFill>
+                  </a:tcPr>
+                </a:tc>
+                <a:tc>
+                  <a:txBody>
+                    <a:bodyPr/>
+                    <a:lstStyle/>
+                    <a:p>
+                      <a:pPr algn="l" latinLnBrk="1"/>
+                      <a:r>
+                        <a:rPr lang="ko-KR" altLang="en-US" sz="1200" b="1" dirty="0">
+                          <a:solidFill>
+                            <a:sysClr val="windowText" lastClr="000000"/>
+                          </a:solidFill>
+                        </a:rPr>
+                        <a:t>수신자 입력란</a:t>
+                      </a:r>
+                    </a:p>
+                  </a:txBody>
+                  <a:tcPr anchor="ctr">
+                    <a:lnL w="12700" cap="flat" cmpd="sng" algn="ctr">
+                      <a:solidFill>
+                        <a:schemeClr val="bg1">
+                          <a:lumMod val="65000"/>
+                        </a:schemeClr>
+                      </a:solidFill>
+                      <a:prstDash val="solid"/>
+                      <a:round/>
+                      <a:headEnd type="none" w="med" len="med"/>
+                      <a:tailEnd type="none" w="med" len="med"/>
+                    </a:lnL>
+                    <a:lnR w="12700" cap="flat" cmpd="sng" algn="ctr">
+                      <a:noFill/>
+                      <a:prstDash val="solid"/>
+                      <a:round/>
+                      <a:headEnd type="none" w="med" len="med"/>
+                      <a:tailEnd type="none" w="med" len="med"/>
+                    </a:lnR>
+                    <a:lnT w="12700" cap="flat" cmpd="sng" algn="ctr">
+                      <a:solidFill>
+                        <a:schemeClr val="bg1">
+                          <a:lumMod val="65000"/>
+                        </a:schemeClr>
+                      </a:solidFill>
+                      <a:prstDash val="solid"/>
+                      <a:round/>
+                      <a:headEnd type="none" w="med" len="med"/>
+                      <a:tailEnd type="none" w="med" len="med"/>
+                    </a:lnT>
+                    <a:lnB w="12700" cap="flat" cmpd="sng" algn="ctr">
+                      <a:solidFill>
+                        <a:schemeClr val="bg1">
+                          <a:lumMod val="65000"/>
+                        </a:schemeClr>
+                      </a:solidFill>
+                      <a:prstDash val="solid"/>
+                      <a:round/>
+                      <a:headEnd type="none" w="med" len="med"/>
+                      <a:tailEnd type="none" w="med" len="med"/>
+                    </a:lnB>
+                    <a:lnTlToBr w="12700" cmpd="sng">
+                      <a:noFill/>
+                      <a:prstDash val="solid"/>
+                    </a:lnTlToBr>
+                    <a:lnBlToTr w="12700" cmpd="sng">
+                      <a:noFill/>
+                      <a:prstDash val="solid"/>
+                    </a:lnBlToTr>
+                    <a:solidFill>
+                      <a:schemeClr val="bg1"/>
+                    </a:solidFill>
+                  </a:tcPr>
+                </a:tc>
+                <a:extLst>
+                  <a:ext uri="{0D108BD9-81ED-4DB2-BD59-A6C34878D82A}">
+                    <a16:rowId xmlns:a16="http://schemas.microsoft.com/office/drawing/2014/main" val="2262134838"/>
+                  </a:ext>
+                </a:extLst>
+              </a:tr>
+              <a:tr h="468000">
+                <a:tc>
+                  <a:txBody>
+                    <a:bodyPr/>
+                    <a:lstStyle/>
+                    <a:p>
+                      <a:pPr algn="ctr" latinLnBrk="1"/>
+                      <a:r>
+                        <a:rPr lang="ko-KR" altLang="en-US" sz="1200" b="1" dirty="0">
+                          <a:solidFill>
+                            <a:sysClr val="windowText" lastClr="000000"/>
+                          </a:solidFill>
+                        </a:rPr>
+                        <a:t>연락처</a:t>
+                      </a:r>
+                    </a:p>
+                  </a:txBody>
+                  <a:tcPr anchor="ctr">
+                    <a:lnL w="12700" cap="flat" cmpd="sng" algn="ctr">
+                      <a:noFill/>
+                      <a:prstDash val="solid"/>
+                      <a:round/>
+                      <a:headEnd type="none" w="med" len="med"/>
+                      <a:tailEnd type="none" w="med" len="med"/>
+                    </a:lnL>
+                    <a:lnR w="12700" cap="flat" cmpd="sng" algn="ctr">
+                      <a:solidFill>
+                        <a:schemeClr val="bg1">
+                          <a:lumMod val="65000"/>
+                        </a:schemeClr>
+                      </a:solidFill>
+                      <a:prstDash val="solid"/>
+                      <a:round/>
+                      <a:headEnd type="none" w="med" len="med"/>
+                      <a:tailEnd type="none" w="med" len="med"/>
+                    </a:lnR>
+                    <a:lnT w="12700" cap="flat" cmpd="sng" algn="ctr">
+                      <a:solidFill>
+                        <a:schemeClr val="bg1">
+                          <a:lumMod val="65000"/>
+                        </a:schemeClr>
+                      </a:solidFill>
+                      <a:prstDash val="solid"/>
+                      <a:round/>
+                      <a:headEnd type="none" w="med" len="med"/>
+                      <a:tailEnd type="none" w="med" len="med"/>
+                    </a:lnT>
+                    <a:lnB w="12700" cap="flat" cmpd="sng" algn="ctr">
+                      <a:solidFill>
+                        <a:schemeClr val="bg1">
+                          <a:lumMod val="65000"/>
+                        </a:schemeClr>
+                      </a:solidFill>
+                      <a:prstDash val="solid"/>
+                      <a:round/>
+                      <a:headEnd type="none" w="med" len="med"/>
+                      <a:tailEnd type="none" w="med" len="med"/>
+                    </a:lnB>
+                    <a:lnTlToBr w="12700" cmpd="sng">
+                      <a:noFill/>
+                      <a:prstDash val="solid"/>
+                    </a:lnTlToBr>
+                    <a:lnBlToTr w="12700" cmpd="sng">
+                      <a:noFill/>
+                      <a:prstDash val="solid"/>
+                    </a:lnBlToTr>
+                    <a:solidFill>
+                      <a:schemeClr val="bg1">
+                        <a:lumMod val="95000"/>
+                      </a:schemeClr>
+                    </a:solidFill>
+                  </a:tcPr>
+                </a:tc>
+                <a:tc>
+                  <a:txBody>
+                    <a:bodyPr/>
+                    <a:lstStyle/>
+                    <a:p>
+                      <a:pPr algn="l" latinLnBrk="1"/>
+                      <a:r>
+                        <a:rPr lang="ko-KR" altLang="en-US" sz="1200" b="1" dirty="0">
+                          <a:solidFill>
+                            <a:sysClr val="windowText" lastClr="000000"/>
+                          </a:solidFill>
+                        </a:rPr>
+                        <a:t>연락처 입력란</a:t>
+                      </a:r>
+                    </a:p>
+                  </a:txBody>
+                  <a:tcPr anchor="ctr">
+                    <a:lnL w="12700" cap="flat" cmpd="sng" algn="ctr">
+                      <a:solidFill>
+                        <a:schemeClr val="bg1">
+                          <a:lumMod val="65000"/>
+                        </a:schemeClr>
+                      </a:solidFill>
+                      <a:prstDash val="solid"/>
+                      <a:round/>
+                      <a:headEnd type="none" w="med" len="med"/>
+                      <a:tailEnd type="none" w="med" len="med"/>
+                    </a:lnL>
+                    <a:lnR w="12700" cap="flat" cmpd="sng" algn="ctr">
+                      <a:noFill/>
+                      <a:prstDash val="solid"/>
+                      <a:round/>
+                      <a:headEnd type="none" w="med" len="med"/>
+                      <a:tailEnd type="none" w="med" len="med"/>
+                    </a:lnR>
+                    <a:lnT w="12700" cap="flat" cmpd="sng" algn="ctr">
+                      <a:solidFill>
+                        <a:schemeClr val="bg1">
+                          <a:lumMod val="65000"/>
+                        </a:schemeClr>
+                      </a:solidFill>
+                      <a:prstDash val="solid"/>
+                      <a:round/>
+                      <a:headEnd type="none" w="med" len="med"/>
+                      <a:tailEnd type="none" w="med" len="med"/>
+                    </a:lnT>
+                    <a:lnB w="12700" cap="flat" cmpd="sng" algn="ctr">
+                      <a:solidFill>
+                        <a:schemeClr val="bg1">
+                          <a:lumMod val="65000"/>
+                        </a:schemeClr>
+                      </a:solidFill>
+                      <a:prstDash val="solid"/>
+                      <a:round/>
+                      <a:headEnd type="none" w="med" len="med"/>
+                      <a:tailEnd type="none" w="med" len="med"/>
+                    </a:lnB>
+                    <a:lnTlToBr w="12700" cmpd="sng">
+                      <a:noFill/>
+                      <a:prstDash val="solid"/>
+                    </a:lnTlToBr>
+                    <a:lnBlToTr w="12700" cmpd="sng">
+                      <a:noFill/>
+                      <a:prstDash val="solid"/>
+                    </a:lnBlToTr>
+                    <a:solidFill>
+                      <a:schemeClr val="bg1"/>
+                    </a:solidFill>
+                  </a:tcPr>
+                </a:tc>
+                <a:extLst>
+                  <a:ext uri="{0D108BD9-81ED-4DB2-BD59-A6C34878D82A}">
+                    <a16:rowId xmlns:a16="http://schemas.microsoft.com/office/drawing/2014/main" val="4032822142"/>
+                  </a:ext>
+                </a:extLst>
+              </a:tr>
+            </a:tbl>
+          </a:graphicData>
+        </a:graphic>
+      </p:graphicFrame>
+    </p:spTree>
+    <p:extLst>
+      <p:ext uri="{BB962C8B-B14F-4D97-AF65-F5344CB8AC3E}">
+        <p14:creationId xmlns:p14="http://schemas.microsoft.com/office/powerpoint/2010/main" val="2459350627"/>
+      </p:ext>
+    </p:extLst>
+  </p:cSld>
+  <p:clrMapOvr>
+    <a:masterClrMapping/>
+  </p:clrMapOvr>
+</p:sld>
+</file>
+
+<file path=ppt/slides/slide3.xml><?xml version="1.0" encoding="utf-8"?>
+<p:sld xmlns:a="http://schemas.openxmlformats.org/drawingml/2006/main" xmlns:r="http://schemas.openxmlformats.org/officeDocument/2006/relationships" xmlns:p="http://schemas.openxmlformats.org/presentationml/2006/main">
+  <p:cSld>
+    <p:spTree>
+      <p:nvGrpSpPr>
+        <p:cNvPr id="1" name=""/>
+        <p:cNvGrpSpPr/>
+        <p:nvPr/>
+      </p:nvGrpSpPr>
+      <p:grpSpPr>
+        <a:xfrm>
+          <a:off x="0" y="0"/>
+          <a:ext cx="0" cy="0"/>
+          <a:chOff x="0" y="0"/>
+          <a:chExt cx="0" cy="0"/>
+        </a:xfrm>
+      </p:grpSpPr>
+      <p:graphicFrame>
+        <p:nvGraphicFramePr>
+          <p:cNvPr id="4" name="표 3">
+            <a:extLst>
+              <a:ext uri="{FF2B5EF4-FFF2-40B4-BE49-F238E27FC236}">
+                <a16:creationId xmlns:a16="http://schemas.microsoft.com/office/drawing/2014/main" id="{3009FE66-4770-5E42-A7A8-4FC001B45629}"/>
+              </a:ext>
+            </a:extLst>
+          </p:cNvPr>
+          <p:cNvGraphicFramePr>
+            <a:graphicFrameLocks noGrp="1"/>
+          </p:cNvGraphicFramePr>
+          <p:nvPr>
+            <p:extLst/>
+          </p:nvPr>
+        </p:nvGraphicFramePr>
+        <p:xfrm>
+          <a:off x="302845" y="313266"/>
+          <a:ext cx="4536000" cy="1404000"/>
+        </p:xfrm>
+        <a:graphic>
+          <a:graphicData uri="http://schemas.openxmlformats.org/drawingml/2006/table">
+            <a:tbl>
+              <a:tblPr firstRow="1" bandRow="1">
+                <a:tableStyleId>{5C22544A-7EE6-4342-B048-85BDC9FD1C3A}</a:tableStyleId>
+              </a:tblPr>
+              <a:tblGrid>
+                <a:gridCol w="900000">
+                  <a:extLst>
+                    <a:ext uri="{9D8B030D-6E8A-4147-A177-3AD203B41FA5}">
+                      <a16:colId xmlns:a16="http://schemas.microsoft.com/office/drawing/2014/main" val="3286585976"/>
+                    </a:ext>
+                  </a:extLst>
+                </a:gridCol>
+                <a:gridCol w="3636000">
+                  <a:extLst>
+                    <a:ext uri="{9D8B030D-6E8A-4147-A177-3AD203B41FA5}">
+                      <a16:colId xmlns:a16="http://schemas.microsoft.com/office/drawing/2014/main" val="1935096649"/>
+                    </a:ext>
+                  </a:extLst>
+                </a:gridCol>
+              </a:tblGrid>
+              <a:tr h="468000">
+                <a:tc>
+                  <a:txBody>
+                    <a:bodyPr/>
+                    <a:lstStyle/>
+                    <a:p>
+                      <a:pPr algn="ctr" latinLnBrk="1"/>
+                      <a:r>
+                        <a:rPr lang="ko-KR" altLang="en-US" sz="1200" b="1" dirty="0">
+                          <a:solidFill>
+                            <a:sysClr val="windowText" lastClr="000000"/>
+                          </a:solidFill>
+                        </a:rPr>
+                        <a:t>부서</a:t>
+                      </a:r>
+                    </a:p>
+                  </a:txBody>
+                  <a:tcPr anchor="ctr">
+                    <a:lnL w="12700" cap="flat" cmpd="sng" algn="ctr">
+                      <a:noFill/>
+                      <a:prstDash val="solid"/>
+                      <a:round/>
+                      <a:headEnd type="none" w="med" len="med"/>
+                      <a:tailEnd type="none" w="med" len="med"/>
+                    </a:lnL>
+                    <a:lnR w="12700" cap="flat" cmpd="sng" algn="ctr">
+                      <a:solidFill>
+                        <a:schemeClr val="bg1">
+                          <a:lumMod val="65000"/>
+                        </a:schemeClr>
+                      </a:solidFill>
+                      <a:prstDash val="solid"/>
+                      <a:round/>
+                      <a:headEnd type="none" w="med" len="med"/>
+                      <a:tailEnd type="none" w="med" len="med"/>
+                    </a:lnR>
+                    <a:lnT w="12700" cap="flat" cmpd="sng" algn="ctr">
+                      <a:solidFill>
+                        <a:schemeClr val="bg1">
+                          <a:lumMod val="65000"/>
+                        </a:schemeClr>
+                      </a:solidFill>
+                      <a:prstDash val="solid"/>
+                      <a:round/>
+                      <a:headEnd type="none" w="med" len="med"/>
+                      <a:tailEnd type="none" w="med" len="med"/>
+                    </a:lnT>
+                    <a:lnB w="12700" cap="flat" cmpd="sng" algn="ctr">
+                      <a:solidFill>
+                        <a:schemeClr val="bg1">
+                          <a:lumMod val="65000"/>
+                        </a:schemeClr>
+                      </a:solidFill>
+                      <a:prstDash val="solid"/>
+                      <a:round/>
+                      <a:headEnd type="none" w="med" len="med"/>
+                      <a:tailEnd type="none" w="med" len="med"/>
+                    </a:lnB>
+                    <a:lnTlToBr w="12700" cmpd="sng">
+                      <a:noFill/>
+                      <a:prstDash val="solid"/>
+                    </a:lnTlToBr>
+                    <a:lnBlToTr w="12700" cmpd="sng">
+                      <a:noFill/>
+                      <a:prstDash val="solid"/>
+                    </a:lnBlToTr>
+                    <a:solidFill>
+                      <a:schemeClr val="bg1">
+                        <a:lumMod val="95000"/>
+                      </a:schemeClr>
+                    </a:solidFill>
+                  </a:tcPr>
+                </a:tc>
+                <a:tc>
+                  <a:txBody>
+                    <a:bodyPr/>
+                    <a:lstStyle/>
+                    <a:p>
+                      <a:pPr algn="l" latinLnBrk="1"/>
+                      <a:r>
+                        <a:rPr lang="ko-KR" altLang="en-US" sz="1200" b="1" dirty="0">
+                          <a:solidFill>
+                            <a:sysClr val="windowText" lastClr="000000"/>
+                          </a:solidFill>
+                        </a:rPr>
+                        <a:t>부서명 입력란</a:t>
+                      </a:r>
+                    </a:p>
+                  </a:txBody>
+                  <a:tcPr anchor="ctr">
+                    <a:lnL w="12700" cap="flat" cmpd="sng" algn="ctr">
+                      <a:solidFill>
+                        <a:schemeClr val="bg1">
+                          <a:lumMod val="65000"/>
+                        </a:schemeClr>
+                      </a:solidFill>
+                      <a:prstDash val="solid"/>
+                      <a:round/>
+                      <a:headEnd type="none" w="med" len="med"/>
+                      <a:tailEnd type="none" w="med" len="med"/>
+                    </a:lnL>
+                    <a:lnR w="12700" cap="flat" cmpd="sng" algn="ctr">
+                      <a:noFill/>
+                      <a:prstDash val="solid"/>
+                      <a:round/>
+                      <a:headEnd type="none" w="med" len="med"/>
+                      <a:tailEnd type="none" w="med" len="med"/>
+                    </a:lnR>
+                    <a:lnT w="12700" cap="flat" cmpd="sng" algn="ctr">
+                      <a:solidFill>
+                        <a:schemeClr val="bg1">
+                          <a:lumMod val="65000"/>
+                        </a:schemeClr>
+                      </a:solidFill>
+                      <a:prstDash val="solid"/>
+                      <a:round/>
+                      <a:headEnd type="none" w="med" len="med"/>
+                      <a:tailEnd type="none" w="med" len="med"/>
+                    </a:lnT>
+                    <a:lnB w="12700" cap="flat" cmpd="sng" algn="ctr">
+                      <a:solidFill>
+                        <a:schemeClr val="bg1">
+                          <a:lumMod val="65000"/>
+                        </a:schemeClr>
+                      </a:solidFill>
+                      <a:prstDash val="solid"/>
+                      <a:round/>
+                      <a:headEnd type="none" w="med" len="med"/>
+                      <a:tailEnd type="none" w="med" len="med"/>
+                    </a:lnB>
+                    <a:lnTlToBr w="12700" cmpd="sng">
+                      <a:noFill/>
+                      <a:prstDash val="solid"/>
+                    </a:lnTlToBr>
+                    <a:lnBlToTr w="12700" cmpd="sng">
+                      <a:noFill/>
+                      <a:prstDash val="solid"/>
+                    </a:lnBlToTr>
+                    <a:solidFill>
+                      <a:schemeClr val="bg1"/>
+                    </a:solidFill>
+                  </a:tcPr>
+                </a:tc>
+                <a:extLst>
+                  <a:ext uri="{0D108BD9-81ED-4DB2-BD59-A6C34878D82A}">
+                    <a16:rowId xmlns:a16="http://schemas.microsoft.com/office/drawing/2014/main" val="2102013272"/>
+                  </a:ext>
+                </a:extLst>
+              </a:tr>
+              <a:tr h="468000">
+                <a:tc>
+                  <a:txBody>
+                    <a:bodyPr/>
+                    <a:lstStyle/>
+                    <a:p>
+                      <a:pPr algn="ctr" latinLnBrk="1"/>
+                      <a:r>
+                        <a:rPr lang="ko-KR" altLang="en-US" sz="1200" b="1" dirty="0">
+                          <a:solidFill>
+                            <a:sysClr val="windowText" lastClr="000000"/>
+                          </a:solidFill>
+                        </a:rPr>
+                        <a:t>수신자</a:t>
+                      </a:r>
+                    </a:p>
+                  </a:txBody>
+                  <a:tcPr anchor="ctr">
+                    <a:lnL w="12700" cap="flat" cmpd="sng" algn="ctr">
+                      <a:noFill/>
+                      <a:prstDash val="solid"/>
+                      <a:round/>
+                      <a:headEnd type="none" w="med" len="med"/>
+                      <a:tailEnd type="none" w="med" len="med"/>
+                    </a:lnL>
+                    <a:lnR w="12700" cap="flat" cmpd="sng" algn="ctr">
+                      <a:solidFill>
+                        <a:schemeClr val="bg1">
+                          <a:lumMod val="65000"/>
+                        </a:schemeClr>
+                      </a:solidFill>
+                      <a:prstDash val="solid"/>
+                      <a:round/>
+                      <a:headEnd type="none" w="med" len="med"/>
+                      <a:tailEnd type="none" w="med" len="med"/>
+                    </a:lnR>
+                    <a:lnT w="12700" cap="flat" cmpd="sng" algn="ctr">
+                      <a:solidFill>
+                        <a:schemeClr val="bg1">
+                          <a:lumMod val="65000"/>
+                        </a:schemeClr>
+                      </a:solidFill>
+                      <a:prstDash val="solid"/>
+                      <a:round/>
+                      <a:headEnd type="none" w="med" len="med"/>
+                      <a:tailEnd type="none" w="med" len="med"/>
+                    </a:lnT>
+                    <a:lnB w="12700" cap="flat" cmpd="sng" algn="ctr">
+                      <a:solidFill>
+                        <a:schemeClr val="bg1">
+                          <a:lumMod val="65000"/>
+                        </a:schemeClr>
+                      </a:solidFill>
+                      <a:prstDash val="solid"/>
+                      <a:round/>
+                      <a:headEnd type="none" w="med" len="med"/>
+                      <a:tailEnd type="none" w="med" len="med"/>
+                    </a:lnB>
+                    <a:lnTlToBr w="12700" cmpd="sng">
+                      <a:noFill/>
+                      <a:prstDash val="solid"/>
+                    </a:lnTlToBr>
+                    <a:lnBlToTr w="12700" cmpd="sng">
+                      <a:noFill/>
+                      <a:prstDash val="solid"/>
+                    </a:lnBlToTr>
+                    <a:solidFill>
+                      <a:schemeClr val="bg1">
+                        <a:lumMod val="95000"/>
+                      </a:schemeClr>
+                    </a:solidFill>
+                  </a:tcPr>
+                </a:tc>
+                <a:tc>
+                  <a:txBody>
+                    <a:bodyPr/>
+                    <a:lstStyle/>
+                    <a:p>
+                      <a:pPr algn="l" latinLnBrk="1"/>
+                      <a:r>
+                        <a:rPr lang="ko-KR" altLang="en-US" sz="1200" b="1" dirty="0">
+                          <a:solidFill>
+                            <a:sysClr val="windowText" lastClr="000000"/>
+                          </a:solidFill>
+                        </a:rPr>
+                        <a:t>수신자 입력란</a:t>
+                      </a:r>
+                    </a:p>
+                  </a:txBody>
+                  <a:tcPr anchor="ctr">
+                    <a:lnL w="12700" cap="flat" cmpd="sng" algn="ctr">
+                      <a:solidFill>
+                        <a:schemeClr val="bg1">
+                          <a:lumMod val="65000"/>
+                        </a:schemeClr>
+                      </a:solidFill>
+                      <a:prstDash val="solid"/>
+                      <a:round/>
+                      <a:headEnd type="none" w="med" len="med"/>
+                      <a:tailEnd type="none" w="med" len="med"/>
+                    </a:lnL>
+                    <a:lnR w="12700" cap="flat" cmpd="sng" algn="ctr">
+                      <a:noFill/>
+                      <a:prstDash val="solid"/>
+                      <a:round/>
+                      <a:headEnd type="none" w="med" len="med"/>
+                      <a:tailEnd type="none" w="med" len="med"/>
+                    </a:lnR>
+                    <a:lnT w="12700" cap="flat" cmpd="sng" algn="ctr">
+                      <a:solidFill>
+                        <a:schemeClr val="bg1">
+                          <a:lumMod val="65000"/>
+                        </a:schemeClr>
+                      </a:solidFill>
+                      <a:prstDash val="solid"/>
+                      <a:round/>
+                      <a:headEnd type="none" w="med" len="med"/>
+                      <a:tailEnd type="none" w="med" len="med"/>
+                    </a:lnT>
+                    <a:lnB w="12700" cap="flat" cmpd="sng" algn="ctr">
+                      <a:solidFill>
+                        <a:schemeClr val="bg1">
+                          <a:lumMod val="65000"/>
+                        </a:schemeClr>
+                      </a:solidFill>
+                      <a:prstDash val="solid"/>
+                      <a:round/>
+                      <a:headEnd type="none" w="med" len="med"/>
+                      <a:tailEnd type="none" w="med" len="med"/>
+                    </a:lnB>
+                    <a:lnTlToBr w="12700" cmpd="sng">
+                      <a:noFill/>
+                      <a:prstDash val="solid"/>
+                    </a:lnTlToBr>
+                    <a:lnBlToTr w="12700" cmpd="sng">
+                      <a:noFill/>
+                      <a:prstDash val="solid"/>
+                    </a:lnBlToTr>
+                    <a:solidFill>
+                      <a:schemeClr val="bg1"/>
+                    </a:solidFill>
+                  </a:tcPr>
+                </a:tc>
+                <a:extLst>
+                  <a:ext uri="{0D108BD9-81ED-4DB2-BD59-A6C34878D82A}">
+                    <a16:rowId xmlns:a16="http://schemas.microsoft.com/office/drawing/2014/main" val="2262134838"/>
+                  </a:ext>
+                </a:extLst>
+              </a:tr>
+              <a:tr h="468000">
+                <a:tc>
+                  <a:txBody>
+                    <a:bodyPr/>
+                    <a:lstStyle/>
+                    <a:p>
+                      <a:pPr algn="ctr" latinLnBrk="1"/>
+                      <a:r>
+                        <a:rPr lang="ko-KR" altLang="en-US" sz="1200" b="1" dirty="0">
+                          <a:solidFill>
+                            <a:sysClr val="windowText" lastClr="000000"/>
+                          </a:solidFill>
+                        </a:rPr>
+                        <a:t>연락처</a:t>
+                      </a:r>
+                    </a:p>
+                  </a:txBody>
+                  <a:tcPr anchor="ctr">
+                    <a:lnL w="12700" cap="flat" cmpd="sng" algn="ctr">
+                      <a:noFill/>
+                      <a:prstDash val="solid"/>
+                      <a:round/>
+                      <a:headEnd type="none" w="med" len="med"/>
+                      <a:tailEnd type="none" w="med" len="med"/>
+                    </a:lnL>
+                    <a:lnR w="12700" cap="flat" cmpd="sng" algn="ctr">
+                      <a:solidFill>
+                        <a:schemeClr val="bg1">
+                          <a:lumMod val="65000"/>
+                        </a:schemeClr>
+                      </a:solidFill>
+                      <a:prstDash val="solid"/>
+                      <a:round/>
+                      <a:headEnd type="none" w="med" len="med"/>
+                      <a:tailEnd type="none" w="med" len="med"/>
+                    </a:lnR>
+                    <a:lnT w="12700" cap="flat" cmpd="sng" algn="ctr">
+                      <a:solidFill>
+                        <a:schemeClr val="bg1">
+                          <a:lumMod val="65000"/>
+                        </a:schemeClr>
+                      </a:solidFill>
+                      <a:prstDash val="solid"/>
+                      <a:round/>
+                      <a:headEnd type="none" w="med" len="med"/>
+                      <a:tailEnd type="none" w="med" len="med"/>
+                    </a:lnT>
+                    <a:lnB w="12700" cap="flat" cmpd="sng" algn="ctr">
+                      <a:solidFill>
+                        <a:schemeClr val="bg1">
+                          <a:lumMod val="65000"/>
+                        </a:schemeClr>
+                      </a:solidFill>
+                      <a:prstDash val="solid"/>
+                      <a:round/>
+                      <a:headEnd type="none" w="med" len="med"/>
+                      <a:tailEnd type="none" w="med" len="med"/>
+                    </a:lnB>
+                    <a:lnTlToBr w="12700" cmpd="sng">
+                      <a:noFill/>
+                      <a:prstDash val="solid"/>
+                    </a:lnTlToBr>
+                    <a:lnBlToTr w="12700" cmpd="sng">
+                      <a:noFill/>
+                      <a:prstDash val="solid"/>
+                    </a:lnBlToTr>
+                    <a:solidFill>
+                      <a:schemeClr val="bg1">
+                        <a:lumMod val="95000"/>
+                      </a:schemeClr>
+                    </a:solidFill>
+                  </a:tcPr>
+                </a:tc>
+                <a:tc>
+                  <a:txBody>
+                    <a:bodyPr/>
+                    <a:lstStyle/>
+                    <a:p>
+                      <a:pPr algn="l" latinLnBrk="1"/>
+                      <a:r>
+                        <a:rPr lang="ko-KR" altLang="en-US" sz="1200" b="1" dirty="0">
+                          <a:solidFill>
+                            <a:sysClr val="windowText" lastClr="000000"/>
+                          </a:solidFill>
+                        </a:rPr>
+                        <a:t>연락처 입력란</a:t>
+                      </a:r>
+                    </a:p>
+                  </a:txBody>
+                  <a:tcPr anchor="ctr">
+                    <a:lnL w="12700" cap="flat" cmpd="sng" algn="ctr">
+                      <a:solidFill>
+                        <a:schemeClr val="bg1">
+                          <a:lumMod val="65000"/>
+                        </a:schemeClr>
+                      </a:solidFill>
+                      <a:prstDash val="solid"/>
+                      <a:round/>
+                      <a:headEnd type="none" w="med" len="med"/>
+                      <a:tailEnd type="none" w="med" len="med"/>
+                    </a:lnL>
+                    <a:lnR w="12700" cap="flat" cmpd="sng" algn="ctr">
+                      <a:noFill/>
+                      <a:prstDash val="solid"/>
+                      <a:round/>
+                      <a:headEnd type="none" w="med" len="med"/>
+                      <a:tailEnd type="none" w="med" len="med"/>
+                    </a:lnR>
+                    <a:lnT w="12700" cap="flat" cmpd="sng" algn="ctr">
+                      <a:solidFill>
+                        <a:schemeClr val="bg1">
+                          <a:lumMod val="65000"/>
+                        </a:schemeClr>
+                      </a:solidFill>
+                      <a:prstDash val="solid"/>
+                      <a:round/>
+                      <a:headEnd type="none" w="med" len="med"/>
+                      <a:tailEnd type="none" w="med" len="med"/>
+                    </a:lnT>
+                    <a:lnB w="12700" cap="flat" cmpd="sng" algn="ctr">
+                      <a:solidFill>
+                        <a:schemeClr val="bg1">
+                          <a:lumMod val="65000"/>
+                        </a:schemeClr>
+                      </a:solidFill>
+                      <a:prstDash val="solid"/>
+                      <a:round/>
+                      <a:headEnd type="none" w="med" len="med"/>
+                      <a:tailEnd type="none" w="med" len="med"/>
+                    </a:lnB>
+                    <a:lnTlToBr w="12700" cmpd="sng">
+                      <a:noFill/>
+                      <a:prstDash val="solid"/>
+                    </a:lnTlToBr>
+                    <a:lnBlToTr w="12700" cmpd="sng">
+                      <a:noFill/>
+                      <a:prstDash val="solid"/>
+                    </a:lnBlToTr>
+                    <a:solidFill>
+                      <a:schemeClr val="bg1"/>
+                    </a:solidFill>
+                  </a:tcPr>
+                </a:tc>
+                <a:extLst>
+                  <a:ext uri="{0D108BD9-81ED-4DB2-BD59-A6C34878D82A}">
+                    <a16:rowId xmlns:a16="http://schemas.microsoft.com/office/drawing/2014/main" val="4032822142"/>
+                  </a:ext>
+                </a:extLst>
+              </a:tr>
+            </a:tbl>
+          </a:graphicData>
+        </a:graphic>
+      </p:graphicFrame>
+      <p:graphicFrame>
+        <p:nvGraphicFramePr>
+          <p:cNvPr id="5" name="표 4">
+            <a:extLst>
+              <a:ext uri="{FF2B5EF4-FFF2-40B4-BE49-F238E27FC236}">
+                <a16:creationId xmlns:a16="http://schemas.microsoft.com/office/drawing/2014/main" id="{6018E731-F909-3C47-B255-DCA57B9EF0D0}"/>
+              </a:ext>
+            </a:extLst>
+          </p:cNvPr>
+          <p:cNvGraphicFramePr>
+            <a:graphicFrameLocks noGrp="1"/>
+          </p:cNvGraphicFramePr>
+          <p:nvPr>
+            <p:extLst/>
+          </p:nvPr>
+        </p:nvGraphicFramePr>
+        <p:xfrm>
+          <a:off x="5058507" y="313266"/>
+          <a:ext cx="4536000" cy="1404000"/>
+        </p:xfrm>
+        <a:graphic>
+          <a:graphicData uri="http://schemas.openxmlformats.org/drawingml/2006/table">
+            <a:tbl>
+              <a:tblPr firstRow="1" bandRow="1">
+                <a:tableStyleId>{5C22544A-7EE6-4342-B048-85BDC9FD1C3A}</a:tableStyleId>
+              </a:tblPr>
+              <a:tblGrid>
+                <a:gridCol w="900000">
+                  <a:extLst>
+                    <a:ext uri="{9D8B030D-6E8A-4147-A177-3AD203B41FA5}">
+                      <a16:colId xmlns:a16="http://schemas.microsoft.com/office/drawing/2014/main" val="3286585976"/>
+                    </a:ext>
+                  </a:extLst>
+                </a:gridCol>
+                <a:gridCol w="3636000">
+                  <a:extLst>
+                    <a:ext uri="{9D8B030D-6E8A-4147-A177-3AD203B41FA5}">
+                      <a16:colId xmlns:a16="http://schemas.microsoft.com/office/drawing/2014/main" val="1935096649"/>
+                    </a:ext>
+                  </a:extLst>
+                </a:gridCol>
+              </a:tblGrid>
+              <a:tr h="468000">
+                <a:tc>
+                  <a:txBody>
+                    <a:bodyPr/>
+                    <a:lstStyle/>
+                    <a:p>
+                      <a:pPr algn="ctr" latinLnBrk="1"/>
+                      <a:r>
+                        <a:rPr lang="ko-KR" altLang="en-US" sz="1200" b="1" dirty="0">
+                          <a:solidFill>
+                            <a:sysClr val="windowText" lastClr="000000"/>
+                          </a:solidFill>
+                        </a:rPr>
+                        <a:t>부서</a:t>
+                      </a:r>
+                    </a:p>
+                  </a:txBody>
+                  <a:tcPr anchor="ctr">
+                    <a:lnL w="12700" cap="flat" cmpd="sng" algn="ctr">
+                      <a:noFill/>
+                      <a:prstDash val="solid"/>
+                      <a:round/>
+                      <a:headEnd type="none" w="med" len="med"/>
+                      <a:tailEnd type="none" w="med" len="med"/>
+                    </a:lnL>
+                    <a:lnR w="12700" cap="flat" cmpd="sng" algn="ctr">
+                      <a:solidFill>
+                        <a:schemeClr val="bg1">
+                          <a:lumMod val="65000"/>
+                        </a:schemeClr>
+                      </a:solidFill>
+                      <a:prstDash val="solid"/>
+                      <a:round/>
+                      <a:headEnd type="none" w="med" len="med"/>
+                      <a:tailEnd type="none" w="med" len="med"/>
+                    </a:lnR>
+                    <a:lnT w="12700" cap="flat" cmpd="sng" algn="ctr">
+                      <a:solidFill>
+                        <a:schemeClr val="bg1">
+                          <a:lumMod val="65000"/>
+                        </a:schemeClr>
+                      </a:solidFill>
+                      <a:prstDash val="solid"/>
+                      <a:round/>
+                      <a:headEnd type="none" w="med" len="med"/>
+                      <a:tailEnd type="none" w="med" len="med"/>
+                    </a:lnT>
+                    <a:lnB w="12700" cap="flat" cmpd="sng" algn="ctr">
+                      <a:solidFill>
+                        <a:schemeClr val="bg1">
+                          <a:lumMod val="65000"/>
+                        </a:schemeClr>
+                      </a:solidFill>
+                      <a:prstDash val="solid"/>
+                      <a:round/>
+                      <a:headEnd type="none" w="med" len="med"/>
+                      <a:tailEnd type="none" w="med" len="med"/>
+                    </a:lnB>
+                    <a:lnTlToBr w="12700" cmpd="sng">
+                      <a:noFill/>
+                      <a:prstDash val="solid"/>
+                    </a:lnTlToBr>
+                    <a:lnBlToTr w="12700" cmpd="sng">
+                      <a:noFill/>
+                      <a:prstDash val="solid"/>
+                    </a:lnBlToTr>
+                    <a:solidFill>
+                      <a:schemeClr val="bg1">
+                        <a:lumMod val="95000"/>
+                      </a:schemeClr>
+                    </a:solidFill>
+                  </a:tcPr>
+                </a:tc>
+                <a:tc>
+                  <a:txBody>
+                    <a:bodyPr/>
+                    <a:lstStyle/>
+                    <a:p>
+                      <a:pPr algn="l" latinLnBrk="1"/>
+                      <a:r>
+                        <a:rPr lang="ko-KR" altLang="en-US" sz="1200" b="1" dirty="0">
+                          <a:solidFill>
+                            <a:sysClr val="windowText" lastClr="000000"/>
+                          </a:solidFill>
+                        </a:rPr>
+                        <a:t>부서명 입력란</a:t>
+                      </a:r>
+                    </a:p>
+                  </a:txBody>
+                  <a:tcPr anchor="ctr">
+                    <a:lnL w="12700" cap="flat" cmpd="sng" algn="ctr">
+                      <a:solidFill>
+                        <a:schemeClr val="bg1">
+                          <a:lumMod val="65000"/>
+                        </a:schemeClr>
+                      </a:solidFill>
+                      <a:prstDash val="solid"/>
+                      <a:round/>
+                      <a:headEnd type="none" w="med" len="med"/>
+                      <a:tailEnd type="none" w="med" len="med"/>
+                    </a:lnL>
+                    <a:lnR w="12700" cap="flat" cmpd="sng" algn="ctr">
+                      <a:noFill/>
+                      <a:prstDash val="solid"/>
+                      <a:round/>
+                      <a:headEnd type="none" w="med" len="med"/>
+                      <a:tailEnd type="none" w="med" len="med"/>
+                    </a:lnR>
+                    <a:lnT w="12700" cap="flat" cmpd="sng" algn="ctr">
+                      <a:solidFill>
+                        <a:schemeClr val="bg1">
+                          <a:lumMod val="65000"/>
+                        </a:schemeClr>
+                      </a:solidFill>
+                      <a:prstDash val="solid"/>
+                      <a:round/>
+                      <a:headEnd type="none" w="med" len="med"/>
+                      <a:tailEnd type="none" w="med" len="med"/>
+                    </a:lnT>
+                    <a:lnB w="12700" cap="flat" cmpd="sng" algn="ctr">
+                      <a:solidFill>
+                        <a:schemeClr val="bg1">
+                          <a:lumMod val="65000"/>
+                        </a:schemeClr>
+                      </a:solidFill>
+                      <a:prstDash val="solid"/>
+                      <a:round/>
+                      <a:headEnd type="none" w="med" len="med"/>
+                      <a:tailEnd type="none" w="med" len="med"/>
+                    </a:lnB>
+                    <a:lnTlToBr w="12700" cmpd="sng">
+                      <a:noFill/>
+                      <a:prstDash val="solid"/>
+                    </a:lnTlToBr>
+                    <a:lnBlToTr w="12700" cmpd="sng">
+                      <a:noFill/>
+                      <a:prstDash val="solid"/>
+                    </a:lnBlToTr>
+                    <a:solidFill>
+                      <a:schemeClr val="bg1"/>
+                    </a:solidFill>
+                  </a:tcPr>
+                </a:tc>
+                <a:extLst>
+                  <a:ext uri="{0D108BD9-81ED-4DB2-BD59-A6C34878D82A}">
+                    <a16:rowId xmlns:a16="http://schemas.microsoft.com/office/drawing/2014/main" val="2102013272"/>
+                  </a:ext>
+                </a:extLst>
+              </a:tr>
+              <a:tr h="468000">
+                <a:tc>
+                  <a:txBody>
+                    <a:bodyPr/>
+                    <a:lstStyle/>
+                    <a:p>
+                      <a:pPr algn="ctr" latinLnBrk="1"/>
+                      <a:r>
+                        <a:rPr lang="ko-KR" altLang="en-US" sz="1200" b="1" dirty="0">
+                          <a:solidFill>
+                            <a:sysClr val="windowText" lastClr="000000"/>
+                          </a:solidFill>
+                        </a:rPr>
+                        <a:t>수신자</a:t>
+                      </a:r>
+                    </a:p>
+                  </a:txBody>
+                  <a:tcPr anchor="ctr">
+                    <a:lnL w="12700" cap="flat" cmpd="sng" algn="ctr">
+                      <a:noFill/>
+                      <a:prstDash val="solid"/>
+                      <a:round/>
+                      <a:headEnd type="none" w="med" len="med"/>
+                      <a:tailEnd type="none" w="med" len="med"/>
+                    </a:lnL>
+                    <a:lnR w="12700" cap="flat" cmpd="sng" algn="ctr">
+                      <a:solidFill>
+                        <a:schemeClr val="bg1">
+                          <a:lumMod val="65000"/>
+                        </a:schemeClr>
+                      </a:solidFill>
+                      <a:prstDash val="solid"/>
+                      <a:round/>
+                      <a:headEnd type="none" w="med" len="med"/>
+                      <a:tailEnd type="none" w="med" len="med"/>
+                    </a:lnR>
+                    <a:lnT w="12700" cap="flat" cmpd="sng" algn="ctr">
+                      <a:solidFill>
+                        <a:schemeClr val="bg1">
+                          <a:lumMod val="65000"/>
+                        </a:schemeClr>
+                      </a:solidFill>
+                      <a:prstDash val="solid"/>
+                      <a:round/>
+                      <a:headEnd type="none" w="med" len="med"/>
+                      <a:tailEnd type="none" w="med" len="med"/>
+                    </a:lnT>
+                    <a:lnB w="12700" cap="flat" cmpd="sng" algn="ctr">
+                      <a:solidFill>
+                        <a:schemeClr val="bg1">
+                          <a:lumMod val="65000"/>
+                        </a:schemeClr>
+                      </a:solidFill>
+                      <a:prstDash val="solid"/>
+                      <a:round/>
+                      <a:headEnd type="none" w="med" len="med"/>
+                      <a:tailEnd type="none" w="med" len="med"/>
+                    </a:lnB>
+                    <a:lnTlToBr w="12700" cmpd="sng">
+                      <a:noFill/>
+                      <a:prstDash val="solid"/>
+                    </a:lnTlToBr>
+                    <a:lnBlToTr w="12700" cmpd="sng">
+                      <a:noFill/>
+                      <a:prstDash val="solid"/>
+                    </a:lnBlToTr>
+                    <a:solidFill>
+                      <a:schemeClr val="bg1">
+                        <a:lumMod val="95000"/>
+                      </a:schemeClr>
+                    </a:solidFill>
+                  </a:tcPr>
+                </a:tc>
+                <a:tc>
+                  <a:txBody>
+                    <a:bodyPr/>
+                    <a:lstStyle/>
+                    <a:p>
+                      <a:pPr algn="l" latinLnBrk="1"/>
+                      <a:r>
+                        <a:rPr lang="ko-KR" altLang="en-US" sz="1200" b="1" dirty="0">
+                          <a:solidFill>
+                            <a:sysClr val="windowText" lastClr="000000"/>
+                          </a:solidFill>
+                        </a:rPr>
+                        <a:t>수신자 입력란</a:t>
+                      </a:r>
+                    </a:p>
+                  </a:txBody>
+                  <a:tcPr anchor="ctr">
+                    <a:lnL w="12700" cap="flat" cmpd="sng" algn="ctr">
+                      <a:solidFill>
+                        <a:schemeClr val="bg1">
+                          <a:lumMod val="65000"/>
+                        </a:schemeClr>
+                      </a:solidFill>
+                      <a:prstDash val="solid"/>
+                      <a:round/>
+                      <a:headEnd type="none" w="med" len="med"/>
+                      <a:tailEnd type="none" w="med" len="med"/>
+                    </a:lnL>
+                    <a:lnR w="12700" cap="flat" cmpd="sng" algn="ctr">
+                      <a:noFill/>
+                      <a:prstDash val="solid"/>
+                      <a:round/>
+                      <a:headEnd type="none" w="med" len="med"/>
+                      <a:tailEnd type="none" w="med" len="med"/>
+                    </a:lnR>
+                    <a:lnT w="12700" cap="flat" cmpd="sng" algn="ctr">
+                      <a:solidFill>
+                        <a:schemeClr val="bg1">
+                          <a:lumMod val="65000"/>
+                        </a:schemeClr>
+                      </a:solidFill>
+                      <a:prstDash val="solid"/>
+                      <a:round/>
+                      <a:headEnd type="none" w="med" len="med"/>
+                      <a:tailEnd type="none" w="med" len="med"/>
+                    </a:lnT>
+                    <a:lnB w="12700" cap="flat" cmpd="sng" algn="ctr">
+                      <a:solidFill>
+                        <a:schemeClr val="bg1">
+                          <a:lumMod val="65000"/>
+                        </a:schemeClr>
+                      </a:solidFill>
+                      <a:prstDash val="solid"/>
+                      <a:round/>
+                      <a:headEnd type="none" w="med" len="med"/>
+                      <a:tailEnd type="none" w="med" len="med"/>
+                    </a:lnB>
+                    <a:lnTlToBr w="12700" cmpd="sng">
+                      <a:noFill/>
+                      <a:prstDash val="solid"/>
+                    </a:lnTlToBr>
+                    <a:lnBlToTr w="12700" cmpd="sng">
+                      <a:noFill/>
+                      <a:prstDash val="solid"/>
+                    </a:lnBlToTr>
+                    <a:solidFill>
+                      <a:schemeClr val="bg1"/>
+                    </a:solidFill>
+                  </a:tcPr>
+                </a:tc>
+                <a:extLst>
+                  <a:ext uri="{0D108BD9-81ED-4DB2-BD59-A6C34878D82A}">
+                    <a16:rowId xmlns:a16="http://schemas.microsoft.com/office/drawing/2014/main" val="2262134838"/>
+                  </a:ext>
+                </a:extLst>
+              </a:tr>
+              <a:tr h="468000">
+                <a:tc>
+                  <a:txBody>
+                    <a:bodyPr/>
+                    <a:lstStyle/>
+                    <a:p>
+                      <a:pPr algn="ctr" latinLnBrk="1"/>
+                      <a:r>
+                        <a:rPr lang="ko-KR" altLang="en-US" sz="1200" b="1" dirty="0">
+                          <a:solidFill>
+                            <a:sysClr val="windowText" lastClr="000000"/>
+                          </a:solidFill>
+                        </a:rPr>
+                        <a:t>연락처</a:t>
+                      </a:r>
+                    </a:p>
+                  </a:txBody>
+                  <a:tcPr anchor="ctr">
+                    <a:lnL w="12700" cap="flat" cmpd="sng" algn="ctr">
+                      <a:noFill/>
+                      <a:prstDash val="solid"/>
+                      <a:round/>
+                      <a:headEnd type="none" w="med" len="med"/>
+                      <a:tailEnd type="none" w="med" len="med"/>
+                    </a:lnL>
+                    <a:lnR w="12700" cap="flat" cmpd="sng" algn="ctr">
+                      <a:solidFill>
+                        <a:schemeClr val="bg1">
+                          <a:lumMod val="65000"/>
+                        </a:schemeClr>
+                      </a:solidFill>
+                      <a:prstDash val="solid"/>
+                      <a:round/>
+                      <a:headEnd type="none" w="med" len="med"/>
+                      <a:tailEnd type="none" w="med" len="med"/>
+                    </a:lnR>
+                    <a:lnT w="12700" cap="flat" cmpd="sng" algn="ctr">
+                      <a:solidFill>
+                        <a:schemeClr val="bg1">
+                          <a:lumMod val="65000"/>
+                        </a:schemeClr>
+                      </a:solidFill>
+                      <a:prstDash val="solid"/>
+                      <a:round/>
+                      <a:headEnd type="none" w="med" len="med"/>
+                      <a:tailEnd type="none" w="med" len="med"/>
+                    </a:lnT>
+                    <a:lnB w="12700" cap="flat" cmpd="sng" algn="ctr">
+                      <a:solidFill>
+                        <a:schemeClr val="bg1">
+                          <a:lumMod val="65000"/>
+                        </a:schemeClr>
+                      </a:solidFill>
+                      <a:prstDash val="solid"/>
+                      <a:round/>
+                      <a:headEnd type="none" w="med" len="med"/>
+                      <a:tailEnd type="none" w="med" len="med"/>
+                    </a:lnB>
+                    <a:lnTlToBr w="12700" cmpd="sng">
+                      <a:noFill/>
+                      <a:prstDash val="solid"/>
+                    </a:lnTlToBr>
+                    <a:lnBlToTr w="12700" cmpd="sng">
+                      <a:noFill/>
+                      <a:prstDash val="solid"/>
+                    </a:lnBlToTr>
+                    <a:solidFill>
+                      <a:schemeClr val="bg1">
+                        <a:lumMod val="95000"/>
+                      </a:schemeClr>
+                    </a:solidFill>
+                  </a:tcPr>
+                </a:tc>
+                <a:tc>
+                  <a:txBody>
+                    <a:bodyPr/>
+                    <a:lstStyle/>
+                    <a:p>
+                      <a:pPr algn="l" latinLnBrk="1"/>
+                      <a:r>
+                        <a:rPr lang="ko-KR" altLang="en-US" sz="1200" b="1" dirty="0">
+                          <a:solidFill>
+                            <a:sysClr val="windowText" lastClr="000000"/>
+                          </a:solidFill>
+                        </a:rPr>
+                        <a:t>연락처 입력란</a:t>
+                      </a:r>
+                    </a:p>
+                  </a:txBody>
+                  <a:tcPr anchor="ctr">
+                    <a:lnL w="12700" cap="flat" cmpd="sng" algn="ctr">
+                      <a:solidFill>
+                        <a:schemeClr val="bg1">
+                          <a:lumMod val="65000"/>
+                        </a:schemeClr>
+                      </a:solidFill>
+                      <a:prstDash val="solid"/>
+                      <a:round/>
+                      <a:headEnd type="none" w="med" len="med"/>
+                      <a:tailEnd type="none" w="med" len="med"/>
+                    </a:lnL>
+                    <a:lnR w="12700" cap="flat" cmpd="sng" algn="ctr">
+                      <a:noFill/>
+                      <a:prstDash val="solid"/>
+                      <a:round/>
+                      <a:headEnd type="none" w="med" len="med"/>
+                      <a:tailEnd type="none" w="med" len="med"/>
+                    </a:lnR>
+                    <a:lnT w="12700" cap="flat" cmpd="sng" algn="ctr">
+                      <a:solidFill>
+                        <a:schemeClr val="bg1">
+                          <a:lumMod val="65000"/>
+                        </a:schemeClr>
+                      </a:solidFill>
+                      <a:prstDash val="solid"/>
+                      <a:round/>
+                      <a:headEnd type="none" w="med" len="med"/>
+                      <a:tailEnd type="none" w="med" len="med"/>
+                    </a:lnT>
+                    <a:lnB w="12700" cap="flat" cmpd="sng" algn="ctr">
+                      <a:solidFill>
+                        <a:schemeClr val="bg1">
+                          <a:lumMod val="65000"/>
+                        </a:schemeClr>
+                      </a:solidFill>
+                      <a:prstDash val="solid"/>
+                      <a:round/>
+                      <a:headEnd type="none" w="med" len="med"/>
+                      <a:tailEnd type="none" w="med" len="med"/>
+                    </a:lnB>
+                    <a:lnTlToBr w="12700" cmpd="sng">
+                      <a:noFill/>
+                      <a:prstDash val="solid"/>
+                    </a:lnTlToBr>
+                    <a:lnBlToTr w="12700" cmpd="sng">
+                      <a:noFill/>
+                      <a:prstDash val="solid"/>
+                    </a:lnBlToTr>
+                    <a:solidFill>
+                      <a:schemeClr val="bg1"/>
+                    </a:solidFill>
+                  </a:tcPr>
+                </a:tc>
+                <a:extLst>
+                  <a:ext uri="{0D108BD9-81ED-4DB2-BD59-A6C34878D82A}">
+                    <a16:rowId xmlns:a16="http://schemas.microsoft.com/office/drawing/2014/main" val="4032822142"/>
+                  </a:ext>
+                </a:extLst>
+              </a:tr>
+            </a:tbl>
+          </a:graphicData>
+        </a:graphic>
+      </p:graphicFrame>
+      <p:graphicFrame>
+        <p:nvGraphicFramePr>
+          <p:cNvPr id="10" name="표 9">
+            <a:extLst>
+              <a:ext uri="{FF2B5EF4-FFF2-40B4-BE49-F238E27FC236}">
+                <a16:creationId xmlns:a16="http://schemas.microsoft.com/office/drawing/2014/main" id="{1B5B6855-7018-2843-820F-0F3B22AAC97F}"/>
+              </a:ext>
+            </a:extLst>
+          </p:cNvPr>
+          <p:cNvGraphicFramePr>
+            <a:graphicFrameLocks noGrp="1"/>
+          </p:cNvGraphicFramePr>
+          <p:nvPr>
+            <p:extLst/>
+          </p:nvPr>
+        </p:nvGraphicFramePr>
+        <p:xfrm>
+          <a:off x="302845" y="1919492"/>
+          <a:ext cx="4536000" cy="1404000"/>
+        </p:xfrm>
+        <a:graphic>
+          <a:graphicData uri="http://schemas.openxmlformats.org/drawingml/2006/table">
+            <a:tbl>
+              <a:tblPr firstRow="1" bandRow="1">
+                <a:tableStyleId>{5C22544A-7EE6-4342-B048-85BDC9FD1C3A}</a:tableStyleId>
+              </a:tblPr>
+              <a:tblGrid>
+                <a:gridCol w="900000">
+                  <a:extLst>
+                    <a:ext uri="{9D8B030D-6E8A-4147-A177-3AD203B41FA5}">
+                      <a16:colId xmlns:a16="http://schemas.microsoft.com/office/drawing/2014/main" val="3286585976"/>
+                    </a:ext>
+                  </a:extLst>
+                </a:gridCol>
+                <a:gridCol w="3636000">
+                  <a:extLst>
+                    <a:ext uri="{9D8B030D-6E8A-4147-A177-3AD203B41FA5}">
+                      <a16:colId xmlns:a16="http://schemas.microsoft.com/office/drawing/2014/main" val="1935096649"/>
+                    </a:ext>
+                  </a:extLst>
+                </a:gridCol>
+              </a:tblGrid>
+              <a:tr h="468000">
+                <a:tc>
+                  <a:txBody>
+                    <a:bodyPr/>
+                    <a:lstStyle/>
+                    <a:p>
+                      <a:pPr algn="ctr" latinLnBrk="1"/>
+                      <a:r>
+                        <a:rPr lang="ko-KR" altLang="en-US" sz="1200" b="1" dirty="0">
+                          <a:solidFill>
+                            <a:sysClr val="windowText" lastClr="000000"/>
+                          </a:solidFill>
+                        </a:rPr>
+                        <a:t>부서</a:t>
+                      </a:r>
+                    </a:p>
+                  </a:txBody>
+                  <a:tcPr anchor="ctr">
+                    <a:lnL w="12700" cap="flat" cmpd="sng" algn="ctr">
+                      <a:noFill/>
+                      <a:prstDash val="solid"/>
+                      <a:round/>
+                      <a:headEnd type="none" w="med" len="med"/>
+                      <a:tailEnd type="none" w="med" len="med"/>
+                    </a:lnL>
+                    <a:lnR w="12700" cap="flat" cmpd="sng" algn="ctr">
+                      <a:solidFill>
+                        <a:schemeClr val="bg1">
+                          <a:lumMod val="65000"/>
+                        </a:schemeClr>
+                      </a:solidFill>
+                      <a:prstDash val="solid"/>
+                      <a:round/>
+                      <a:headEnd type="none" w="med" len="med"/>
+                      <a:tailEnd type="none" w="med" len="med"/>
+                    </a:lnR>
+                    <a:lnT w="12700" cap="flat" cmpd="sng" algn="ctr">
+                      <a:solidFill>
+                        <a:schemeClr val="bg1">
+                          <a:lumMod val="65000"/>
+                        </a:schemeClr>
+                      </a:solidFill>
+                      <a:prstDash val="solid"/>
+                      <a:round/>
+                      <a:headEnd type="none" w="med" len="med"/>
+                      <a:tailEnd type="none" w="med" len="med"/>
+                    </a:lnT>
+                    <a:lnB w="12700" cap="flat" cmpd="sng" algn="ctr">
+                      <a:solidFill>
+                        <a:schemeClr val="bg1">
+                          <a:lumMod val="65000"/>
+                        </a:schemeClr>
+                      </a:solidFill>
+                      <a:prstDash val="solid"/>
+                      <a:round/>
+                      <a:headEnd type="none" w="med" len="med"/>
+                      <a:tailEnd type="none" w="med" len="med"/>
+                    </a:lnB>
+                    <a:lnTlToBr w="12700" cmpd="sng">
+                      <a:noFill/>
+                      <a:prstDash val="solid"/>
+                    </a:lnTlToBr>
+                    <a:lnBlToTr w="12700" cmpd="sng">
+                      <a:noFill/>
+                      <a:prstDash val="solid"/>
+                    </a:lnBlToTr>
+                    <a:solidFill>
+                      <a:schemeClr val="bg1">
+                        <a:lumMod val="95000"/>
+                      </a:schemeClr>
+                    </a:solidFill>
+                  </a:tcPr>
+                </a:tc>
+                <a:tc>
+                  <a:txBody>
+                    <a:bodyPr/>
+                    <a:lstStyle/>
+                    <a:p>
+                      <a:pPr algn="l" latinLnBrk="1"/>
+                      <a:r>
+                        <a:rPr lang="ko-KR" altLang="en-US" sz="1200" b="1" dirty="0">
+                          <a:solidFill>
+                            <a:sysClr val="windowText" lastClr="000000"/>
+                          </a:solidFill>
+                        </a:rPr>
+                        <a:t>부서명 입력란</a:t>
+                      </a:r>
+                    </a:p>
+                  </a:txBody>
+                  <a:tcPr anchor="ctr">
+                    <a:lnL w="12700" cap="flat" cmpd="sng" algn="ctr">
+                      <a:solidFill>
+                        <a:schemeClr val="bg1">
+                          <a:lumMod val="65000"/>
+                        </a:schemeClr>
+                      </a:solidFill>
+                      <a:prstDash val="solid"/>
+                      <a:round/>
+                      <a:headEnd type="none" w="med" len="med"/>
+                      <a:tailEnd type="none" w="med" len="med"/>
+                    </a:lnL>
+                    <a:lnR w="12700" cap="flat" cmpd="sng" algn="ctr">
+                      <a:noFill/>
+                      <a:prstDash val="solid"/>
+                      <a:round/>
+                      <a:headEnd type="none" w="med" len="med"/>
+                      <a:tailEnd type="none" w="med" len="med"/>
+                    </a:lnR>
+                    <a:lnT w="12700" cap="flat" cmpd="sng" algn="ctr">
+                      <a:solidFill>
+                        <a:schemeClr val="bg1">
+                          <a:lumMod val="65000"/>
+                        </a:schemeClr>
+                      </a:solidFill>
+                      <a:prstDash val="solid"/>
+                      <a:round/>
+                      <a:headEnd type="none" w="med" len="med"/>
+                      <a:tailEnd type="none" w="med" len="med"/>
+                    </a:lnT>
+                    <a:lnB w="12700" cap="flat" cmpd="sng" algn="ctr">
+                      <a:solidFill>
+                        <a:schemeClr val="bg1">
+                          <a:lumMod val="65000"/>
+                        </a:schemeClr>
+                      </a:solidFill>
+                      <a:prstDash val="solid"/>
+                      <a:round/>
+                      <a:headEnd type="none" w="med" len="med"/>
+                      <a:tailEnd type="none" w="med" len="med"/>
+                    </a:lnB>
+                    <a:lnTlToBr w="12700" cmpd="sng">
+                      <a:noFill/>
+                      <a:prstDash val="solid"/>
+                    </a:lnTlToBr>
+                    <a:lnBlToTr w="12700" cmpd="sng">
+                      <a:noFill/>
+                      <a:prstDash val="solid"/>
+                    </a:lnBlToTr>
+                    <a:solidFill>
+                      <a:schemeClr val="bg1"/>
+                    </a:solidFill>
+                  </a:tcPr>
+                </a:tc>
+                <a:extLst>
+                  <a:ext uri="{0D108BD9-81ED-4DB2-BD59-A6C34878D82A}">
+                    <a16:rowId xmlns:a16="http://schemas.microsoft.com/office/drawing/2014/main" val="2102013272"/>
+                  </a:ext>
+                </a:extLst>
+              </a:tr>
+              <a:tr h="468000">
+                <a:tc>
+                  <a:txBody>
+                    <a:bodyPr/>
+                    <a:lstStyle/>
+                    <a:p>
+                      <a:pPr algn="ctr" latinLnBrk="1"/>
+                      <a:r>
+                        <a:rPr lang="ko-KR" altLang="en-US" sz="1200" b="1" dirty="0">
+                          <a:solidFill>
+                            <a:sysClr val="windowText" lastClr="000000"/>
+                          </a:solidFill>
+                        </a:rPr>
+                        <a:t>수신자</a:t>
+                      </a:r>
+                    </a:p>
+                  </a:txBody>
+                  <a:tcPr anchor="ctr">
+                    <a:lnL w="12700" cap="flat" cmpd="sng" algn="ctr">
+                      <a:noFill/>
+                      <a:prstDash val="solid"/>
+                      <a:round/>
+                      <a:headEnd type="none" w="med" len="med"/>
+                      <a:tailEnd type="none" w="med" len="med"/>
+                    </a:lnL>
+                    <a:lnR w="12700" cap="flat" cmpd="sng" algn="ctr">
+                      <a:solidFill>
+                        <a:schemeClr val="bg1">
+                          <a:lumMod val="65000"/>
+                        </a:schemeClr>
+                      </a:solidFill>
+                      <a:prstDash val="solid"/>
+                      <a:round/>
+                      <a:headEnd type="none" w="med" len="med"/>
+                      <a:tailEnd type="none" w="med" len="med"/>
+                    </a:lnR>
+                    <a:lnT w="12700" cap="flat" cmpd="sng" algn="ctr">
+                      <a:solidFill>
+                        <a:schemeClr val="bg1">
+                          <a:lumMod val="65000"/>
+                        </a:schemeClr>
+                      </a:solidFill>
+                      <a:prstDash val="solid"/>
+                      <a:round/>
+                      <a:headEnd type="none" w="med" len="med"/>
+                      <a:tailEnd type="none" w="med" len="med"/>
+                    </a:lnT>
+                    <a:lnB w="12700" cap="flat" cmpd="sng" algn="ctr">
+                      <a:solidFill>
+                        <a:schemeClr val="bg1">
+                          <a:lumMod val="65000"/>
+                        </a:schemeClr>
+                      </a:solidFill>
+                      <a:prstDash val="solid"/>
+                      <a:round/>
+                      <a:headEnd type="none" w="med" len="med"/>
+                      <a:tailEnd type="none" w="med" len="med"/>
+                    </a:lnB>
+                    <a:lnTlToBr w="12700" cmpd="sng">
+                      <a:noFill/>
+                      <a:prstDash val="solid"/>
+                    </a:lnTlToBr>
+                    <a:lnBlToTr w="12700" cmpd="sng">
+                      <a:noFill/>
+                      <a:prstDash val="solid"/>
+                    </a:lnBlToTr>
+                    <a:solidFill>
+                      <a:schemeClr val="bg1">
+                        <a:lumMod val="95000"/>
+                      </a:schemeClr>
+                    </a:solidFill>
+                  </a:tcPr>
+                </a:tc>
+                <a:tc>
+                  <a:txBody>
+                    <a:bodyPr/>
+                    <a:lstStyle/>
+                    <a:p>
+                      <a:pPr algn="l" latinLnBrk="1"/>
+                      <a:r>
+                        <a:rPr lang="ko-KR" altLang="en-US" sz="1200" b="1" dirty="0">
+                          <a:solidFill>
+                            <a:sysClr val="windowText" lastClr="000000"/>
+                          </a:solidFill>
+                        </a:rPr>
+                        <a:t>수신자 입력란</a:t>
+                      </a:r>
+                    </a:p>
+                  </a:txBody>
+                  <a:tcPr anchor="ctr">
+                    <a:lnL w="12700" cap="flat" cmpd="sng" algn="ctr">
+                      <a:solidFill>
+                        <a:schemeClr val="bg1">
+                          <a:lumMod val="65000"/>
+                        </a:schemeClr>
+                      </a:solidFill>
+                      <a:prstDash val="solid"/>
+                      <a:round/>
+                      <a:headEnd type="none" w="med" len="med"/>
+                      <a:tailEnd type="none" w="med" len="med"/>
+                    </a:lnL>
+                    <a:lnR w="12700" cap="flat" cmpd="sng" algn="ctr">
+                      <a:noFill/>
+                      <a:prstDash val="solid"/>
+                      <a:round/>
+                      <a:headEnd type="none" w="med" len="med"/>
+                      <a:tailEnd type="none" w="med" len="med"/>
+                    </a:lnR>
+                    <a:lnT w="12700" cap="flat" cmpd="sng" algn="ctr">
+                      <a:solidFill>
+                        <a:schemeClr val="bg1">
+                          <a:lumMod val="65000"/>
+                        </a:schemeClr>
+                      </a:solidFill>
+                      <a:prstDash val="solid"/>
+                      <a:round/>
+                      <a:headEnd type="none" w="med" len="med"/>
+                      <a:tailEnd type="none" w="med" len="med"/>
+                    </a:lnT>
+                    <a:lnB w="12700" cap="flat" cmpd="sng" algn="ctr">
+                      <a:solidFill>
+                        <a:schemeClr val="bg1">
+                          <a:lumMod val="65000"/>
+                        </a:schemeClr>
+                      </a:solidFill>
+                      <a:prstDash val="solid"/>
+                      <a:round/>
+                      <a:headEnd type="none" w="med" len="med"/>
+                      <a:tailEnd type="none" w="med" len="med"/>
+                    </a:lnB>
+                    <a:lnTlToBr w="12700" cmpd="sng">
+                      <a:noFill/>
+                      <a:prstDash val="solid"/>
+                    </a:lnTlToBr>
+                    <a:lnBlToTr w="12700" cmpd="sng">
+                      <a:noFill/>
+                      <a:prstDash val="solid"/>
+                    </a:lnBlToTr>
+                    <a:solidFill>
+                      <a:schemeClr val="bg1"/>
+                    </a:solidFill>
+                  </a:tcPr>
+                </a:tc>
+                <a:extLst>
+                  <a:ext uri="{0D108BD9-81ED-4DB2-BD59-A6C34878D82A}">
+                    <a16:rowId xmlns:a16="http://schemas.microsoft.com/office/drawing/2014/main" val="2262134838"/>
+                  </a:ext>
+                </a:extLst>
+              </a:tr>
+              <a:tr h="468000">
+                <a:tc>
+                  <a:txBody>
+                    <a:bodyPr/>
+                    <a:lstStyle/>
+                    <a:p>
+                      <a:pPr algn="ctr" latinLnBrk="1"/>
+                      <a:r>
+                        <a:rPr lang="ko-KR" altLang="en-US" sz="1200" b="1" dirty="0">
+                          <a:solidFill>
+                            <a:sysClr val="windowText" lastClr="000000"/>
+                          </a:solidFill>
+                        </a:rPr>
+                        <a:t>연락처</a:t>
+                      </a:r>
+                    </a:p>
+                  </a:txBody>
+                  <a:tcPr anchor="ctr">
+                    <a:lnL w="12700" cap="flat" cmpd="sng" algn="ctr">
+                      <a:noFill/>
+                      <a:prstDash val="solid"/>
+                      <a:round/>
+                      <a:headEnd type="none" w="med" len="med"/>
+                      <a:tailEnd type="none" w="med" len="med"/>
+                    </a:lnL>
+                    <a:lnR w="12700" cap="flat" cmpd="sng" algn="ctr">
+                      <a:solidFill>
+                        <a:schemeClr val="bg1">
+                          <a:lumMod val="65000"/>
+                        </a:schemeClr>
+                      </a:solidFill>
+                      <a:prstDash val="solid"/>
+                      <a:round/>
+                      <a:headEnd type="none" w="med" len="med"/>
+                      <a:tailEnd type="none" w="med" len="med"/>
+                    </a:lnR>
+                    <a:lnT w="12700" cap="flat" cmpd="sng" algn="ctr">
+                      <a:solidFill>
+                        <a:schemeClr val="bg1">
+                          <a:lumMod val="65000"/>
+                        </a:schemeClr>
+                      </a:solidFill>
+                      <a:prstDash val="solid"/>
+                      <a:round/>
+                      <a:headEnd type="none" w="med" len="med"/>
+                      <a:tailEnd type="none" w="med" len="med"/>
+                    </a:lnT>
+                    <a:lnB w="12700" cap="flat" cmpd="sng" algn="ctr">
+                      <a:solidFill>
+                        <a:schemeClr val="bg1">
+                          <a:lumMod val="65000"/>
+                        </a:schemeClr>
+                      </a:solidFill>
+                      <a:prstDash val="solid"/>
+                      <a:round/>
+                      <a:headEnd type="none" w="med" len="med"/>
+                      <a:tailEnd type="none" w="med" len="med"/>
+                    </a:lnB>
+                    <a:lnTlToBr w="12700" cmpd="sng">
+                      <a:noFill/>
+                      <a:prstDash val="solid"/>
+                    </a:lnTlToBr>
+                    <a:lnBlToTr w="12700" cmpd="sng">
+                      <a:noFill/>
+                      <a:prstDash val="solid"/>
+                    </a:lnBlToTr>
+                    <a:solidFill>
+                      <a:schemeClr val="bg1">
+                        <a:lumMod val="95000"/>
+                      </a:schemeClr>
+                    </a:solidFill>
+                  </a:tcPr>
+                </a:tc>
+                <a:tc>
+                  <a:txBody>
+                    <a:bodyPr/>
+                    <a:lstStyle/>
+                    <a:p>
+                      <a:pPr algn="l" latinLnBrk="1"/>
+                      <a:r>
+                        <a:rPr lang="ko-KR" altLang="en-US" sz="1200" b="1" dirty="0">
+                          <a:solidFill>
+                            <a:sysClr val="windowText" lastClr="000000"/>
+                          </a:solidFill>
+                        </a:rPr>
+                        <a:t>연락처 입력란</a:t>
+                      </a:r>
+                    </a:p>
+                  </a:txBody>
+                  <a:tcPr anchor="ctr">
+                    <a:lnL w="12700" cap="flat" cmpd="sng" algn="ctr">
+                      <a:solidFill>
+                        <a:schemeClr val="bg1">
+                          <a:lumMod val="65000"/>
+                        </a:schemeClr>
+                      </a:solidFill>
+                      <a:prstDash val="solid"/>
+                      <a:round/>
+                      <a:headEnd type="none" w="med" len="med"/>
+                      <a:tailEnd type="none" w="med" len="med"/>
+                    </a:lnL>
+                    <a:lnR w="12700" cap="flat" cmpd="sng" algn="ctr">
+                      <a:noFill/>
+                      <a:prstDash val="solid"/>
+                      <a:round/>
+                      <a:headEnd type="none" w="med" len="med"/>
+                      <a:tailEnd type="none" w="med" len="med"/>
+                    </a:lnR>
+                    <a:lnT w="12700" cap="flat" cmpd="sng" algn="ctr">
+                      <a:solidFill>
+                        <a:schemeClr val="bg1">
+                          <a:lumMod val="65000"/>
+                        </a:schemeClr>
+                      </a:solidFill>
+                      <a:prstDash val="solid"/>
+                      <a:round/>
+                      <a:headEnd type="none" w="med" len="med"/>
+                      <a:tailEnd type="none" w="med" len="med"/>
+                    </a:lnT>
+                    <a:lnB w="12700" cap="flat" cmpd="sng" algn="ctr">
+                      <a:solidFill>
+                        <a:schemeClr val="bg1">
+                          <a:lumMod val="65000"/>
+                        </a:schemeClr>
+                      </a:solidFill>
+                      <a:prstDash val="solid"/>
+                      <a:round/>
+                      <a:headEnd type="none" w="med" len="med"/>
+                      <a:tailEnd type="none" w="med" len="med"/>
+                    </a:lnB>
+                    <a:lnTlToBr w="12700" cmpd="sng">
+                      <a:noFill/>
+                      <a:prstDash val="solid"/>
+                    </a:lnTlToBr>
+                    <a:lnBlToTr w="12700" cmpd="sng">
+                      <a:noFill/>
+                      <a:prstDash val="solid"/>
+                    </a:lnBlToTr>
+                    <a:solidFill>
+                      <a:schemeClr val="bg1"/>
+                    </a:solidFill>
+                  </a:tcPr>
+                </a:tc>
+                <a:extLst>
+                  <a:ext uri="{0D108BD9-81ED-4DB2-BD59-A6C34878D82A}">
+                    <a16:rowId xmlns:a16="http://schemas.microsoft.com/office/drawing/2014/main" val="4032822142"/>
+                  </a:ext>
+                </a:extLst>
+              </a:tr>
+            </a:tbl>
+          </a:graphicData>
+        </a:graphic>
+      </p:graphicFrame>
+      <p:graphicFrame>
+        <p:nvGraphicFramePr>
+          <p:cNvPr id="11" name="표 10">
+            <a:extLst>
+              <a:ext uri="{FF2B5EF4-FFF2-40B4-BE49-F238E27FC236}">
+                <a16:creationId xmlns:a16="http://schemas.microsoft.com/office/drawing/2014/main" id="{4EC0CD1A-E96A-484F-BB19-398480EB03D8}"/>
+              </a:ext>
+            </a:extLst>
+          </p:cNvPr>
+          <p:cNvGraphicFramePr>
+            <a:graphicFrameLocks noGrp="1"/>
+          </p:cNvGraphicFramePr>
+          <p:nvPr>
+            <p:extLst/>
+          </p:nvPr>
+        </p:nvGraphicFramePr>
+        <p:xfrm>
+          <a:off x="5058507" y="1919492"/>
+          <a:ext cx="4536000" cy="1404000"/>
+        </p:xfrm>
+        <a:graphic>
+          <a:graphicData uri="http://schemas.openxmlformats.org/drawingml/2006/table">
+            <a:tbl>
+              <a:tblPr firstRow="1" bandRow="1">
+                <a:tableStyleId>{5C22544A-7EE6-4342-B048-85BDC9FD1C3A}</a:tableStyleId>
+              </a:tblPr>
+              <a:tblGrid>
+                <a:gridCol w="900000">
+                  <a:extLst>
+                    <a:ext uri="{9D8B030D-6E8A-4147-A177-3AD203B41FA5}">
+                      <a16:colId xmlns:a16="http://schemas.microsoft.com/office/drawing/2014/main" val="3286585976"/>
+                    </a:ext>
+                  </a:extLst>
+                </a:gridCol>
+                <a:gridCol w="3636000">
+                  <a:extLst>
+                    <a:ext uri="{9D8B030D-6E8A-4147-A177-3AD203B41FA5}">
+                      <a16:colId xmlns:a16="http://schemas.microsoft.com/office/drawing/2014/main" val="1935096649"/>
+                    </a:ext>
+                  </a:extLst>
+                </a:gridCol>
+              </a:tblGrid>
+              <a:tr h="468000">
+                <a:tc>
+                  <a:txBody>
+                    <a:bodyPr/>
+                    <a:lstStyle/>
+                    <a:p>
+                      <a:pPr algn="ctr" latinLnBrk="1"/>
+                      <a:r>
+                        <a:rPr lang="ko-KR" altLang="en-US" sz="1200" b="1" dirty="0">
+                          <a:solidFill>
+                            <a:sysClr val="windowText" lastClr="000000"/>
+                          </a:solidFill>
+                        </a:rPr>
+                        <a:t>부서</a:t>
+                      </a:r>
+                    </a:p>
+                  </a:txBody>
+                  <a:tcPr anchor="ctr">
+                    <a:lnL w="12700" cap="flat" cmpd="sng" algn="ctr">
+                      <a:noFill/>
+                      <a:prstDash val="solid"/>
+                      <a:round/>
+                      <a:headEnd type="none" w="med" len="med"/>
+                      <a:tailEnd type="none" w="med" len="med"/>
+                    </a:lnL>
+                    <a:lnR w="12700" cap="flat" cmpd="sng" algn="ctr">
+                      <a:solidFill>
+                        <a:schemeClr val="bg1">
+                          <a:lumMod val="65000"/>
+                        </a:schemeClr>
+                      </a:solidFill>
+                      <a:prstDash val="solid"/>
+                      <a:round/>
+                      <a:headEnd type="none" w="med" len="med"/>
+                      <a:tailEnd type="none" w="med" len="med"/>
+                    </a:lnR>
+                    <a:lnT w="12700" cap="flat" cmpd="sng" algn="ctr">
+                      <a:solidFill>
+                        <a:schemeClr val="bg1">
+                          <a:lumMod val="65000"/>
+                        </a:schemeClr>
+                      </a:solidFill>
+                      <a:prstDash val="solid"/>
+                      <a:round/>
+                      <a:headEnd type="none" w="med" len="med"/>
+                      <a:tailEnd type="none" w="med" len="med"/>
+                    </a:lnT>
+                    <a:lnB w="12700" cap="flat" cmpd="sng" algn="ctr">
+                      <a:solidFill>
+                        <a:schemeClr val="bg1">
+                          <a:lumMod val="65000"/>
+                        </a:schemeClr>
+                      </a:solidFill>
+                      <a:prstDash val="solid"/>
+                      <a:round/>
+                      <a:headEnd type="none" w="med" len="med"/>
+                      <a:tailEnd type="none" w="med" len="med"/>
+                    </a:lnB>
+                    <a:lnTlToBr w="12700" cmpd="sng">
+                      <a:noFill/>
+                      <a:prstDash val="solid"/>
+                    </a:lnTlToBr>
+                    <a:lnBlToTr w="12700" cmpd="sng">
+                      <a:noFill/>
+                      <a:prstDash val="solid"/>
+                    </a:lnBlToTr>
+                    <a:solidFill>
+                      <a:schemeClr val="bg1">
+                        <a:lumMod val="95000"/>
+                      </a:schemeClr>
+                    </a:solidFill>
+                  </a:tcPr>
+                </a:tc>
+                <a:tc>
+                  <a:txBody>
+                    <a:bodyPr/>
+                    <a:lstStyle/>
+                    <a:p>
+                      <a:pPr algn="l" latinLnBrk="1"/>
+                      <a:r>
+                        <a:rPr lang="ko-KR" altLang="en-US" sz="1200" b="1" dirty="0">
+                          <a:solidFill>
+                            <a:sysClr val="windowText" lastClr="000000"/>
+                          </a:solidFill>
+                        </a:rPr>
+                        <a:t>부서명 입력란</a:t>
+                      </a:r>
+                    </a:p>
+                  </a:txBody>
+                  <a:tcPr anchor="ctr">
+                    <a:lnL w="12700" cap="flat" cmpd="sng" algn="ctr">
+                      <a:solidFill>
+                        <a:schemeClr val="bg1">
+                          <a:lumMod val="65000"/>
+                        </a:schemeClr>
+                      </a:solidFill>
+                      <a:prstDash val="solid"/>
+                      <a:round/>
+                      <a:headEnd type="none" w="med" len="med"/>
+                      <a:tailEnd type="none" w="med" len="med"/>
+                    </a:lnL>
+                    <a:lnR w="12700" cap="flat" cmpd="sng" algn="ctr">
+                      <a:noFill/>
+                      <a:prstDash val="solid"/>
+                      <a:round/>
+                      <a:headEnd type="none" w="med" len="med"/>
+                      <a:tailEnd type="none" w="med" len="med"/>
+                    </a:lnR>
+                    <a:lnT w="12700" cap="flat" cmpd="sng" algn="ctr">
+                      <a:solidFill>
+                        <a:schemeClr val="bg1">
+                          <a:lumMod val="65000"/>
+                        </a:schemeClr>
+                      </a:solidFill>
+                      <a:prstDash val="solid"/>
+                      <a:round/>
+                      <a:headEnd type="none" w="med" len="med"/>
+                      <a:tailEnd type="none" w="med" len="med"/>
+                    </a:lnT>
+                    <a:lnB w="12700" cap="flat" cmpd="sng" algn="ctr">
+                      <a:solidFill>
+                        <a:schemeClr val="bg1">
+                          <a:lumMod val="65000"/>
+                        </a:schemeClr>
+                      </a:solidFill>
+                      <a:prstDash val="solid"/>
+                      <a:round/>
+                      <a:headEnd type="none" w="med" len="med"/>
+                      <a:tailEnd type="none" w="med" len="med"/>
+                    </a:lnB>
+                    <a:lnTlToBr w="12700" cmpd="sng">
+                      <a:noFill/>
+                      <a:prstDash val="solid"/>
+                    </a:lnTlToBr>
+                    <a:lnBlToTr w="12700" cmpd="sng">
+                      <a:noFill/>
+                      <a:prstDash val="solid"/>
+                    </a:lnBlToTr>
+                    <a:solidFill>
+                      <a:schemeClr val="bg1"/>
+                    </a:solidFill>
+                  </a:tcPr>
+                </a:tc>
+                <a:extLst>
+                  <a:ext uri="{0D108BD9-81ED-4DB2-BD59-A6C34878D82A}">
+                    <a16:rowId xmlns:a16="http://schemas.microsoft.com/office/drawing/2014/main" val="2102013272"/>
+                  </a:ext>
+                </a:extLst>
+              </a:tr>
+              <a:tr h="468000">
+                <a:tc>
+                  <a:txBody>
+                    <a:bodyPr/>
+                    <a:lstStyle/>
+                    <a:p>
+                      <a:pPr algn="ctr" latinLnBrk="1"/>
+                      <a:r>
+                        <a:rPr lang="ko-KR" altLang="en-US" sz="1200" b="1" dirty="0">
+                          <a:solidFill>
+                            <a:sysClr val="windowText" lastClr="000000"/>
+                          </a:solidFill>
+                        </a:rPr>
+                        <a:t>수신자</a:t>
+                      </a:r>
+                    </a:p>
+                  </a:txBody>
+                  <a:tcPr anchor="ctr">
+                    <a:lnL w="12700" cap="flat" cmpd="sng" algn="ctr">
+                      <a:noFill/>
+                      <a:prstDash val="solid"/>
+                      <a:round/>
+                      <a:headEnd type="none" w="med" len="med"/>
+                      <a:tailEnd type="none" w="med" len="med"/>
+                    </a:lnL>
+                    <a:lnR w="12700" cap="flat" cmpd="sng" algn="ctr">
+                      <a:solidFill>
+                        <a:schemeClr val="bg1">
+                          <a:lumMod val="65000"/>
+                        </a:schemeClr>
+                      </a:solidFill>
+                      <a:prstDash val="solid"/>
+                      <a:round/>
+                      <a:headEnd type="none" w="med" len="med"/>
+                      <a:tailEnd type="none" w="med" len="med"/>
+                    </a:lnR>
+                    <a:lnT w="12700" cap="flat" cmpd="sng" algn="ctr">
+                      <a:solidFill>
+                        <a:schemeClr val="bg1">
+                          <a:lumMod val="65000"/>
+                        </a:schemeClr>
+                      </a:solidFill>
+                      <a:prstDash val="solid"/>
+                      <a:round/>
+                      <a:headEnd type="none" w="med" len="med"/>
+                      <a:tailEnd type="none" w="med" len="med"/>
+                    </a:lnT>
+                    <a:lnB w="12700" cap="flat" cmpd="sng" algn="ctr">
+                      <a:solidFill>
+                        <a:schemeClr val="bg1">
+                          <a:lumMod val="65000"/>
+                        </a:schemeClr>
+                      </a:solidFill>
+                      <a:prstDash val="solid"/>
+                      <a:round/>
+                      <a:headEnd type="none" w="med" len="med"/>
+                      <a:tailEnd type="none" w="med" len="med"/>
+                    </a:lnB>
+                    <a:lnTlToBr w="12700" cmpd="sng">
+                      <a:noFill/>
+                      <a:prstDash val="solid"/>
+                    </a:lnTlToBr>
+                    <a:lnBlToTr w="12700" cmpd="sng">
+                      <a:noFill/>
+                      <a:prstDash val="solid"/>
+                    </a:lnBlToTr>
+                    <a:solidFill>
+                      <a:schemeClr val="bg1">
+                        <a:lumMod val="95000"/>
+                      </a:schemeClr>
+                    </a:solidFill>
+                  </a:tcPr>
+                </a:tc>
+                <a:tc>
+                  <a:txBody>
+                    <a:bodyPr/>
+                    <a:lstStyle/>
+                    <a:p>
+                      <a:pPr algn="l" latinLnBrk="1"/>
+                      <a:r>
+                        <a:rPr lang="ko-KR" altLang="en-US" sz="1200" b="1" dirty="0">
+                          <a:solidFill>
+                            <a:sysClr val="windowText" lastClr="000000"/>
+                          </a:solidFill>
+                        </a:rPr>
+                        <a:t>수신자 입력란</a:t>
+                      </a:r>
+                    </a:p>
+                  </a:txBody>
+                  <a:tcPr anchor="ctr">
+                    <a:lnL w="12700" cap="flat" cmpd="sng" algn="ctr">
+                      <a:solidFill>
+                        <a:schemeClr val="bg1">
+                          <a:lumMod val="65000"/>
+                        </a:schemeClr>
+                      </a:solidFill>
+                      <a:prstDash val="solid"/>
+                      <a:round/>
+                      <a:headEnd type="none" w="med" len="med"/>
+                      <a:tailEnd type="none" w="med" len="med"/>
+                    </a:lnL>
+                    <a:lnR w="12700" cap="flat" cmpd="sng" algn="ctr">
+                      <a:noFill/>
+                      <a:prstDash val="solid"/>
+                      <a:round/>
+                      <a:headEnd type="none" w="med" len="med"/>
+                      <a:tailEnd type="none" w="med" len="med"/>
+                    </a:lnR>
+                    <a:lnT w="12700" cap="flat" cmpd="sng" algn="ctr">
+                      <a:solidFill>
+                        <a:schemeClr val="bg1">
+                          <a:lumMod val="65000"/>
+                        </a:schemeClr>
+                      </a:solidFill>
+                      <a:prstDash val="solid"/>
+                      <a:round/>
+                      <a:headEnd type="none" w="med" len="med"/>
+                      <a:tailEnd type="none" w="med" len="med"/>
+                    </a:lnT>
+                    <a:lnB w="12700" cap="flat" cmpd="sng" algn="ctr">
+                      <a:solidFill>
+                        <a:schemeClr val="bg1">
+                          <a:lumMod val="65000"/>
+                        </a:schemeClr>
+                      </a:solidFill>
+                      <a:prstDash val="solid"/>
+                      <a:round/>
+                      <a:headEnd type="none" w="med" len="med"/>
+                      <a:tailEnd type="none" w="med" len="med"/>
+                    </a:lnB>
+                    <a:lnTlToBr w="12700" cmpd="sng">
+                      <a:noFill/>
+                      <a:prstDash val="solid"/>
+                    </a:lnTlToBr>
+                    <a:lnBlToTr w="12700" cmpd="sng">
+                      <a:noFill/>
+                      <a:prstDash val="solid"/>
+                    </a:lnBlToTr>
+                    <a:solidFill>
+                      <a:schemeClr val="bg1"/>
+                    </a:solidFill>
+                  </a:tcPr>
+                </a:tc>
+                <a:extLst>
+                  <a:ext uri="{0D108BD9-81ED-4DB2-BD59-A6C34878D82A}">
+                    <a16:rowId xmlns:a16="http://schemas.microsoft.com/office/drawing/2014/main" val="2262134838"/>
+                  </a:ext>
+                </a:extLst>
+              </a:tr>
+              <a:tr h="468000">
+                <a:tc>
+                  <a:txBody>
+                    <a:bodyPr/>
+                    <a:lstStyle/>
+                    <a:p>
+                      <a:pPr algn="ctr" latinLnBrk="1"/>
+                      <a:r>
+                        <a:rPr lang="ko-KR" altLang="en-US" sz="1200" b="1" dirty="0">
+                          <a:solidFill>
+                            <a:sysClr val="windowText" lastClr="000000"/>
+                          </a:solidFill>
+                        </a:rPr>
+                        <a:t>연락처</a:t>
+                      </a:r>
+                    </a:p>
+                  </a:txBody>
+                  <a:tcPr anchor="ctr">
+                    <a:lnL w="12700" cap="flat" cmpd="sng" algn="ctr">
+                      <a:noFill/>
+                      <a:prstDash val="solid"/>
+                      <a:round/>
+                      <a:headEnd type="none" w="med" len="med"/>
+                      <a:tailEnd type="none" w="med" len="med"/>
+                    </a:lnL>
+                    <a:lnR w="12700" cap="flat" cmpd="sng" algn="ctr">
+                      <a:solidFill>
+                        <a:schemeClr val="bg1">
+                          <a:lumMod val="65000"/>
+                        </a:schemeClr>
+                      </a:solidFill>
+                      <a:prstDash val="solid"/>
+                      <a:round/>
+                      <a:headEnd type="none" w="med" len="med"/>
+                      <a:tailEnd type="none" w="med" len="med"/>
+                    </a:lnR>
+                    <a:lnT w="12700" cap="flat" cmpd="sng" algn="ctr">
+                      <a:solidFill>
+                        <a:schemeClr val="bg1">
+                          <a:lumMod val="65000"/>
+                        </a:schemeClr>
+                      </a:solidFill>
+                      <a:prstDash val="solid"/>
+                      <a:round/>
+                      <a:headEnd type="none" w="med" len="med"/>
+                      <a:tailEnd type="none" w="med" len="med"/>
+                    </a:lnT>
+                    <a:lnB w="12700" cap="flat" cmpd="sng" algn="ctr">
+                      <a:solidFill>
+                        <a:schemeClr val="bg1">
+                          <a:lumMod val="65000"/>
+                        </a:schemeClr>
+                      </a:solidFill>
+                      <a:prstDash val="solid"/>
+                      <a:round/>
+                      <a:headEnd type="none" w="med" len="med"/>
+                      <a:tailEnd type="none" w="med" len="med"/>
+                    </a:lnB>
+                    <a:lnTlToBr w="12700" cmpd="sng">
+                      <a:noFill/>
+                      <a:prstDash val="solid"/>
+                    </a:lnTlToBr>
+                    <a:lnBlToTr w="12700" cmpd="sng">
+                      <a:noFill/>
+                      <a:prstDash val="solid"/>
+                    </a:lnBlToTr>
+                    <a:solidFill>
+                      <a:schemeClr val="bg1">
+                        <a:lumMod val="95000"/>
+                      </a:schemeClr>
+                    </a:solidFill>
+                  </a:tcPr>
+                </a:tc>
+                <a:tc>
+                  <a:txBody>
+                    <a:bodyPr/>
+                    <a:lstStyle/>
+                    <a:p>
+                      <a:pPr algn="l" latinLnBrk="1"/>
+                      <a:r>
+                        <a:rPr lang="ko-KR" altLang="en-US" sz="1200" b="1" dirty="0">
+                          <a:solidFill>
+                            <a:sysClr val="windowText" lastClr="000000"/>
+                          </a:solidFill>
+                        </a:rPr>
+                        <a:t>연락처 입력란</a:t>
+                      </a:r>
+                    </a:p>
+                  </a:txBody>
+                  <a:tcPr anchor="ctr">
+                    <a:lnL w="12700" cap="flat" cmpd="sng" algn="ctr">
+                      <a:solidFill>
+                        <a:schemeClr val="bg1">
+                          <a:lumMod val="65000"/>
+                        </a:schemeClr>
+                      </a:solidFill>
+                      <a:prstDash val="solid"/>
+                      <a:round/>
+                      <a:headEnd type="none" w="med" len="med"/>
+                      <a:tailEnd type="none" w="med" len="med"/>
+                    </a:lnL>
+                    <a:lnR w="12700" cap="flat" cmpd="sng" algn="ctr">
+                      <a:noFill/>
+                      <a:prstDash val="solid"/>
+                      <a:round/>
+                      <a:headEnd type="none" w="med" len="med"/>
+                      <a:tailEnd type="none" w="med" len="med"/>
+                    </a:lnR>
+                    <a:lnT w="12700" cap="flat" cmpd="sng" algn="ctr">
+                      <a:solidFill>
+                        <a:schemeClr val="bg1">
+                          <a:lumMod val="65000"/>
+                        </a:schemeClr>
+                      </a:solidFill>
+                      <a:prstDash val="solid"/>
+                      <a:round/>
+                      <a:headEnd type="none" w="med" len="med"/>
+                      <a:tailEnd type="none" w="med" len="med"/>
+                    </a:lnT>
+                    <a:lnB w="12700" cap="flat" cmpd="sng" algn="ctr">
+                      <a:solidFill>
+                        <a:schemeClr val="bg1">
+                          <a:lumMod val="65000"/>
+                        </a:schemeClr>
+                      </a:solidFill>
+                      <a:prstDash val="solid"/>
+                      <a:round/>
+                      <a:headEnd type="none" w="med" len="med"/>
+                      <a:tailEnd type="none" w="med" len="med"/>
+                    </a:lnB>
+                    <a:lnTlToBr w="12700" cmpd="sng">
+                      <a:noFill/>
+                      <a:prstDash val="solid"/>
+                    </a:lnTlToBr>
+                    <a:lnBlToTr w="12700" cmpd="sng">
+                      <a:noFill/>
+                      <a:prstDash val="solid"/>
+                    </a:lnBlToTr>
+                    <a:solidFill>
+                      <a:schemeClr val="bg1"/>
+                    </a:solidFill>
+                  </a:tcPr>
+                </a:tc>
+                <a:extLst>
+                  <a:ext uri="{0D108BD9-81ED-4DB2-BD59-A6C34878D82A}">
+                    <a16:rowId xmlns:a16="http://schemas.microsoft.com/office/drawing/2014/main" val="4032822142"/>
+                  </a:ext>
+                </a:extLst>
+              </a:tr>
+            </a:tbl>
+          </a:graphicData>
+        </a:graphic>
+      </p:graphicFrame>
+      <p:graphicFrame>
+        <p:nvGraphicFramePr>
+          <p:cNvPr id="12" name="표 11">
+            <a:extLst>
+              <a:ext uri="{FF2B5EF4-FFF2-40B4-BE49-F238E27FC236}">
+                <a16:creationId xmlns:a16="http://schemas.microsoft.com/office/drawing/2014/main" id="{939A912C-DFE7-6645-9D06-03E6158709F1}"/>
+              </a:ext>
+            </a:extLst>
+          </p:cNvPr>
+          <p:cNvGraphicFramePr>
+            <a:graphicFrameLocks noGrp="1"/>
+          </p:cNvGraphicFramePr>
+          <p:nvPr>
+            <p:extLst/>
+          </p:nvPr>
+        </p:nvGraphicFramePr>
+        <p:xfrm>
+          <a:off x="302845" y="3534509"/>
+          <a:ext cx="4536000" cy="1404000"/>
+        </p:xfrm>
+        <a:graphic>
+          <a:graphicData uri="http://schemas.openxmlformats.org/drawingml/2006/table">
+            <a:tbl>
+              <a:tblPr firstRow="1" bandRow="1">
+                <a:tableStyleId>{5C22544A-7EE6-4342-B048-85BDC9FD1C3A}</a:tableStyleId>
+              </a:tblPr>
+              <a:tblGrid>
+                <a:gridCol w="900000">
+                  <a:extLst>
+                    <a:ext uri="{9D8B030D-6E8A-4147-A177-3AD203B41FA5}">
+                      <a16:colId xmlns:a16="http://schemas.microsoft.com/office/drawing/2014/main" val="3286585976"/>
+                    </a:ext>
+                  </a:extLst>
+                </a:gridCol>
+                <a:gridCol w="3636000">
+                  <a:extLst>
+                    <a:ext uri="{9D8B030D-6E8A-4147-A177-3AD203B41FA5}">
+                      <a16:colId xmlns:a16="http://schemas.microsoft.com/office/drawing/2014/main" val="1935096649"/>
+                    </a:ext>
+                  </a:extLst>
+                </a:gridCol>
+              </a:tblGrid>
+              <a:tr h="468000">
+                <a:tc>
+                  <a:txBody>
+                    <a:bodyPr/>
+                    <a:lstStyle/>
+                    <a:p>
+                      <a:pPr algn="ctr" latinLnBrk="1"/>
+                      <a:r>
+                        <a:rPr lang="ko-KR" altLang="en-US" sz="1200" b="1" dirty="0">
+                          <a:solidFill>
+                            <a:sysClr val="windowText" lastClr="000000"/>
+                          </a:solidFill>
+                        </a:rPr>
+                        <a:t>부서</a:t>
+                      </a:r>
+                    </a:p>
+                  </a:txBody>
+                  <a:tcPr anchor="ctr">
+                    <a:lnL w="12700" cap="flat" cmpd="sng" algn="ctr">
+                      <a:noFill/>
+                      <a:prstDash val="solid"/>
+                      <a:round/>
+                      <a:headEnd type="none" w="med" len="med"/>
+                      <a:tailEnd type="none" w="med" len="med"/>
+                    </a:lnL>
+                    <a:lnR w="12700" cap="flat" cmpd="sng" algn="ctr">
+                      <a:solidFill>
+                        <a:schemeClr val="bg1">
+                          <a:lumMod val="65000"/>
+                        </a:schemeClr>
+                      </a:solidFill>
+                      <a:prstDash val="solid"/>
+                      <a:round/>
+                      <a:headEnd type="none" w="med" len="med"/>
+                      <a:tailEnd type="none" w="med" len="med"/>
+                    </a:lnR>
+                    <a:lnT w="12700" cap="flat" cmpd="sng" algn="ctr">
+                      <a:solidFill>
+                        <a:schemeClr val="bg1">
+                          <a:lumMod val="65000"/>
+                        </a:schemeClr>
+                      </a:solidFill>
+                      <a:prstDash val="solid"/>
+                      <a:round/>
+                      <a:headEnd type="none" w="med" len="med"/>
+                      <a:tailEnd type="none" w="med" len="med"/>
+                    </a:lnT>
+                    <a:lnB w="12700" cap="flat" cmpd="sng" algn="ctr">
+                      <a:solidFill>
+                        <a:schemeClr val="bg1">
+                          <a:lumMod val="65000"/>
+                        </a:schemeClr>
+                      </a:solidFill>
+                      <a:prstDash val="solid"/>
+                      <a:round/>
+                      <a:headEnd type="none" w="med" len="med"/>
+                      <a:tailEnd type="none" w="med" len="med"/>
+                    </a:lnB>
+                    <a:lnTlToBr w="12700" cmpd="sng">
+                      <a:noFill/>
+                      <a:prstDash val="solid"/>
+                    </a:lnTlToBr>
+                    <a:lnBlToTr w="12700" cmpd="sng">
+                      <a:noFill/>
+                      <a:prstDash val="solid"/>
+                    </a:lnBlToTr>
+                    <a:solidFill>
+                      <a:schemeClr val="bg1">
+                        <a:lumMod val="95000"/>
+                      </a:schemeClr>
+                    </a:solidFill>
+                  </a:tcPr>
+                </a:tc>
+                <a:tc>
+                  <a:txBody>
+                    <a:bodyPr/>
+                    <a:lstStyle/>
+                    <a:p>
+                      <a:pPr algn="l" latinLnBrk="1"/>
+                      <a:r>
+                        <a:rPr lang="ko-KR" altLang="en-US" sz="1200" b="1" dirty="0">
+                          <a:solidFill>
+                            <a:sysClr val="windowText" lastClr="000000"/>
+                          </a:solidFill>
+                        </a:rPr>
+                        <a:t>부서명 입력란</a:t>
+                      </a:r>
+                    </a:p>
+                  </a:txBody>
+                  <a:tcPr anchor="ctr">
+                    <a:lnL w="12700" cap="flat" cmpd="sng" algn="ctr">
+                      <a:solidFill>
+                        <a:schemeClr val="bg1">
+                          <a:lumMod val="65000"/>
+                        </a:schemeClr>
+                      </a:solidFill>
+                      <a:prstDash val="solid"/>
+                      <a:round/>
+                      <a:headEnd type="none" w="med" len="med"/>
+                      <a:tailEnd type="none" w="med" len="med"/>
+                    </a:lnL>
+                    <a:lnR w="12700" cap="flat" cmpd="sng" algn="ctr">
+                      <a:noFill/>
+                      <a:prstDash val="solid"/>
+                      <a:round/>
+                      <a:headEnd type="none" w="med" len="med"/>
+                      <a:tailEnd type="none" w="med" len="med"/>
+                    </a:lnR>
+                    <a:lnT w="12700" cap="flat" cmpd="sng" algn="ctr">
+                      <a:solidFill>
+                        <a:schemeClr val="bg1">
+                          <a:lumMod val="65000"/>
+                        </a:schemeClr>
+                      </a:solidFill>
+                      <a:prstDash val="solid"/>
+                      <a:round/>
+                      <a:headEnd type="none" w="med" len="med"/>
+                      <a:tailEnd type="none" w="med" len="med"/>
+                    </a:lnT>
+                    <a:lnB w="12700" cap="flat" cmpd="sng" algn="ctr">
+                      <a:solidFill>
+                        <a:schemeClr val="bg1">
+                          <a:lumMod val="65000"/>
+                        </a:schemeClr>
+                      </a:solidFill>
+                      <a:prstDash val="solid"/>
+                      <a:round/>
+                      <a:headEnd type="none" w="med" len="med"/>
+                      <a:tailEnd type="none" w="med" len="med"/>
+                    </a:lnB>
+                    <a:lnTlToBr w="12700" cmpd="sng">
+                      <a:noFill/>
+                      <a:prstDash val="solid"/>
+                    </a:lnTlToBr>
+                    <a:lnBlToTr w="12700" cmpd="sng">
+                      <a:noFill/>
+                      <a:prstDash val="solid"/>
+                    </a:lnBlToTr>
+                    <a:solidFill>
+                      <a:schemeClr val="bg1"/>
+                    </a:solidFill>
+                  </a:tcPr>
+                </a:tc>
+                <a:extLst>
+                  <a:ext uri="{0D108BD9-81ED-4DB2-BD59-A6C34878D82A}">
+                    <a16:rowId xmlns:a16="http://schemas.microsoft.com/office/drawing/2014/main" val="2102013272"/>
+                  </a:ext>
+                </a:extLst>
+              </a:tr>
+              <a:tr h="468000">
+                <a:tc>
+                  <a:txBody>
+                    <a:bodyPr/>
+                    <a:lstStyle/>
+                    <a:p>
+                      <a:pPr algn="ctr" latinLnBrk="1"/>
+                      <a:r>
+                        <a:rPr lang="ko-KR" altLang="en-US" sz="1200" b="1" dirty="0">
+                          <a:solidFill>
+                            <a:sysClr val="windowText" lastClr="000000"/>
+                          </a:solidFill>
+                        </a:rPr>
+                        <a:t>수신자</a:t>
+                      </a:r>
+                    </a:p>
+                  </a:txBody>
+                  <a:tcPr anchor="ctr">
+                    <a:lnL w="12700" cap="flat" cmpd="sng" algn="ctr">
+                      <a:noFill/>
+                      <a:prstDash val="solid"/>
+                      <a:round/>
+                      <a:headEnd type="none" w="med" len="med"/>
+                      <a:tailEnd type="none" w="med" len="med"/>
+                    </a:lnL>
+                    <a:lnR w="12700" cap="flat" cmpd="sng" algn="ctr">
+                      <a:solidFill>
+                        <a:schemeClr val="bg1">
+                          <a:lumMod val="65000"/>
+                        </a:schemeClr>
+                      </a:solidFill>
+                      <a:prstDash val="solid"/>
+                      <a:round/>
+                      <a:headEnd type="none" w="med" len="med"/>
+                      <a:tailEnd type="none" w="med" len="med"/>
+                    </a:lnR>
+                    <a:lnT w="12700" cap="flat" cmpd="sng" algn="ctr">
+                      <a:solidFill>
+                        <a:schemeClr val="bg1">
+                          <a:lumMod val="65000"/>
+                        </a:schemeClr>
+                      </a:solidFill>
+                      <a:prstDash val="solid"/>
+                      <a:round/>
+                      <a:headEnd type="none" w="med" len="med"/>
+                      <a:tailEnd type="none" w="med" len="med"/>
+                    </a:lnT>
+                    <a:lnB w="12700" cap="flat" cmpd="sng" algn="ctr">
+                      <a:solidFill>
+                        <a:schemeClr val="bg1">
+                          <a:lumMod val="65000"/>
+                        </a:schemeClr>
+                      </a:solidFill>
+                      <a:prstDash val="solid"/>
+                      <a:round/>
+                      <a:headEnd type="none" w="med" len="med"/>
+                      <a:tailEnd type="none" w="med" len="med"/>
+                    </a:lnB>
+                    <a:lnTlToBr w="12700" cmpd="sng">
+                      <a:noFill/>
+                      <a:prstDash val="solid"/>
+                    </a:lnTlToBr>
+                    <a:lnBlToTr w="12700" cmpd="sng">
+                      <a:noFill/>
+                      <a:prstDash val="solid"/>
+                    </a:lnBlToTr>
+                    <a:solidFill>
+                      <a:schemeClr val="bg1">
+                        <a:lumMod val="95000"/>
+                      </a:schemeClr>
+                    </a:solidFill>
+                  </a:tcPr>
+                </a:tc>
+                <a:tc>
+                  <a:txBody>
+                    <a:bodyPr/>
+                    <a:lstStyle/>
+                    <a:p>
+                      <a:pPr algn="l" latinLnBrk="1"/>
+                      <a:r>
+                        <a:rPr lang="ko-KR" altLang="en-US" sz="1200" b="1" dirty="0">
+                          <a:solidFill>
+                            <a:sysClr val="windowText" lastClr="000000"/>
+                          </a:solidFill>
+                        </a:rPr>
+                        <a:t>수신자 입력란</a:t>
+                      </a:r>
+                    </a:p>
+                  </a:txBody>
+                  <a:tcPr anchor="ctr">
+                    <a:lnL w="12700" cap="flat" cmpd="sng" algn="ctr">
+                      <a:solidFill>
+                        <a:schemeClr val="bg1">
+                          <a:lumMod val="65000"/>
+                        </a:schemeClr>
+                      </a:solidFill>
+                      <a:prstDash val="solid"/>
+                      <a:round/>
+                      <a:headEnd type="none" w="med" len="med"/>
+                      <a:tailEnd type="none" w="med" len="med"/>
+                    </a:lnL>
+                    <a:lnR w="12700" cap="flat" cmpd="sng" algn="ctr">
+                      <a:noFill/>
+                      <a:prstDash val="solid"/>
+                      <a:round/>
+                      <a:headEnd type="none" w="med" len="med"/>
+                      <a:tailEnd type="none" w="med" len="med"/>
+                    </a:lnR>
+                    <a:lnT w="12700" cap="flat" cmpd="sng" algn="ctr">
+                      <a:solidFill>
+                        <a:schemeClr val="bg1">
+                          <a:lumMod val="65000"/>
+                        </a:schemeClr>
+                      </a:solidFill>
+                      <a:prstDash val="solid"/>
+                      <a:round/>
+                      <a:headEnd type="none" w="med" len="med"/>
+                      <a:tailEnd type="none" w="med" len="med"/>
+                    </a:lnT>
+                    <a:lnB w="12700" cap="flat" cmpd="sng" algn="ctr">
+                      <a:solidFill>
+                        <a:schemeClr val="bg1">
+                          <a:lumMod val="65000"/>
+                        </a:schemeClr>
+                      </a:solidFill>
+                      <a:prstDash val="solid"/>
+                      <a:round/>
+                      <a:headEnd type="none" w="med" len="med"/>
+                      <a:tailEnd type="none" w="med" len="med"/>
+                    </a:lnB>
+                    <a:lnTlToBr w="12700" cmpd="sng">
+                      <a:noFill/>
+                      <a:prstDash val="solid"/>
+                    </a:lnTlToBr>
+                    <a:lnBlToTr w="12700" cmpd="sng">
+                      <a:noFill/>
+                      <a:prstDash val="solid"/>
+                    </a:lnBlToTr>
+                    <a:solidFill>
+                      <a:schemeClr val="bg1"/>
+                    </a:solidFill>
+                  </a:tcPr>
+                </a:tc>
+                <a:extLst>
+                  <a:ext uri="{0D108BD9-81ED-4DB2-BD59-A6C34878D82A}">
+                    <a16:rowId xmlns:a16="http://schemas.microsoft.com/office/drawing/2014/main" val="2262134838"/>
+                  </a:ext>
+                </a:extLst>
+              </a:tr>
+              <a:tr h="468000">
+                <a:tc>
+                  <a:txBody>
+                    <a:bodyPr/>
+                    <a:lstStyle/>
+                    <a:p>
+                      <a:pPr algn="ctr" latinLnBrk="1"/>
+                      <a:r>
+                        <a:rPr lang="ko-KR" altLang="en-US" sz="1200" b="1" dirty="0">
+                          <a:solidFill>
+                            <a:sysClr val="windowText" lastClr="000000"/>
+                          </a:solidFill>
+                        </a:rPr>
+                        <a:t>연락처</a:t>
+                      </a:r>
+                    </a:p>
+                  </a:txBody>
+                  <a:tcPr anchor="ctr">
+                    <a:lnL w="12700" cap="flat" cmpd="sng" algn="ctr">
+                      <a:noFill/>
+                      <a:prstDash val="solid"/>
+                      <a:round/>
+                      <a:headEnd type="none" w="med" len="med"/>
+                      <a:tailEnd type="none" w="med" len="med"/>
+                    </a:lnL>
+                    <a:lnR w="12700" cap="flat" cmpd="sng" algn="ctr">
+                      <a:solidFill>
+                        <a:schemeClr val="bg1">
+                          <a:lumMod val="65000"/>
+                        </a:schemeClr>
+                      </a:solidFill>
+                      <a:prstDash val="solid"/>
+                      <a:round/>
+                      <a:headEnd type="none" w="med" len="med"/>
+                      <a:tailEnd type="none" w="med" len="med"/>
+                    </a:lnR>
+                    <a:lnT w="12700" cap="flat" cmpd="sng" algn="ctr">
+                      <a:solidFill>
+                        <a:schemeClr val="bg1">
+                          <a:lumMod val="65000"/>
+                        </a:schemeClr>
+                      </a:solidFill>
+                      <a:prstDash val="solid"/>
+                      <a:round/>
+                      <a:headEnd type="none" w="med" len="med"/>
+                      <a:tailEnd type="none" w="med" len="med"/>
+                    </a:lnT>
+                    <a:lnB w="12700" cap="flat" cmpd="sng" algn="ctr">
+                      <a:solidFill>
+                        <a:schemeClr val="bg1">
+                          <a:lumMod val="65000"/>
+                        </a:schemeClr>
+                      </a:solidFill>
+                      <a:prstDash val="solid"/>
+                      <a:round/>
+                      <a:headEnd type="none" w="med" len="med"/>
+                      <a:tailEnd type="none" w="med" len="med"/>
+                    </a:lnB>
+                    <a:lnTlToBr w="12700" cmpd="sng">
+                      <a:noFill/>
+                      <a:prstDash val="solid"/>
+                    </a:lnTlToBr>
+                    <a:lnBlToTr w="12700" cmpd="sng">
+                      <a:noFill/>
+                      <a:prstDash val="solid"/>
+                    </a:lnBlToTr>
+                    <a:solidFill>
+                      <a:schemeClr val="bg1">
+                        <a:lumMod val="95000"/>
+                      </a:schemeClr>
+                    </a:solidFill>
+                  </a:tcPr>
+                </a:tc>
+                <a:tc>
+                  <a:txBody>
+                    <a:bodyPr/>
+                    <a:lstStyle/>
+                    <a:p>
+                      <a:pPr algn="l" latinLnBrk="1"/>
+                      <a:r>
+                        <a:rPr lang="ko-KR" altLang="en-US" sz="1200" b="1" dirty="0">
+                          <a:solidFill>
+                            <a:sysClr val="windowText" lastClr="000000"/>
+                          </a:solidFill>
+                        </a:rPr>
+                        <a:t>연락처 입력란</a:t>
+                      </a:r>
+                    </a:p>
+                  </a:txBody>
+                  <a:tcPr anchor="ctr">
+                    <a:lnL w="12700" cap="flat" cmpd="sng" algn="ctr">
+                      <a:solidFill>
+                        <a:schemeClr val="bg1">
+                          <a:lumMod val="65000"/>
+                        </a:schemeClr>
+                      </a:solidFill>
+                      <a:prstDash val="solid"/>
+                      <a:round/>
+                      <a:headEnd type="none" w="med" len="med"/>
+                      <a:tailEnd type="none" w="med" len="med"/>
+                    </a:lnL>
+                    <a:lnR w="12700" cap="flat" cmpd="sng" algn="ctr">
+                      <a:noFill/>
+                      <a:prstDash val="solid"/>
+                      <a:round/>
+                      <a:headEnd type="none" w="med" len="med"/>
+                      <a:tailEnd type="none" w="med" len="med"/>
+                    </a:lnR>
+                    <a:lnT w="12700" cap="flat" cmpd="sng" algn="ctr">
+                      <a:solidFill>
+                        <a:schemeClr val="bg1">
+                          <a:lumMod val="65000"/>
+                        </a:schemeClr>
+                      </a:solidFill>
+                      <a:prstDash val="solid"/>
+                      <a:round/>
+                      <a:headEnd type="none" w="med" len="med"/>
+                      <a:tailEnd type="none" w="med" len="med"/>
+                    </a:lnT>
+                    <a:lnB w="12700" cap="flat" cmpd="sng" algn="ctr">
+                      <a:solidFill>
+                        <a:schemeClr val="bg1">
+                          <a:lumMod val="65000"/>
+                        </a:schemeClr>
+                      </a:solidFill>
+                      <a:prstDash val="solid"/>
+                      <a:round/>
+                      <a:headEnd type="none" w="med" len="med"/>
+                      <a:tailEnd type="none" w="med" len="med"/>
+                    </a:lnB>
+                    <a:lnTlToBr w="12700" cmpd="sng">
+                      <a:noFill/>
+                      <a:prstDash val="solid"/>
+                    </a:lnTlToBr>
+                    <a:lnBlToTr w="12700" cmpd="sng">
+                      <a:noFill/>
+                      <a:prstDash val="solid"/>
+                    </a:lnBlToTr>
+                    <a:solidFill>
+                      <a:schemeClr val="bg1"/>
+                    </a:solidFill>
+                  </a:tcPr>
+                </a:tc>
+                <a:extLst>
+                  <a:ext uri="{0D108BD9-81ED-4DB2-BD59-A6C34878D82A}">
+                    <a16:rowId xmlns:a16="http://schemas.microsoft.com/office/drawing/2014/main" val="4032822142"/>
+                  </a:ext>
+                </a:extLst>
+              </a:tr>
+            </a:tbl>
+          </a:graphicData>
+        </a:graphic>
+      </p:graphicFrame>
+      <p:graphicFrame>
+        <p:nvGraphicFramePr>
+          <p:cNvPr id="13" name="표 12">
+            <a:extLst>
+              <a:ext uri="{FF2B5EF4-FFF2-40B4-BE49-F238E27FC236}">
+                <a16:creationId xmlns:a16="http://schemas.microsoft.com/office/drawing/2014/main" id="{1210EBD4-C4EB-A943-850D-1FA0137E37E9}"/>
+              </a:ext>
+            </a:extLst>
+          </p:cNvPr>
+          <p:cNvGraphicFramePr>
+            <a:graphicFrameLocks noGrp="1"/>
+          </p:cNvGraphicFramePr>
+          <p:nvPr>
+            <p:extLst/>
+          </p:nvPr>
+        </p:nvGraphicFramePr>
+        <p:xfrm>
+          <a:off x="5058507" y="3534509"/>
+          <a:ext cx="4536000" cy="1404000"/>
+        </p:xfrm>
+        <a:graphic>
+          <a:graphicData uri="http://schemas.openxmlformats.org/drawingml/2006/table">
+            <a:tbl>
+              <a:tblPr firstRow="1" bandRow="1">
+                <a:tableStyleId>{5C22544A-7EE6-4342-B048-85BDC9FD1C3A}</a:tableStyleId>
+              </a:tblPr>
+              <a:tblGrid>
+                <a:gridCol w="900000">
+                  <a:extLst>
+                    <a:ext uri="{9D8B030D-6E8A-4147-A177-3AD203B41FA5}">
+                      <a16:colId xmlns:a16="http://schemas.microsoft.com/office/drawing/2014/main" val="3286585976"/>
+                    </a:ext>
+                  </a:extLst>
+                </a:gridCol>
+                <a:gridCol w="3636000">
+                  <a:extLst>
+                    <a:ext uri="{9D8B030D-6E8A-4147-A177-3AD203B41FA5}">
+                      <a16:colId xmlns:a16="http://schemas.microsoft.com/office/drawing/2014/main" val="1935096649"/>
+                    </a:ext>
+                  </a:extLst>
+                </a:gridCol>
+              </a:tblGrid>
+              <a:tr h="468000">
+                <a:tc>
+                  <a:txBody>
+                    <a:bodyPr/>
+                    <a:lstStyle/>
+                    <a:p>
+                      <a:pPr algn="ctr" latinLnBrk="1"/>
+                      <a:r>
+                        <a:rPr lang="ko-KR" altLang="en-US" sz="1200" b="1" dirty="0">
+                          <a:solidFill>
+                            <a:sysClr val="windowText" lastClr="000000"/>
+                          </a:solidFill>
+                        </a:rPr>
+                        <a:t>부서</a:t>
+                      </a:r>
+                    </a:p>
+                  </a:txBody>
+                  <a:tcPr anchor="ctr">
+                    <a:lnL w="12700" cap="flat" cmpd="sng" algn="ctr">
+                      <a:noFill/>
+                      <a:prstDash val="solid"/>
+                      <a:round/>
+                      <a:headEnd type="none" w="med" len="med"/>
+                      <a:tailEnd type="none" w="med" len="med"/>
+                    </a:lnL>
+                    <a:lnR w="12700" cap="flat" cmpd="sng" algn="ctr">
+                      <a:solidFill>
+                        <a:schemeClr val="bg1">
+                          <a:lumMod val="65000"/>
+                        </a:schemeClr>
+                      </a:solidFill>
+                      <a:prstDash val="solid"/>
+                      <a:round/>
+                      <a:headEnd type="none" w="med" len="med"/>
+                      <a:tailEnd type="none" w="med" len="med"/>
+                    </a:lnR>
+                    <a:lnT w="12700" cap="flat" cmpd="sng" algn="ctr">
+                      <a:solidFill>
+                        <a:schemeClr val="bg1">
+                          <a:lumMod val="65000"/>
+                        </a:schemeClr>
+                      </a:solidFill>
+                      <a:prstDash val="solid"/>
+                      <a:round/>
+                      <a:headEnd type="none" w="med" len="med"/>
+                      <a:tailEnd type="none" w="med" len="med"/>
+                    </a:lnT>
+                    <a:lnB w="12700" cap="flat" cmpd="sng" algn="ctr">
+                      <a:solidFill>
+                        <a:schemeClr val="bg1">
+                          <a:lumMod val="65000"/>
+                        </a:schemeClr>
+                      </a:solidFill>
+                      <a:prstDash val="solid"/>
+                      <a:round/>
+                      <a:headEnd type="none" w="med" len="med"/>
+                      <a:tailEnd type="none" w="med" len="med"/>
+                    </a:lnB>
+                    <a:lnTlToBr w="12700" cmpd="sng">
+                      <a:noFill/>
+                      <a:prstDash val="solid"/>
+                    </a:lnTlToBr>
+                    <a:lnBlToTr w="12700" cmpd="sng">
+                      <a:noFill/>
+                      <a:prstDash val="solid"/>
+                    </a:lnBlToTr>
+                    <a:solidFill>
+                      <a:schemeClr val="bg1">
+                        <a:lumMod val="95000"/>
+                      </a:schemeClr>
+                    </a:solidFill>
+                  </a:tcPr>
+                </a:tc>
+                <a:tc>
+                  <a:txBody>
+                    <a:bodyPr/>
+                    <a:lstStyle/>
+                    <a:p>
+                      <a:pPr algn="l" latinLnBrk="1"/>
+                      <a:r>
+                        <a:rPr lang="ko-KR" altLang="en-US" sz="1200" b="1" dirty="0">
+                          <a:solidFill>
+                            <a:sysClr val="windowText" lastClr="000000"/>
+                          </a:solidFill>
+                        </a:rPr>
+                        <a:t>부서명 입력란</a:t>
+                      </a:r>
+                    </a:p>
+                  </a:txBody>
+                  <a:tcPr anchor="ctr">
+                    <a:lnL w="12700" cap="flat" cmpd="sng" algn="ctr">
+                      <a:solidFill>
+                        <a:schemeClr val="bg1">
+                          <a:lumMod val="65000"/>
+                        </a:schemeClr>
+                      </a:solidFill>
+                      <a:prstDash val="solid"/>
+                      <a:round/>
+                      <a:headEnd type="none" w="med" len="med"/>
+                      <a:tailEnd type="none" w="med" len="med"/>
+                    </a:lnL>
+                    <a:lnR w="12700" cap="flat" cmpd="sng" algn="ctr">
+                      <a:noFill/>
+                      <a:prstDash val="solid"/>
+                      <a:round/>
+                      <a:headEnd type="none" w="med" len="med"/>
+                      <a:tailEnd type="none" w="med" len="med"/>
+                    </a:lnR>
+                    <a:lnT w="12700" cap="flat" cmpd="sng" algn="ctr">
+                      <a:solidFill>
+                        <a:schemeClr val="bg1">
+                          <a:lumMod val="65000"/>
+                        </a:schemeClr>
+                      </a:solidFill>
+                      <a:prstDash val="solid"/>
+                      <a:round/>
+                      <a:headEnd type="none" w="med" len="med"/>
+                      <a:tailEnd type="none" w="med" len="med"/>
+                    </a:lnT>
+                    <a:lnB w="12700" cap="flat" cmpd="sng" algn="ctr">
+                      <a:solidFill>
+                        <a:schemeClr val="bg1">
+                          <a:lumMod val="65000"/>
+                        </a:schemeClr>
+                      </a:solidFill>
+                      <a:prstDash val="solid"/>
+                      <a:round/>
+                      <a:headEnd type="none" w="med" len="med"/>
+                      <a:tailEnd type="none" w="med" len="med"/>
+                    </a:lnB>
+                    <a:lnTlToBr w="12700" cmpd="sng">
+                      <a:noFill/>
+                      <a:prstDash val="solid"/>
+                    </a:lnTlToBr>
+                    <a:lnBlToTr w="12700" cmpd="sng">
+                      <a:noFill/>
+                      <a:prstDash val="solid"/>
+                    </a:lnBlToTr>
+                    <a:solidFill>
+                      <a:schemeClr val="bg1"/>
+                    </a:solidFill>
+                  </a:tcPr>
+                </a:tc>
+                <a:extLst>
+                  <a:ext uri="{0D108BD9-81ED-4DB2-BD59-A6C34878D82A}">
+                    <a16:rowId xmlns:a16="http://schemas.microsoft.com/office/drawing/2014/main" val="2102013272"/>
+                  </a:ext>
+                </a:extLst>
+              </a:tr>
+              <a:tr h="468000">
+                <a:tc>
+                  <a:txBody>
+                    <a:bodyPr/>
+                    <a:lstStyle/>
+                    <a:p>
+                      <a:pPr algn="ctr" latinLnBrk="1"/>
+                      <a:r>
+                        <a:rPr lang="ko-KR" altLang="en-US" sz="1200" b="1" dirty="0">
+                          <a:solidFill>
+                            <a:sysClr val="windowText" lastClr="000000"/>
+                          </a:solidFill>
+                        </a:rPr>
+                        <a:t>수신자</a:t>
+                      </a:r>
+                    </a:p>
+                  </a:txBody>
+                  <a:tcPr anchor="ctr">
+                    <a:lnL w="12700" cap="flat" cmpd="sng" algn="ctr">
+                      <a:noFill/>
+                      <a:prstDash val="solid"/>
+                      <a:round/>
+                      <a:headEnd type="none" w="med" len="med"/>
+                      <a:tailEnd type="none" w="med" len="med"/>
+                    </a:lnL>
+                    <a:lnR w="12700" cap="flat" cmpd="sng" algn="ctr">
+                      <a:solidFill>
+                        <a:schemeClr val="bg1">
+                          <a:lumMod val="65000"/>
+                        </a:schemeClr>
+                      </a:solidFill>
+                      <a:prstDash val="solid"/>
+                      <a:round/>
+                      <a:headEnd type="none" w="med" len="med"/>
+                      <a:tailEnd type="none" w="med" len="med"/>
+                    </a:lnR>
+                    <a:lnT w="12700" cap="flat" cmpd="sng" algn="ctr">
+                      <a:solidFill>
+                        <a:schemeClr val="bg1">
+                          <a:lumMod val="65000"/>
+                        </a:schemeClr>
+                      </a:solidFill>
+                      <a:prstDash val="solid"/>
+                      <a:round/>
+                      <a:headEnd type="none" w="med" len="med"/>
+                      <a:tailEnd type="none" w="med" len="med"/>
+                    </a:lnT>
+                    <a:lnB w="12700" cap="flat" cmpd="sng" algn="ctr">
+                      <a:solidFill>
+                        <a:schemeClr val="bg1">
+                          <a:lumMod val="65000"/>
+                        </a:schemeClr>
+                      </a:solidFill>
+                      <a:prstDash val="solid"/>
+                      <a:round/>
+                      <a:headEnd type="none" w="med" len="med"/>
+                      <a:tailEnd type="none" w="med" len="med"/>
+                    </a:lnB>
+                    <a:lnTlToBr w="12700" cmpd="sng">
+                      <a:noFill/>
+                      <a:prstDash val="solid"/>
+                    </a:lnTlToBr>
+                    <a:lnBlToTr w="12700" cmpd="sng">
+                      <a:noFill/>
+                      <a:prstDash val="solid"/>
+                    </a:lnBlToTr>
+                    <a:solidFill>
+                      <a:schemeClr val="bg1">
+                        <a:lumMod val="95000"/>
+                      </a:schemeClr>
+                    </a:solidFill>
+                  </a:tcPr>
+                </a:tc>
+                <a:tc>
+                  <a:txBody>
+                    <a:bodyPr/>
+                    <a:lstStyle/>
+                    <a:p>
+                      <a:pPr algn="l" latinLnBrk="1"/>
+                      <a:r>
+                        <a:rPr lang="ko-KR" altLang="en-US" sz="1200" b="1" dirty="0">
+                          <a:solidFill>
+                            <a:sysClr val="windowText" lastClr="000000"/>
+                          </a:solidFill>
+                        </a:rPr>
+                        <a:t>수신자 입력란</a:t>
+                      </a:r>
+                    </a:p>
+                  </a:txBody>
+                  <a:tcPr anchor="ctr">
+                    <a:lnL w="12700" cap="flat" cmpd="sng" algn="ctr">
+                      <a:solidFill>
+                        <a:schemeClr val="bg1">
+                          <a:lumMod val="65000"/>
+                        </a:schemeClr>
+                      </a:solidFill>
+                      <a:prstDash val="solid"/>
+                      <a:round/>
+                      <a:headEnd type="none" w="med" len="med"/>
+                      <a:tailEnd type="none" w="med" len="med"/>
+                    </a:lnL>
+                    <a:lnR w="12700" cap="flat" cmpd="sng" algn="ctr">
+                      <a:noFill/>
+                      <a:prstDash val="solid"/>
+                      <a:round/>
+                      <a:headEnd type="none" w="med" len="med"/>
+                      <a:tailEnd type="none" w="med" len="med"/>
+                    </a:lnR>
+                    <a:lnT w="12700" cap="flat" cmpd="sng" algn="ctr">
+                      <a:solidFill>
+                        <a:schemeClr val="bg1">
+                          <a:lumMod val="65000"/>
+                        </a:schemeClr>
+                      </a:solidFill>
+                      <a:prstDash val="solid"/>
+                      <a:round/>
+                      <a:headEnd type="none" w="med" len="med"/>
+                      <a:tailEnd type="none" w="med" len="med"/>
+                    </a:lnT>
+                    <a:lnB w="12700" cap="flat" cmpd="sng" algn="ctr">
+                      <a:solidFill>
+                        <a:schemeClr val="bg1">
+                          <a:lumMod val="65000"/>
+                        </a:schemeClr>
+                      </a:solidFill>
+                      <a:prstDash val="solid"/>
+                      <a:round/>
+                      <a:headEnd type="none" w="med" len="med"/>
+                      <a:tailEnd type="none" w="med" len="med"/>
+                    </a:lnB>
+                    <a:lnTlToBr w="12700" cmpd="sng">
+                      <a:noFill/>
+                      <a:prstDash val="solid"/>
+                    </a:lnTlToBr>
+                    <a:lnBlToTr w="12700" cmpd="sng">
+                      <a:noFill/>
+                      <a:prstDash val="solid"/>
+                    </a:lnBlToTr>
+                    <a:solidFill>
+                      <a:schemeClr val="bg1"/>
+                    </a:solidFill>
+                  </a:tcPr>
+                </a:tc>
+                <a:extLst>
+                  <a:ext uri="{0D108BD9-81ED-4DB2-BD59-A6C34878D82A}">
+                    <a16:rowId xmlns:a16="http://schemas.microsoft.com/office/drawing/2014/main" val="2262134838"/>
+                  </a:ext>
+                </a:extLst>
+              </a:tr>
+              <a:tr h="468000">
+                <a:tc>
+                  <a:txBody>
+                    <a:bodyPr/>
+                    <a:lstStyle/>
+                    <a:p>
+                      <a:pPr algn="ctr" latinLnBrk="1"/>
+                      <a:r>
+                        <a:rPr lang="ko-KR" altLang="en-US" sz="1200" b="1" dirty="0">
+                          <a:solidFill>
+                            <a:sysClr val="windowText" lastClr="000000"/>
+                          </a:solidFill>
+                        </a:rPr>
+                        <a:t>연락처</a:t>
+                      </a:r>
+                    </a:p>
+                  </a:txBody>
+                  <a:tcPr anchor="ctr">
+                    <a:lnL w="12700" cap="flat" cmpd="sng" algn="ctr">
+                      <a:noFill/>
+                      <a:prstDash val="solid"/>
+                      <a:round/>
+                      <a:headEnd type="none" w="med" len="med"/>
+                      <a:tailEnd type="none" w="med" len="med"/>
+                    </a:lnL>
+                    <a:lnR w="12700" cap="flat" cmpd="sng" algn="ctr">
+                      <a:solidFill>
+                        <a:schemeClr val="bg1">
+                          <a:lumMod val="65000"/>
+                        </a:schemeClr>
+                      </a:solidFill>
+                      <a:prstDash val="solid"/>
+                      <a:round/>
+                      <a:headEnd type="none" w="med" len="med"/>
+                      <a:tailEnd type="none" w="med" len="med"/>
+                    </a:lnR>
+                    <a:lnT w="12700" cap="flat" cmpd="sng" algn="ctr">
+                      <a:solidFill>
+                        <a:schemeClr val="bg1">
+                          <a:lumMod val="65000"/>
+                        </a:schemeClr>
+                      </a:solidFill>
+                      <a:prstDash val="solid"/>
+                      <a:round/>
+                      <a:headEnd type="none" w="med" len="med"/>
+                      <a:tailEnd type="none" w="med" len="med"/>
+                    </a:lnT>
+                    <a:lnB w="12700" cap="flat" cmpd="sng" algn="ctr">
+                      <a:solidFill>
+                        <a:schemeClr val="bg1">
+                          <a:lumMod val="65000"/>
+                        </a:schemeClr>
+                      </a:solidFill>
+                      <a:prstDash val="solid"/>
+                      <a:round/>
+                      <a:headEnd type="none" w="med" len="med"/>
+                      <a:tailEnd type="none" w="med" len="med"/>
+                    </a:lnB>
+                    <a:lnTlToBr w="12700" cmpd="sng">
+                      <a:noFill/>
+                      <a:prstDash val="solid"/>
+                    </a:lnTlToBr>
+                    <a:lnBlToTr w="12700" cmpd="sng">
+                      <a:noFill/>
+                      <a:prstDash val="solid"/>
+                    </a:lnBlToTr>
+                    <a:solidFill>
+                      <a:schemeClr val="bg1">
+                        <a:lumMod val="95000"/>
+                      </a:schemeClr>
+                    </a:solidFill>
+                  </a:tcPr>
+                </a:tc>
+                <a:tc>
+                  <a:txBody>
+                    <a:bodyPr/>
+                    <a:lstStyle/>
+                    <a:p>
+                      <a:pPr algn="l" latinLnBrk="1"/>
+                      <a:r>
+                        <a:rPr lang="ko-KR" altLang="en-US" sz="1200" b="1" dirty="0">
+                          <a:solidFill>
+                            <a:sysClr val="windowText" lastClr="000000"/>
+                          </a:solidFill>
+                        </a:rPr>
+                        <a:t>연락처 입력란</a:t>
+                      </a:r>
+                    </a:p>
+                  </a:txBody>
+                  <a:tcPr anchor="ctr">
+                    <a:lnL w="12700" cap="flat" cmpd="sng" algn="ctr">
+                      <a:solidFill>
+                        <a:schemeClr val="bg1">
+                          <a:lumMod val="65000"/>
+                        </a:schemeClr>
+                      </a:solidFill>
+                      <a:prstDash val="solid"/>
+                      <a:round/>
+                      <a:headEnd type="none" w="med" len="med"/>
+                      <a:tailEnd type="none" w="med" len="med"/>
+                    </a:lnL>
+                    <a:lnR w="12700" cap="flat" cmpd="sng" algn="ctr">
+                      <a:noFill/>
+                      <a:prstDash val="solid"/>
+                      <a:round/>
+                      <a:headEnd type="none" w="med" len="med"/>
+                      <a:tailEnd type="none" w="med" len="med"/>
+                    </a:lnR>
+                    <a:lnT w="12700" cap="flat" cmpd="sng" algn="ctr">
+                      <a:solidFill>
+                        <a:schemeClr val="bg1">
+                          <a:lumMod val="65000"/>
+                        </a:schemeClr>
+                      </a:solidFill>
+                      <a:prstDash val="solid"/>
+                      <a:round/>
+                      <a:headEnd type="none" w="med" len="med"/>
+                      <a:tailEnd type="none" w="med" len="med"/>
+                    </a:lnT>
+                    <a:lnB w="12700" cap="flat" cmpd="sng" algn="ctr">
+                      <a:solidFill>
+                        <a:schemeClr val="bg1">
+                          <a:lumMod val="65000"/>
+                        </a:schemeClr>
+                      </a:solidFill>
+                      <a:prstDash val="solid"/>
+                      <a:round/>
+                      <a:headEnd type="none" w="med" len="med"/>
+                      <a:tailEnd type="none" w="med" len="med"/>
+                    </a:lnB>
+                    <a:lnTlToBr w="12700" cmpd="sng">
+                      <a:noFill/>
+                      <a:prstDash val="solid"/>
+                    </a:lnTlToBr>
+                    <a:lnBlToTr w="12700" cmpd="sng">
+                      <a:noFill/>
+                      <a:prstDash val="solid"/>
+                    </a:lnBlToTr>
+                    <a:solidFill>
+                      <a:schemeClr val="bg1"/>
+                    </a:solidFill>
+                  </a:tcPr>
+                </a:tc>
+                <a:extLst>
+                  <a:ext uri="{0D108BD9-81ED-4DB2-BD59-A6C34878D82A}">
+                    <a16:rowId xmlns:a16="http://schemas.microsoft.com/office/drawing/2014/main" val="4032822142"/>
+                  </a:ext>
+                </a:extLst>
+              </a:tr>
+            </a:tbl>
+          </a:graphicData>
+        </a:graphic>
+      </p:graphicFrame>
+      <p:graphicFrame>
+        <p:nvGraphicFramePr>
+          <p:cNvPr id="14" name="표 13">
+            <a:extLst>
+              <a:ext uri="{FF2B5EF4-FFF2-40B4-BE49-F238E27FC236}">
+                <a16:creationId xmlns:a16="http://schemas.microsoft.com/office/drawing/2014/main" id="{AF5945FE-938B-454C-B09B-541F22F11C3E}"/>
+              </a:ext>
+            </a:extLst>
+          </p:cNvPr>
+          <p:cNvGraphicFramePr>
+            <a:graphicFrameLocks noGrp="1"/>
+          </p:cNvGraphicFramePr>
+          <p:nvPr>
+            <p:extLst/>
+          </p:nvPr>
+        </p:nvGraphicFramePr>
+        <p:xfrm>
+          <a:off x="302845" y="5149526"/>
+          <a:ext cx="4536000" cy="1404000"/>
+        </p:xfrm>
+        <a:graphic>
+          <a:graphicData uri="http://schemas.openxmlformats.org/drawingml/2006/table">
+            <a:tbl>
+              <a:tblPr firstRow="1" bandRow="1">
+                <a:tableStyleId>{5C22544A-7EE6-4342-B048-85BDC9FD1C3A}</a:tableStyleId>
+              </a:tblPr>
+              <a:tblGrid>
+                <a:gridCol w="900000">
+                  <a:extLst>
+                    <a:ext uri="{9D8B030D-6E8A-4147-A177-3AD203B41FA5}">
+                      <a16:colId xmlns:a16="http://schemas.microsoft.com/office/drawing/2014/main" val="3286585976"/>
+                    </a:ext>
+                  </a:extLst>
+                </a:gridCol>
+                <a:gridCol w="3636000">
+                  <a:extLst>
+                    <a:ext uri="{9D8B030D-6E8A-4147-A177-3AD203B41FA5}">
+                      <a16:colId xmlns:a16="http://schemas.microsoft.com/office/drawing/2014/main" val="1935096649"/>
+                    </a:ext>
+                  </a:extLst>
+                </a:gridCol>
+              </a:tblGrid>
+              <a:tr h="468000">
+                <a:tc>
+                  <a:txBody>
+                    <a:bodyPr/>
+                    <a:lstStyle/>
+                    <a:p>
+                      <a:pPr algn="ctr" latinLnBrk="1"/>
+                      <a:r>
+                        <a:rPr lang="ko-KR" altLang="en-US" sz="1200" b="1" dirty="0">
+                          <a:solidFill>
+                            <a:sysClr val="windowText" lastClr="000000"/>
+                          </a:solidFill>
+                        </a:rPr>
+                        <a:t>부서</a:t>
+                      </a:r>
+                    </a:p>
+                  </a:txBody>
+                  <a:tcPr anchor="ctr">
+                    <a:lnL w="12700" cap="flat" cmpd="sng" algn="ctr">
+                      <a:noFill/>
+                      <a:prstDash val="solid"/>
+                      <a:round/>
+                      <a:headEnd type="none" w="med" len="med"/>
+                      <a:tailEnd type="none" w="med" len="med"/>
+                    </a:lnL>
+                    <a:lnR w="12700" cap="flat" cmpd="sng" algn="ctr">
+                      <a:solidFill>
+                        <a:schemeClr val="bg1">
+                          <a:lumMod val="65000"/>
+                        </a:schemeClr>
+                      </a:solidFill>
+                      <a:prstDash val="solid"/>
+                      <a:round/>
+                      <a:headEnd type="none" w="med" len="med"/>
+                      <a:tailEnd type="none" w="med" len="med"/>
+                    </a:lnR>
+                    <a:lnT w="12700" cap="flat" cmpd="sng" algn="ctr">
+                      <a:solidFill>
+                        <a:schemeClr val="bg1">
+                          <a:lumMod val="65000"/>
+                        </a:schemeClr>
+                      </a:solidFill>
+                      <a:prstDash val="solid"/>
+                      <a:round/>
+                      <a:headEnd type="none" w="med" len="med"/>
+                      <a:tailEnd type="none" w="med" len="med"/>
+                    </a:lnT>
+                    <a:lnB w="12700" cap="flat" cmpd="sng" algn="ctr">
+                      <a:solidFill>
+                        <a:schemeClr val="bg1">
+                          <a:lumMod val="65000"/>
+                        </a:schemeClr>
+                      </a:solidFill>
+                      <a:prstDash val="solid"/>
+                      <a:round/>
+                      <a:headEnd type="none" w="med" len="med"/>
+                      <a:tailEnd type="none" w="med" len="med"/>
+                    </a:lnB>
+                    <a:lnTlToBr w="12700" cmpd="sng">
+                      <a:noFill/>
+                      <a:prstDash val="solid"/>
+                    </a:lnTlToBr>
+                    <a:lnBlToTr w="12700" cmpd="sng">
+                      <a:noFill/>
+                      <a:prstDash val="solid"/>
+                    </a:lnBlToTr>
+                    <a:solidFill>
+                      <a:schemeClr val="bg1">
+                        <a:lumMod val="95000"/>
+                      </a:schemeClr>
+                    </a:solidFill>
+                  </a:tcPr>
+                </a:tc>
+                <a:tc>
+                  <a:txBody>
+                    <a:bodyPr/>
+                    <a:lstStyle/>
+                    <a:p>
+                      <a:pPr algn="l" latinLnBrk="1"/>
+                      <a:r>
+                        <a:rPr lang="ko-KR" altLang="en-US" sz="1200" b="1" dirty="0">
+                          <a:solidFill>
+                            <a:sysClr val="windowText" lastClr="000000"/>
+                          </a:solidFill>
+                        </a:rPr>
+                        <a:t>부서명 입력란</a:t>
+                      </a:r>
+                    </a:p>
+                  </a:txBody>
+                  <a:tcPr anchor="ctr">
+                    <a:lnL w="12700" cap="flat" cmpd="sng" algn="ctr">
+                      <a:solidFill>
+                        <a:schemeClr val="bg1">
+                          <a:lumMod val="65000"/>
+                        </a:schemeClr>
+                      </a:solidFill>
+                      <a:prstDash val="solid"/>
+                      <a:round/>
+                      <a:headEnd type="none" w="med" len="med"/>
+                      <a:tailEnd type="none" w="med" len="med"/>
+                    </a:lnL>
+                    <a:lnR w="12700" cap="flat" cmpd="sng" algn="ctr">
+                      <a:noFill/>
+                      <a:prstDash val="solid"/>
+                      <a:round/>
+                      <a:headEnd type="none" w="med" len="med"/>
+                      <a:tailEnd type="none" w="med" len="med"/>
+                    </a:lnR>
+                    <a:lnT w="12700" cap="flat" cmpd="sng" algn="ctr">
+                      <a:solidFill>
+                        <a:schemeClr val="bg1">
+                          <a:lumMod val="65000"/>
+                        </a:schemeClr>
+                      </a:solidFill>
+                      <a:prstDash val="solid"/>
+                      <a:round/>
+                      <a:headEnd type="none" w="med" len="med"/>
+                      <a:tailEnd type="none" w="med" len="med"/>
+                    </a:lnT>
+                    <a:lnB w="12700" cap="flat" cmpd="sng" algn="ctr">
+                      <a:solidFill>
+                        <a:schemeClr val="bg1">
+                          <a:lumMod val="65000"/>
+                        </a:schemeClr>
+                      </a:solidFill>
+                      <a:prstDash val="solid"/>
+                      <a:round/>
+                      <a:headEnd type="none" w="med" len="med"/>
+                      <a:tailEnd type="none" w="med" len="med"/>
+                    </a:lnB>
+                    <a:lnTlToBr w="12700" cmpd="sng">
+                      <a:noFill/>
+                      <a:prstDash val="solid"/>
+                    </a:lnTlToBr>
+                    <a:lnBlToTr w="12700" cmpd="sng">
+                      <a:noFill/>
+                      <a:prstDash val="solid"/>
+                    </a:lnBlToTr>
+                    <a:solidFill>
+                      <a:schemeClr val="bg1"/>
+                    </a:solidFill>
+                  </a:tcPr>
+                </a:tc>
+                <a:extLst>
+                  <a:ext uri="{0D108BD9-81ED-4DB2-BD59-A6C34878D82A}">
+                    <a16:rowId xmlns:a16="http://schemas.microsoft.com/office/drawing/2014/main" val="2102013272"/>
+                  </a:ext>
+                </a:extLst>
+              </a:tr>
+              <a:tr h="468000">
+                <a:tc>
+                  <a:txBody>
+                    <a:bodyPr/>
+                    <a:lstStyle/>
+                    <a:p>
+                      <a:pPr algn="ctr" latinLnBrk="1"/>
+                      <a:r>
+                        <a:rPr lang="ko-KR" altLang="en-US" sz="1200" b="1" dirty="0">
+                          <a:solidFill>
+                            <a:sysClr val="windowText" lastClr="000000"/>
+                          </a:solidFill>
+                        </a:rPr>
+                        <a:t>수신자</a:t>
+                      </a:r>
+                    </a:p>
+                  </a:txBody>
+                  <a:tcPr anchor="ctr">
+                    <a:lnL w="12700" cap="flat" cmpd="sng" algn="ctr">
+                      <a:noFill/>
+                      <a:prstDash val="solid"/>
+                      <a:round/>
+                      <a:headEnd type="none" w="med" len="med"/>
+                      <a:tailEnd type="none" w="med" len="med"/>
+                    </a:lnL>
+                    <a:lnR w="12700" cap="flat" cmpd="sng" algn="ctr">
+                      <a:solidFill>
+                        <a:schemeClr val="bg1">
+                          <a:lumMod val="65000"/>
+                        </a:schemeClr>
+                      </a:solidFill>
+                      <a:prstDash val="solid"/>
+                      <a:round/>
+                      <a:headEnd type="none" w="med" len="med"/>
+                      <a:tailEnd type="none" w="med" len="med"/>
+                    </a:lnR>
+                    <a:lnT w="12700" cap="flat" cmpd="sng" algn="ctr">
+                      <a:solidFill>
+                        <a:schemeClr val="bg1">
+                          <a:lumMod val="65000"/>
+                        </a:schemeClr>
+                      </a:solidFill>
+                      <a:prstDash val="solid"/>
+                      <a:round/>
+                      <a:headEnd type="none" w="med" len="med"/>
+                      <a:tailEnd type="none" w="med" len="med"/>
+                    </a:lnT>
+                    <a:lnB w="12700" cap="flat" cmpd="sng" algn="ctr">
+                      <a:solidFill>
+                        <a:schemeClr val="bg1">
+                          <a:lumMod val="65000"/>
+                        </a:schemeClr>
+                      </a:solidFill>
+                      <a:prstDash val="solid"/>
+                      <a:round/>
+                      <a:headEnd type="none" w="med" len="med"/>
+                      <a:tailEnd type="none" w="med" len="med"/>
+                    </a:lnB>
+                    <a:lnTlToBr w="12700" cmpd="sng">
+                      <a:noFill/>
+                      <a:prstDash val="solid"/>
+                    </a:lnTlToBr>
+                    <a:lnBlToTr w="12700" cmpd="sng">
+                      <a:noFill/>
+                      <a:prstDash val="solid"/>
+                    </a:lnBlToTr>
+                    <a:solidFill>
+                      <a:schemeClr val="bg1">
+                        <a:lumMod val="95000"/>
+                      </a:schemeClr>
+                    </a:solidFill>
+                  </a:tcPr>
+                </a:tc>
+                <a:tc>
+                  <a:txBody>
+                    <a:bodyPr/>
+                    <a:lstStyle/>
+                    <a:p>
+                      <a:pPr algn="l" latinLnBrk="1"/>
+                      <a:r>
+                        <a:rPr lang="ko-KR" altLang="en-US" sz="1200" b="1" dirty="0">
+                          <a:solidFill>
+                            <a:sysClr val="windowText" lastClr="000000"/>
+                          </a:solidFill>
+                        </a:rPr>
+                        <a:t>수신자 입력란</a:t>
+                      </a:r>
+                    </a:p>
+                  </a:txBody>
+                  <a:tcPr anchor="ctr">
+                    <a:lnL w="12700" cap="flat" cmpd="sng" algn="ctr">
+                      <a:solidFill>
+                        <a:schemeClr val="bg1">
+                          <a:lumMod val="65000"/>
+                        </a:schemeClr>
+                      </a:solidFill>
+                      <a:prstDash val="solid"/>
+                      <a:round/>
+                      <a:headEnd type="none" w="med" len="med"/>
+                      <a:tailEnd type="none" w="med" len="med"/>
+                    </a:lnL>
+                    <a:lnR w="12700" cap="flat" cmpd="sng" algn="ctr">
+                      <a:noFill/>
+                      <a:prstDash val="solid"/>
+                      <a:round/>
+                      <a:headEnd type="none" w="med" len="med"/>
+                      <a:tailEnd type="none" w="med" len="med"/>
+                    </a:lnR>
+                    <a:lnT w="12700" cap="flat" cmpd="sng" algn="ctr">
+                      <a:solidFill>
+                        <a:schemeClr val="bg1">
+                          <a:lumMod val="65000"/>
+                        </a:schemeClr>
+                      </a:solidFill>
+                      <a:prstDash val="solid"/>
+                      <a:round/>
+                      <a:headEnd type="none" w="med" len="med"/>
+                      <a:tailEnd type="none" w="med" len="med"/>
+                    </a:lnT>
+                    <a:lnB w="12700" cap="flat" cmpd="sng" algn="ctr">
+                      <a:solidFill>
+                        <a:schemeClr val="bg1">
+                          <a:lumMod val="65000"/>
+                        </a:schemeClr>
+                      </a:solidFill>
+                      <a:prstDash val="solid"/>
+                      <a:round/>
+                      <a:headEnd type="none" w="med" len="med"/>
+                      <a:tailEnd type="none" w="med" len="med"/>
+                    </a:lnB>
+                    <a:lnTlToBr w="12700" cmpd="sng">
+                      <a:noFill/>
+                      <a:prstDash val="solid"/>
+                    </a:lnTlToBr>
+                    <a:lnBlToTr w="12700" cmpd="sng">
+                      <a:noFill/>
+                      <a:prstDash val="solid"/>
+                    </a:lnBlToTr>
+                    <a:solidFill>
+                      <a:schemeClr val="bg1"/>
+                    </a:solidFill>
+                  </a:tcPr>
+                </a:tc>
+                <a:extLst>
+                  <a:ext uri="{0D108BD9-81ED-4DB2-BD59-A6C34878D82A}">
+                    <a16:rowId xmlns:a16="http://schemas.microsoft.com/office/drawing/2014/main" val="2262134838"/>
+                  </a:ext>
+                </a:extLst>
+              </a:tr>
+              <a:tr h="468000">
+                <a:tc>
+                  <a:txBody>
+                    <a:bodyPr/>
+                    <a:lstStyle/>
+                    <a:p>
+                      <a:pPr algn="ctr" latinLnBrk="1"/>
+                      <a:r>
+                        <a:rPr lang="ko-KR" altLang="en-US" sz="1200" b="1" dirty="0">
+                          <a:solidFill>
+                            <a:sysClr val="windowText" lastClr="000000"/>
+                          </a:solidFill>
+                        </a:rPr>
+                        <a:t>연락처</a:t>
+                      </a:r>
+                    </a:p>
+                  </a:txBody>
+                  <a:tcPr anchor="ctr">
+                    <a:lnL w="12700" cap="flat" cmpd="sng" algn="ctr">
+                      <a:noFill/>
+                      <a:prstDash val="solid"/>
+                      <a:round/>
+                      <a:headEnd type="none" w="med" len="med"/>
+                      <a:tailEnd type="none" w="med" len="med"/>
+                    </a:lnL>
+                    <a:lnR w="12700" cap="flat" cmpd="sng" algn="ctr">
+                      <a:solidFill>
+                        <a:schemeClr val="bg1">
+                          <a:lumMod val="65000"/>
+                        </a:schemeClr>
+                      </a:solidFill>
+                      <a:prstDash val="solid"/>
+                      <a:round/>
+                      <a:headEnd type="none" w="med" len="med"/>
+                      <a:tailEnd type="none" w="med" len="med"/>
+                    </a:lnR>
+                    <a:lnT w="12700" cap="flat" cmpd="sng" algn="ctr">
+                      <a:solidFill>
+                        <a:schemeClr val="bg1">
+                          <a:lumMod val="65000"/>
+                        </a:schemeClr>
+                      </a:solidFill>
+                      <a:prstDash val="solid"/>
+                      <a:round/>
+                      <a:headEnd type="none" w="med" len="med"/>
+                      <a:tailEnd type="none" w="med" len="med"/>
+                    </a:lnT>
+                    <a:lnB w="12700" cap="flat" cmpd="sng" algn="ctr">
+                      <a:solidFill>
+                        <a:schemeClr val="bg1">
+                          <a:lumMod val="65000"/>
+                        </a:schemeClr>
+                      </a:solidFill>
+                      <a:prstDash val="solid"/>
+                      <a:round/>
+                      <a:headEnd type="none" w="med" len="med"/>
+                      <a:tailEnd type="none" w="med" len="med"/>
+                    </a:lnB>
+                    <a:lnTlToBr w="12700" cmpd="sng">
+                      <a:noFill/>
+                      <a:prstDash val="solid"/>
+                    </a:lnTlToBr>
+                    <a:lnBlToTr w="12700" cmpd="sng">
+                      <a:noFill/>
+                      <a:prstDash val="solid"/>
+                    </a:lnBlToTr>
+                    <a:solidFill>
+                      <a:schemeClr val="bg1">
+                        <a:lumMod val="95000"/>
+                      </a:schemeClr>
+                    </a:solidFill>
+                  </a:tcPr>
+                </a:tc>
+                <a:tc>
+                  <a:txBody>
+                    <a:bodyPr/>
+                    <a:lstStyle/>
+                    <a:p>
+                      <a:pPr algn="l" latinLnBrk="1"/>
+                      <a:r>
+                        <a:rPr lang="ko-KR" altLang="en-US" sz="1200" b="1" dirty="0">
+                          <a:solidFill>
+                            <a:sysClr val="windowText" lastClr="000000"/>
+                          </a:solidFill>
+                        </a:rPr>
+                        <a:t>연락처 입력란</a:t>
+                      </a:r>
+                    </a:p>
+                  </a:txBody>
+                  <a:tcPr anchor="ctr">
+                    <a:lnL w="12700" cap="flat" cmpd="sng" algn="ctr">
+                      <a:solidFill>
+                        <a:schemeClr val="bg1">
+                          <a:lumMod val="65000"/>
+                        </a:schemeClr>
+                      </a:solidFill>
+                      <a:prstDash val="solid"/>
+                      <a:round/>
+                      <a:headEnd type="none" w="med" len="med"/>
+                      <a:tailEnd type="none" w="med" len="med"/>
+                    </a:lnL>
+                    <a:lnR w="12700" cap="flat" cmpd="sng" algn="ctr">
+                      <a:noFill/>
+                      <a:prstDash val="solid"/>
+                      <a:round/>
+                      <a:headEnd type="none" w="med" len="med"/>
+                      <a:tailEnd type="none" w="med" len="med"/>
+                    </a:lnR>
+                    <a:lnT w="12700" cap="flat" cmpd="sng" algn="ctr">
+                      <a:solidFill>
+                        <a:schemeClr val="bg1">
+                          <a:lumMod val="65000"/>
+                        </a:schemeClr>
+                      </a:solidFill>
+                      <a:prstDash val="solid"/>
+                      <a:round/>
+                      <a:headEnd type="none" w="med" len="med"/>
+                      <a:tailEnd type="none" w="med" len="med"/>
+                    </a:lnT>
+                    <a:lnB w="12700" cap="flat" cmpd="sng" algn="ctr">
+                      <a:solidFill>
+                        <a:schemeClr val="bg1">
+                          <a:lumMod val="65000"/>
+                        </a:schemeClr>
+                      </a:solidFill>
+                      <a:prstDash val="solid"/>
+                      <a:round/>
+                      <a:headEnd type="none" w="med" len="med"/>
+                      <a:tailEnd type="none" w="med" len="med"/>
+                    </a:lnB>
+                    <a:lnTlToBr w="12700" cmpd="sng">
+                      <a:noFill/>
+                      <a:prstDash val="solid"/>
+                    </a:lnTlToBr>
+                    <a:lnBlToTr w="12700" cmpd="sng">
+                      <a:noFill/>
+                      <a:prstDash val="solid"/>
+                    </a:lnBlToTr>
+                    <a:solidFill>
+                      <a:schemeClr val="bg1"/>
+                    </a:solidFill>
+                  </a:tcPr>
+                </a:tc>
+                <a:extLst>
+                  <a:ext uri="{0D108BD9-81ED-4DB2-BD59-A6C34878D82A}">
+                    <a16:rowId xmlns:a16="http://schemas.microsoft.com/office/drawing/2014/main" val="4032822142"/>
+                  </a:ext>
+                </a:extLst>
+              </a:tr>
+            </a:tbl>
+          </a:graphicData>
+        </a:graphic>
+      </p:graphicFrame>
+      <p:graphicFrame>
+        <p:nvGraphicFramePr>
+          <p:cNvPr id="15" name="표 14">
+            <a:extLst>
+              <a:ext uri="{FF2B5EF4-FFF2-40B4-BE49-F238E27FC236}">
+                <a16:creationId xmlns:a16="http://schemas.microsoft.com/office/drawing/2014/main" id="{6C4C53BC-01D7-1D4A-85D0-37401796FE41}"/>
+              </a:ext>
+            </a:extLst>
+          </p:cNvPr>
+          <p:cNvGraphicFramePr>
+            <a:graphicFrameLocks noGrp="1"/>
+          </p:cNvGraphicFramePr>
+          <p:nvPr>
+            <p:extLst/>
+          </p:nvPr>
+        </p:nvGraphicFramePr>
+        <p:xfrm>
+          <a:off x="5058507" y="5149526"/>
+          <a:ext cx="4536000" cy="1404000"/>
+        </p:xfrm>
+        <a:graphic>
+          <a:graphicData uri="http://schemas.openxmlformats.org/drawingml/2006/table">
+            <a:tbl>
+              <a:tblPr firstRow="1" bandRow="1">
+                <a:tableStyleId>{5C22544A-7EE6-4342-B048-85BDC9FD1C3A}</a:tableStyleId>
+              </a:tblPr>
+              <a:tblGrid>
+                <a:gridCol w="900000">
+                  <a:extLst>
+                    <a:ext uri="{9D8B030D-6E8A-4147-A177-3AD203B41FA5}">
+                      <a16:colId xmlns:a16="http://schemas.microsoft.com/office/drawing/2014/main" val="3286585976"/>
+                    </a:ext>
+                  </a:extLst>
+                </a:gridCol>
+                <a:gridCol w="3636000">
+                  <a:extLst>
+                    <a:ext uri="{9D8B030D-6E8A-4147-A177-3AD203B41FA5}">
+                      <a16:colId xmlns:a16="http://schemas.microsoft.com/office/drawing/2014/main" val="1935096649"/>
+                    </a:ext>
+                  </a:extLst>
+                </a:gridCol>
+              </a:tblGrid>
+              <a:tr h="468000">
+                <a:tc>
+                  <a:txBody>
+                    <a:bodyPr/>
+                    <a:lstStyle/>
+                    <a:p>
+                      <a:pPr algn="ctr" latinLnBrk="1"/>
+                      <a:r>
+                        <a:rPr lang="ko-KR" altLang="en-US" sz="1200" b="1" dirty="0">
+                          <a:solidFill>
+                            <a:sysClr val="windowText" lastClr="000000"/>
+                          </a:solidFill>
+                        </a:rPr>
+                        <a:t>부서</a:t>
+                      </a:r>
+                    </a:p>
+                  </a:txBody>
+                  <a:tcPr anchor="ctr">
+                    <a:lnL w="12700" cap="flat" cmpd="sng" algn="ctr">
+                      <a:noFill/>
+                      <a:prstDash val="solid"/>
+                      <a:round/>
+                      <a:headEnd type="none" w="med" len="med"/>
+                      <a:tailEnd type="none" w="med" len="med"/>
+                    </a:lnL>
+                    <a:lnR w="12700" cap="flat" cmpd="sng" algn="ctr">
+                      <a:solidFill>
+                        <a:schemeClr val="bg1">
+                          <a:lumMod val="65000"/>
+                        </a:schemeClr>
+                      </a:solidFill>
+                      <a:prstDash val="solid"/>
+                      <a:round/>
+                      <a:headEnd type="none" w="med" len="med"/>
+                      <a:tailEnd type="none" w="med" len="med"/>
+                    </a:lnR>
+                    <a:lnT w="12700" cap="flat" cmpd="sng" algn="ctr">
+                      <a:solidFill>
+                        <a:schemeClr val="bg1">
+                          <a:lumMod val="65000"/>
+                        </a:schemeClr>
+                      </a:solidFill>
+                      <a:prstDash val="solid"/>
+                      <a:round/>
+                      <a:headEnd type="none" w="med" len="med"/>
+                      <a:tailEnd type="none" w="med" len="med"/>
+                    </a:lnT>
+                    <a:lnB w="12700" cap="flat" cmpd="sng" algn="ctr">
+                      <a:solidFill>
+                        <a:schemeClr val="bg1">
+                          <a:lumMod val="65000"/>
+                        </a:schemeClr>
+                      </a:solidFill>
+                      <a:prstDash val="solid"/>
+                      <a:round/>
+                      <a:headEnd type="none" w="med" len="med"/>
+                      <a:tailEnd type="none" w="med" len="med"/>
+                    </a:lnB>
+                    <a:lnTlToBr w="12700" cmpd="sng">
+                      <a:noFill/>
+                      <a:prstDash val="solid"/>
+                    </a:lnTlToBr>
+                    <a:lnBlToTr w="12700" cmpd="sng">
+                      <a:noFill/>
+                      <a:prstDash val="solid"/>
+                    </a:lnBlToTr>
+                    <a:solidFill>
+                      <a:schemeClr val="bg1">
+                        <a:lumMod val="95000"/>
+                      </a:schemeClr>
+                    </a:solidFill>
+                  </a:tcPr>
+                </a:tc>
+                <a:tc>
+                  <a:txBody>
+                    <a:bodyPr/>
+                    <a:lstStyle/>
+                    <a:p>
+                      <a:pPr algn="l" latinLnBrk="1"/>
+                      <a:r>
+                        <a:rPr lang="ko-KR" altLang="en-US" sz="1200" b="1" dirty="0">
+                          <a:solidFill>
+                            <a:sysClr val="windowText" lastClr="000000"/>
+                          </a:solidFill>
+                        </a:rPr>
+                        <a:t>부서명 입력란</a:t>
+                      </a:r>
+                    </a:p>
+                  </a:txBody>
+                  <a:tcPr anchor="ctr">
+                    <a:lnL w="12700" cap="flat" cmpd="sng" algn="ctr">
+                      <a:solidFill>
+                        <a:schemeClr val="bg1">
+                          <a:lumMod val="65000"/>
+                        </a:schemeClr>
+                      </a:solidFill>
+                      <a:prstDash val="solid"/>
+                      <a:round/>
+                      <a:headEnd type="none" w="med" len="med"/>
+                      <a:tailEnd type="none" w="med" len="med"/>
+                    </a:lnL>
+                    <a:lnR w="12700" cap="flat" cmpd="sng" algn="ctr">
+                      <a:noFill/>
+                      <a:prstDash val="solid"/>
+                      <a:round/>
+                      <a:headEnd type="none" w="med" len="med"/>
+                      <a:tailEnd type="none" w="med" len="med"/>
+                    </a:lnR>
+                    <a:lnT w="12700" cap="flat" cmpd="sng" algn="ctr">
+                      <a:solidFill>
+                        <a:schemeClr val="bg1">
+                          <a:lumMod val="65000"/>
+                        </a:schemeClr>
+                      </a:solidFill>
+                      <a:prstDash val="solid"/>
+                      <a:round/>
+                      <a:headEnd type="none" w="med" len="med"/>
+                      <a:tailEnd type="none" w="med" len="med"/>
+                    </a:lnT>
+                    <a:lnB w="12700" cap="flat" cmpd="sng" algn="ctr">
+                      <a:solidFill>
+                        <a:schemeClr val="bg1">
+                          <a:lumMod val="65000"/>
+                        </a:schemeClr>
+                      </a:solidFill>
+                      <a:prstDash val="solid"/>
+                      <a:round/>
+                      <a:headEnd type="none" w="med" len="med"/>
+                      <a:tailEnd type="none" w="med" len="med"/>
+                    </a:lnB>
+                    <a:lnTlToBr w="12700" cmpd="sng">
+                      <a:noFill/>
+                      <a:prstDash val="solid"/>
+                    </a:lnTlToBr>
+                    <a:lnBlToTr w="12700" cmpd="sng">
+                      <a:noFill/>
+                      <a:prstDash val="solid"/>
+                    </a:lnBlToTr>
+                    <a:solidFill>
+                      <a:schemeClr val="bg1"/>
+                    </a:solidFill>
+                  </a:tcPr>
+                </a:tc>
+                <a:extLst>
+                  <a:ext uri="{0D108BD9-81ED-4DB2-BD59-A6C34878D82A}">
+                    <a16:rowId xmlns:a16="http://schemas.microsoft.com/office/drawing/2014/main" val="2102013272"/>
+                  </a:ext>
+                </a:extLst>
+              </a:tr>
+              <a:tr h="468000">
+                <a:tc>
+                  <a:txBody>
+                    <a:bodyPr/>
+                    <a:lstStyle/>
+                    <a:p>
+                      <a:pPr algn="ctr" latinLnBrk="1"/>
+                      <a:r>
+                        <a:rPr lang="ko-KR" altLang="en-US" sz="1200" b="1" dirty="0">
+                          <a:solidFill>
+                            <a:sysClr val="windowText" lastClr="000000"/>
+                          </a:solidFill>
+                        </a:rPr>
+                        <a:t>수신자</a:t>
+                      </a:r>
+                    </a:p>
+                  </a:txBody>
+                  <a:tcPr anchor="ctr">
+                    <a:lnL w="12700" cap="flat" cmpd="sng" algn="ctr">
+                      <a:noFill/>
+                      <a:prstDash val="solid"/>
+                      <a:round/>
+                      <a:headEnd type="none" w="med" len="med"/>
+                      <a:tailEnd type="none" w="med" len="med"/>
+                    </a:lnL>
+                    <a:lnR w="12700" cap="flat" cmpd="sng" algn="ctr">
+                      <a:solidFill>
+                        <a:schemeClr val="bg1">
+                          <a:lumMod val="65000"/>
+                        </a:schemeClr>
+                      </a:solidFill>
+                      <a:prstDash val="solid"/>
+                      <a:round/>
+                      <a:headEnd type="none" w="med" len="med"/>
+                      <a:tailEnd type="none" w="med" len="med"/>
+                    </a:lnR>
+                    <a:lnT w="12700" cap="flat" cmpd="sng" algn="ctr">
+                      <a:solidFill>
+                        <a:schemeClr val="bg1">
+                          <a:lumMod val="65000"/>
+                        </a:schemeClr>
+                      </a:solidFill>
+                      <a:prstDash val="solid"/>
+                      <a:round/>
+                      <a:headEnd type="none" w="med" len="med"/>
+                      <a:tailEnd type="none" w="med" len="med"/>
+                    </a:lnT>
+                    <a:lnB w="12700" cap="flat" cmpd="sng" algn="ctr">
+                      <a:solidFill>
+                        <a:schemeClr val="bg1">
+                          <a:lumMod val="65000"/>
+                        </a:schemeClr>
+                      </a:solidFill>
+                      <a:prstDash val="solid"/>
+                      <a:round/>
+                      <a:headEnd type="none" w="med" len="med"/>
+                      <a:tailEnd type="none" w="med" len="med"/>
+                    </a:lnB>
+                    <a:lnTlToBr w="12700" cmpd="sng">
+                      <a:noFill/>
+                      <a:prstDash val="solid"/>
+                    </a:lnTlToBr>
+                    <a:lnBlToTr w="12700" cmpd="sng">
+                      <a:noFill/>
+                      <a:prstDash val="solid"/>
+                    </a:lnBlToTr>
+                    <a:solidFill>
+                      <a:schemeClr val="bg1">
+                        <a:lumMod val="95000"/>
+                      </a:schemeClr>
+                    </a:solidFill>
+                  </a:tcPr>
+                </a:tc>
+                <a:tc>
+                  <a:txBody>
+                    <a:bodyPr/>
+                    <a:lstStyle/>
+                    <a:p>
+                      <a:pPr algn="l" latinLnBrk="1"/>
+                      <a:r>
+                        <a:rPr lang="ko-KR" altLang="en-US" sz="1200" b="1" dirty="0">
+                          <a:solidFill>
+                            <a:sysClr val="windowText" lastClr="000000"/>
+                          </a:solidFill>
+                        </a:rPr>
+                        <a:t>수신자 입력란</a:t>
+                      </a:r>
+                    </a:p>
+                  </a:txBody>
+                  <a:tcPr anchor="ctr">
+                    <a:lnL w="12700" cap="flat" cmpd="sng" algn="ctr">
+                      <a:solidFill>
+                        <a:schemeClr val="bg1">
+                          <a:lumMod val="65000"/>
+                        </a:schemeClr>
+                      </a:solidFill>
+                      <a:prstDash val="solid"/>
+                      <a:round/>
+                      <a:headEnd type="none" w="med" len="med"/>
+                      <a:tailEnd type="none" w="med" len="med"/>
+                    </a:lnL>
+                    <a:lnR w="12700" cap="flat" cmpd="sng" algn="ctr">
+                      <a:noFill/>
+                      <a:prstDash val="solid"/>
+                      <a:round/>
+                      <a:headEnd type="none" w="med" len="med"/>
+                      <a:tailEnd type="none" w="med" len="med"/>
+                    </a:lnR>
+                    <a:lnT w="12700" cap="flat" cmpd="sng" algn="ctr">
+                      <a:solidFill>
+                        <a:schemeClr val="bg1">
+                          <a:lumMod val="65000"/>
+                        </a:schemeClr>
+                      </a:solidFill>
+                      <a:prstDash val="solid"/>
+                      <a:round/>
+                      <a:headEnd type="none" w="med" len="med"/>
+                      <a:tailEnd type="none" w="med" len="med"/>
+                    </a:lnT>
+                    <a:lnB w="12700" cap="flat" cmpd="sng" algn="ctr">
+                      <a:solidFill>
+                        <a:schemeClr val="bg1">
+                          <a:lumMod val="65000"/>
+                        </a:schemeClr>
+                      </a:solidFill>
+                      <a:prstDash val="solid"/>
+                      <a:round/>
+                      <a:headEnd type="none" w="med" len="med"/>
+                      <a:tailEnd type="none" w="med" len="med"/>
+                    </a:lnB>
+                    <a:lnTlToBr w="12700" cmpd="sng">
+                      <a:noFill/>
+                      <a:prstDash val="solid"/>
+                    </a:lnTlToBr>
+                    <a:lnBlToTr w="12700" cmpd="sng">
+                      <a:noFill/>
+                      <a:prstDash val="solid"/>
+                    </a:lnBlToTr>
+                    <a:solidFill>
+                      <a:schemeClr val="bg1"/>
+                    </a:solidFill>
+                  </a:tcPr>
+                </a:tc>
+                <a:extLst>
+                  <a:ext uri="{0D108BD9-81ED-4DB2-BD59-A6C34878D82A}">
+                    <a16:rowId xmlns:a16="http://schemas.microsoft.com/office/drawing/2014/main" val="2262134838"/>
+                  </a:ext>
+                </a:extLst>
+              </a:tr>
+              <a:tr h="468000">
+                <a:tc>
+                  <a:txBody>
+                    <a:bodyPr/>
+                    <a:lstStyle/>
+                    <a:p>
+                      <a:pPr algn="ctr" latinLnBrk="1"/>
+                      <a:r>
+                        <a:rPr lang="ko-KR" altLang="en-US" sz="1200" b="1" dirty="0">
+                          <a:solidFill>
+                            <a:sysClr val="windowText" lastClr="000000"/>
+                          </a:solidFill>
+                        </a:rPr>
+                        <a:t>연락처</a:t>
+                      </a:r>
+                    </a:p>
+                  </a:txBody>
+                  <a:tcPr anchor="ctr">
+                    <a:lnL w="12700" cap="flat" cmpd="sng" algn="ctr">
+                      <a:noFill/>
+                      <a:prstDash val="solid"/>
+                      <a:round/>
+                      <a:headEnd type="none" w="med" len="med"/>
+                      <a:tailEnd type="none" w="med" len="med"/>
+                    </a:lnL>
+                    <a:lnR w="12700" cap="flat" cmpd="sng" algn="ctr">
+                      <a:solidFill>
+                        <a:schemeClr val="bg1">
+                          <a:lumMod val="65000"/>
+                        </a:schemeClr>
+                      </a:solidFill>
+                      <a:prstDash val="solid"/>
+                      <a:round/>
+                      <a:headEnd type="none" w="med" len="med"/>
+                      <a:tailEnd type="none" w="med" len="med"/>
+                    </a:lnR>
+                    <a:lnT w="12700" cap="flat" cmpd="sng" algn="ctr">
+                      <a:solidFill>
+                        <a:schemeClr val="bg1">
+                          <a:lumMod val="65000"/>
+                        </a:schemeClr>
+                      </a:solidFill>
+                      <a:prstDash val="solid"/>
+                      <a:round/>
+                      <a:headEnd type="none" w="med" len="med"/>
+                      <a:tailEnd type="none" w="med" len="med"/>
+                    </a:lnT>
+                    <a:lnB w="12700" cap="flat" cmpd="sng" algn="ctr">
+                      <a:solidFill>
+                        <a:schemeClr val="bg1">
+                          <a:lumMod val="65000"/>
+                        </a:schemeClr>
+                      </a:solidFill>
+                      <a:prstDash val="solid"/>
+                      <a:round/>
+                      <a:headEnd type="none" w="med" len="med"/>
+                      <a:tailEnd type="none" w="med" len="med"/>
+                    </a:lnB>
+                    <a:lnTlToBr w="12700" cmpd="sng">
+                      <a:noFill/>
+                      <a:prstDash val="solid"/>
+                    </a:lnTlToBr>
+                    <a:lnBlToTr w="12700" cmpd="sng">
+                      <a:noFill/>
+                      <a:prstDash val="solid"/>
+                    </a:lnBlToTr>
+                    <a:solidFill>
+                      <a:schemeClr val="bg1">
+                        <a:lumMod val="95000"/>
+                      </a:schemeClr>
+                    </a:solidFill>
+                  </a:tcPr>
+                </a:tc>
+                <a:tc>
+                  <a:txBody>
+                    <a:bodyPr/>
+                    <a:lstStyle/>
+                    <a:p>
+                      <a:pPr algn="l" latinLnBrk="1"/>
+                      <a:r>
+                        <a:rPr lang="ko-KR" altLang="en-US" sz="1200" b="1" dirty="0">
+                          <a:solidFill>
+                            <a:sysClr val="windowText" lastClr="000000"/>
+                          </a:solidFill>
+                        </a:rPr>
+                        <a:t>연락처 입력란</a:t>
+                      </a:r>
+                    </a:p>
+                  </a:txBody>
+                  <a:tcPr anchor="ctr">
+                    <a:lnL w="12700" cap="flat" cmpd="sng" algn="ctr">
+                      <a:solidFill>
+                        <a:schemeClr val="bg1">
+                          <a:lumMod val="65000"/>
+                        </a:schemeClr>
+                      </a:solidFill>
+                      <a:prstDash val="solid"/>
+                      <a:round/>
+                      <a:headEnd type="none" w="med" len="med"/>
+                      <a:tailEnd type="none" w="med" len="med"/>
+                    </a:lnL>
+                    <a:lnR w="12700" cap="flat" cmpd="sng" algn="ctr">
+                      <a:noFill/>
+                      <a:prstDash val="solid"/>
+                      <a:round/>
+                      <a:headEnd type="none" w="med" len="med"/>
+                      <a:tailEnd type="none" w="med" len="med"/>
+                    </a:lnR>
+                    <a:lnT w="12700" cap="flat" cmpd="sng" algn="ctr">
+                      <a:solidFill>
+                        <a:schemeClr val="bg1">
+                          <a:lumMod val="65000"/>
+                        </a:schemeClr>
+                      </a:solidFill>
+                      <a:prstDash val="solid"/>
+                      <a:round/>
+                      <a:headEnd type="none" w="med" len="med"/>
+                      <a:tailEnd type="none" w="med" len="med"/>
+                    </a:lnT>
+                    <a:lnB w="12700" cap="flat" cmpd="sng" algn="ctr">
+                      <a:solidFill>
+                        <a:schemeClr val="bg1">
+                          <a:lumMod val="65000"/>
+                        </a:schemeClr>
+                      </a:solidFill>
+                      <a:prstDash val="solid"/>
+                      <a:round/>
+                      <a:headEnd type="none" w="med" len="med"/>
+                      <a:tailEnd type="none" w="med" len="med"/>
+                    </a:lnB>
+                    <a:lnTlToBr w="12700" cmpd="sng">
+                      <a:noFill/>
+                      <a:prstDash val="solid"/>
+                    </a:lnTlToBr>
+                    <a:lnBlToTr w="12700" cmpd="sng">
+                      <a:noFill/>
+                      <a:prstDash val="solid"/>
+                    </a:lnBlToTr>
+                    <a:solidFill>
+                      <a:schemeClr val="bg1"/>
+                    </a:solidFill>
+                  </a:tcPr>
+                </a:tc>
+                <a:extLst>
+                  <a:ext uri="{0D108BD9-81ED-4DB2-BD59-A6C34878D82A}">
+                    <a16:rowId xmlns:a16="http://schemas.microsoft.com/office/drawing/2014/main" val="4032822142"/>
+                  </a:ext>
+                </a:extLst>
+              </a:tr>
+            </a:tbl>
+          </a:graphicData>
+        </a:graphic>
+      </p:graphicFrame>
+    </p:spTree>
+    <p:extLst>
+      <p:ext uri="{BB962C8B-B14F-4D97-AF65-F5344CB8AC3E}">
+        <p14:creationId xmlns:p14="http://schemas.microsoft.com/office/powerpoint/2010/main" val="3158009619"/>
+      </p:ext>
+    </p:extLst>
+  </p:cSld>
+  <p:clrMapOvr>
+    <a:masterClrMapping/>
+  </p:clrMapOvr>
+</p:sld>
+</file>
+
 <file path=ppt/theme/theme1.xml><?xml version="1.0" encoding="utf-8"?>
 <a:theme xmlns:a="http://schemas.openxmlformats.org/drawingml/2006/main" name="Office 테마">
   <a:themeElements>
